--- a/Roslyn - mastering static code analysis.pptx
+++ b/Roslyn - mastering static code analysis.pptx
@@ -5,52 +5,62 @@
     <p:sldMasterId id="2147483648" r:id="rId1"/>
   </p:sldMasterIdLst>
   <p:notesMasterIdLst>
-    <p:notesMasterId r:id="rId45"/>
+    <p:notesMasterId r:id="rId55"/>
   </p:notesMasterIdLst>
   <p:sldIdLst>
     <p:sldId id="256" r:id="rId2"/>
-    <p:sldId id="265" r:id="rId3"/>
-    <p:sldId id="266" r:id="rId4"/>
-    <p:sldId id="267" r:id="rId5"/>
-    <p:sldId id="268" r:id="rId6"/>
-    <p:sldId id="257" r:id="rId7"/>
-    <p:sldId id="258" r:id="rId8"/>
-    <p:sldId id="276" r:id="rId9"/>
-    <p:sldId id="277" r:id="rId10"/>
-    <p:sldId id="279" r:id="rId11"/>
-    <p:sldId id="264" r:id="rId12"/>
-    <p:sldId id="282" r:id="rId13"/>
-    <p:sldId id="283" r:id="rId14"/>
-    <p:sldId id="280" r:id="rId15"/>
-    <p:sldId id="273" r:id="rId16"/>
-    <p:sldId id="275" r:id="rId17"/>
-    <p:sldId id="281" r:id="rId18"/>
-    <p:sldId id="284" r:id="rId19"/>
-    <p:sldId id="285" r:id="rId20"/>
-    <p:sldId id="287" r:id="rId21"/>
-    <p:sldId id="286" r:id="rId22"/>
-    <p:sldId id="274" r:id="rId23"/>
-    <p:sldId id="295" r:id="rId24"/>
-    <p:sldId id="288" r:id="rId25"/>
-    <p:sldId id="290" r:id="rId26"/>
-    <p:sldId id="289" r:id="rId27"/>
-    <p:sldId id="292" r:id="rId28"/>
-    <p:sldId id="293" r:id="rId29"/>
-    <p:sldId id="291" r:id="rId30"/>
-    <p:sldId id="294" r:id="rId31"/>
-    <p:sldId id="296" r:id="rId32"/>
-    <p:sldId id="297" r:id="rId33"/>
-    <p:sldId id="299" r:id="rId34"/>
-    <p:sldId id="300" r:id="rId35"/>
-    <p:sldId id="298" r:id="rId36"/>
-    <p:sldId id="270" r:id="rId37"/>
-    <p:sldId id="278" r:id="rId38"/>
-    <p:sldId id="271" r:id="rId39"/>
-    <p:sldId id="272" r:id="rId40"/>
-    <p:sldId id="259" r:id="rId41"/>
-    <p:sldId id="262" r:id="rId42"/>
-    <p:sldId id="260" r:id="rId43"/>
-    <p:sldId id="261" r:id="rId44"/>
+    <p:sldId id="276" r:id="rId3"/>
+    <p:sldId id="257" r:id="rId4"/>
+    <p:sldId id="258" r:id="rId5"/>
+    <p:sldId id="301" r:id="rId6"/>
+    <p:sldId id="277" r:id="rId7"/>
+    <p:sldId id="284" r:id="rId8"/>
+    <p:sldId id="285" r:id="rId9"/>
+    <p:sldId id="280" r:id="rId10"/>
+    <p:sldId id="282" r:id="rId11"/>
+    <p:sldId id="283" r:id="rId12"/>
+    <p:sldId id="287" r:id="rId13"/>
+    <p:sldId id="286" r:id="rId14"/>
+    <p:sldId id="288" r:id="rId15"/>
+    <p:sldId id="302" r:id="rId16"/>
+    <p:sldId id="290" r:id="rId17"/>
+    <p:sldId id="303" r:id="rId18"/>
+    <p:sldId id="289" r:id="rId19"/>
+    <p:sldId id="292" r:id="rId20"/>
+    <p:sldId id="291" r:id="rId21"/>
+    <p:sldId id="293" r:id="rId22"/>
+    <p:sldId id="294" r:id="rId23"/>
+    <p:sldId id="296" r:id="rId24"/>
+    <p:sldId id="297" r:id="rId25"/>
+    <p:sldId id="304" r:id="rId26"/>
+    <p:sldId id="318" r:id="rId27"/>
+    <p:sldId id="310" r:id="rId28"/>
+    <p:sldId id="308" r:id="rId29"/>
+    <p:sldId id="311" r:id="rId30"/>
+    <p:sldId id="309" r:id="rId31"/>
+    <p:sldId id="306" r:id="rId32"/>
+    <p:sldId id="305" r:id="rId33"/>
+    <p:sldId id="307" r:id="rId34"/>
+    <p:sldId id="312" r:id="rId35"/>
+    <p:sldId id="313" r:id="rId36"/>
+    <p:sldId id="314" r:id="rId37"/>
+    <p:sldId id="315" r:id="rId38"/>
+    <p:sldId id="316" r:id="rId39"/>
+    <p:sldId id="299" r:id="rId40"/>
+    <p:sldId id="300" r:id="rId41"/>
+    <p:sldId id="317" r:id="rId42"/>
+    <p:sldId id="273" r:id="rId43"/>
+    <p:sldId id="275" r:id="rId44"/>
+    <p:sldId id="274" r:id="rId45"/>
+    <p:sldId id="298" r:id="rId46"/>
+    <p:sldId id="295" r:id="rId47"/>
+    <p:sldId id="270" r:id="rId48"/>
+    <p:sldId id="278" r:id="rId49"/>
+    <p:sldId id="271" r:id="rId50"/>
+    <p:sldId id="272" r:id="rId51"/>
+    <p:sldId id="260" r:id="rId52"/>
+    <p:sldId id="261" r:id="rId53"/>
+    <p:sldId id="259" r:id="rId54"/>
   </p:sldIdLst>
   <p:sldSz cx="12192000" cy="6858000"/>
   <p:notesSz cx="6858000" cy="9144000"/>
@@ -242,7 +252,7 @@
           <a:p>
             <a:fld id="{2B1CC687-5C01-4CC2-81F1-F68C6E8C2DB0}" type="datetimeFigureOut">
               <a:rPr lang="en-US" smtClean="0"/>
-              <a:t>8/31/2019</a:t>
+              <a:t>9/9/2019</a:t>
             </a:fld>
             <a:endParaRPr lang="en-US"/>
           </a:p>
@@ -597,7 +607,7 @@
           <a:p>
             <a:fld id="{EB87502A-8146-447A-A105-EF92AC9F6F93}" type="slidenum">
               <a:rPr lang="en-US" smtClean="0"/>
-              <a:t>40</a:t>
+              <a:t>53</a:t>
             </a:fld>
             <a:endParaRPr lang="en-US"/>
           </a:p>
@@ -763,7 +773,7 @@
           <a:p>
             <a:fld id="{778F5123-5BF2-420E-A1E0-14EBE563D9EF}" type="datetimeFigureOut">
               <a:rPr lang="en-US" smtClean="0"/>
-              <a:t>8/31/2019</a:t>
+              <a:t>9/9/2019</a:t>
             </a:fld>
             <a:endParaRPr lang="en-US"/>
           </a:p>
@@ -961,7 +971,7 @@
           <a:p>
             <a:fld id="{778F5123-5BF2-420E-A1E0-14EBE563D9EF}" type="datetimeFigureOut">
               <a:rPr lang="en-US" smtClean="0"/>
-              <a:t>8/31/2019</a:t>
+              <a:t>9/9/2019</a:t>
             </a:fld>
             <a:endParaRPr lang="en-US"/>
           </a:p>
@@ -1169,7 +1179,7 @@
           <a:p>
             <a:fld id="{778F5123-5BF2-420E-A1E0-14EBE563D9EF}" type="datetimeFigureOut">
               <a:rPr lang="en-US" smtClean="0"/>
-              <a:t>8/31/2019</a:t>
+              <a:t>9/9/2019</a:t>
             </a:fld>
             <a:endParaRPr lang="en-US"/>
           </a:p>
@@ -1367,7 +1377,7 @@
           <a:p>
             <a:fld id="{778F5123-5BF2-420E-A1E0-14EBE563D9EF}" type="datetimeFigureOut">
               <a:rPr lang="en-US" smtClean="0"/>
-              <a:t>8/31/2019</a:t>
+              <a:t>9/9/2019</a:t>
             </a:fld>
             <a:endParaRPr lang="en-US"/>
           </a:p>
@@ -1642,7 +1652,7 @@
           <a:p>
             <a:fld id="{778F5123-5BF2-420E-A1E0-14EBE563D9EF}" type="datetimeFigureOut">
               <a:rPr lang="en-US" smtClean="0"/>
-              <a:t>8/31/2019</a:t>
+              <a:t>9/9/2019</a:t>
             </a:fld>
             <a:endParaRPr lang="en-US"/>
           </a:p>
@@ -1907,7 +1917,7 @@
           <a:p>
             <a:fld id="{778F5123-5BF2-420E-A1E0-14EBE563D9EF}" type="datetimeFigureOut">
               <a:rPr lang="en-US" smtClean="0"/>
-              <a:t>8/31/2019</a:t>
+              <a:t>9/9/2019</a:t>
             </a:fld>
             <a:endParaRPr lang="en-US"/>
           </a:p>
@@ -2319,7 +2329,7 @@
           <a:p>
             <a:fld id="{778F5123-5BF2-420E-A1E0-14EBE563D9EF}" type="datetimeFigureOut">
               <a:rPr lang="en-US" smtClean="0"/>
-              <a:t>8/31/2019</a:t>
+              <a:t>9/9/2019</a:t>
             </a:fld>
             <a:endParaRPr lang="en-US"/>
           </a:p>
@@ -2460,7 +2470,7 @@
           <a:p>
             <a:fld id="{778F5123-5BF2-420E-A1E0-14EBE563D9EF}" type="datetimeFigureOut">
               <a:rPr lang="en-US" smtClean="0"/>
-              <a:t>8/31/2019</a:t>
+              <a:t>9/9/2019</a:t>
             </a:fld>
             <a:endParaRPr lang="en-US"/>
           </a:p>
@@ -2573,7 +2583,7 @@
           <a:p>
             <a:fld id="{778F5123-5BF2-420E-A1E0-14EBE563D9EF}" type="datetimeFigureOut">
               <a:rPr lang="en-US" smtClean="0"/>
-              <a:t>8/31/2019</a:t>
+              <a:t>9/9/2019</a:t>
             </a:fld>
             <a:endParaRPr lang="en-US"/>
           </a:p>
@@ -2884,7 +2894,7 @@
           <a:p>
             <a:fld id="{778F5123-5BF2-420E-A1E0-14EBE563D9EF}" type="datetimeFigureOut">
               <a:rPr lang="en-US" smtClean="0"/>
-              <a:t>8/31/2019</a:t>
+              <a:t>9/9/2019</a:t>
             </a:fld>
             <a:endParaRPr lang="en-US"/>
           </a:p>
@@ -3172,7 +3182,7 @@
           <a:p>
             <a:fld id="{778F5123-5BF2-420E-A1E0-14EBE563D9EF}" type="datetimeFigureOut">
               <a:rPr lang="en-US" smtClean="0"/>
-              <a:t>8/31/2019</a:t>
+              <a:t>9/9/2019</a:t>
             </a:fld>
             <a:endParaRPr lang="en-US"/>
           </a:p>
@@ -3413,7 +3423,7 @@
           <a:p>
             <a:fld id="{778F5123-5BF2-420E-A1E0-14EBE563D9EF}" type="datetimeFigureOut">
               <a:rPr lang="en-US" smtClean="0"/>
-              <a:t>8/31/2019</a:t>
+              <a:t>9/9/2019</a:t>
             </a:fld>
             <a:endParaRPr lang="en-US"/>
           </a:p>
@@ -3923,7 +3933,7 @@
           <p:cNvPr id="2" name="Title 1">
             <a:extLst>
               <a:ext uri="{FF2B5EF4-FFF2-40B4-BE49-F238E27FC236}">
-                <a16:creationId xmlns:a16="http://schemas.microsoft.com/office/drawing/2014/main" id="{C36B60AB-5E24-453C-A029-52184709C44F}"/>
+                <a16:creationId xmlns:a16="http://schemas.microsoft.com/office/drawing/2014/main" id="{AAD27228-9459-473A-AC07-5FBE0E907ECF}"/>
               </a:ext>
             </a:extLst>
           </p:cNvPr>
@@ -3941,21 +3951,18 @@
           <a:p>
             <a:r>
               <a:rPr lang="ru-RU" dirty="0"/>
-              <a:t>Пример из </a:t>
-            </a:r>
-            <a:r>
-              <a:rPr lang="en-US" dirty="0"/>
-              <a:t>Visual Studio</a:t>
-            </a:r>
+              <a:t>Немножко теории</a:t>
+            </a:r>
+            <a:endParaRPr lang="en-US" dirty="0"/>
           </a:p>
         </p:txBody>
       </p:sp>
       <p:pic>
         <p:nvPicPr>
-          <p:cNvPr id="5" name="Content Placeholder 4" descr="A screenshot of a computer screen&#10;&#10;Description automatically generated">
-            <a:extLst>
-              <a:ext uri="{FF2B5EF4-FFF2-40B4-BE49-F238E27FC236}">
-                <a16:creationId xmlns:a16="http://schemas.microsoft.com/office/drawing/2014/main" id="{961DED92-6875-40C2-A600-0A4914560978}"/>
+          <p:cNvPr id="6" name="Content Placeholder 5" descr="A screenshot of a cell phone&#10;&#10;Description automatically generated">
+            <a:extLst>
+              <a:ext uri="{FF2B5EF4-FFF2-40B4-BE49-F238E27FC236}">
+                <a16:creationId xmlns:a16="http://schemas.microsoft.com/office/drawing/2014/main" id="{CD5F5B01-A1FE-4CBB-B112-C51207BE4DDC}"/>
               </a:ext>
             </a:extLst>
           </p:cNvPr>
@@ -3980,15 +3987,15 @@
         </p:blipFill>
         <p:spPr>
           <a:xfrm>
-            <a:off x="838199" y="2025151"/>
-            <a:ext cx="6565491" cy="4273071"/>
+            <a:off x="838200" y="2567966"/>
+            <a:ext cx="10515600" cy="2866655"/>
           </a:xfrm>
         </p:spPr>
       </p:pic>
     </p:spTree>
     <p:extLst>
       <p:ext uri="{BB962C8B-B14F-4D97-AF65-F5344CB8AC3E}">
-        <p14:creationId xmlns:p14="http://schemas.microsoft.com/office/powerpoint/2010/main" val="98204445"/>
+        <p14:creationId xmlns:p14="http://schemas.microsoft.com/office/powerpoint/2010/main" val="3073865634"/>
       </p:ext>
     </p:extLst>
   </p:cSld>
@@ -4020,7 +4027,7 @@
           <p:cNvPr id="2" name="Title 1">
             <a:extLst>
               <a:ext uri="{FF2B5EF4-FFF2-40B4-BE49-F238E27FC236}">
-                <a16:creationId xmlns:a16="http://schemas.microsoft.com/office/drawing/2014/main" id="{30706AB9-DBE5-44FC-8978-5E49D18E7006}"/>
+                <a16:creationId xmlns:a16="http://schemas.microsoft.com/office/drawing/2014/main" id="{AAD27228-9459-473A-AC07-5FBE0E907ECF}"/>
               </a:ext>
             </a:extLst>
           </p:cNvPr>
@@ -4038,7 +4045,7 @@
           <a:p>
             <a:r>
               <a:rPr lang="ru-RU" dirty="0"/>
-              <a:t>Как начать?</a:t>
+              <a:t>Немножко теории</a:t>
             </a:r>
             <a:endParaRPr lang="en-US" dirty="0"/>
           </a:p>
@@ -4046,10 +4053,10 @@
       </p:sp>
       <p:pic>
         <p:nvPicPr>
-          <p:cNvPr id="5" name="Content Placeholder 4" descr="A screenshot of a social media post&#10;&#10;Description automatically generated">
-            <a:extLst>
-              <a:ext uri="{FF2B5EF4-FFF2-40B4-BE49-F238E27FC236}">
-                <a16:creationId xmlns:a16="http://schemas.microsoft.com/office/drawing/2014/main" id="{DB5199B7-1B3C-4ADB-9616-0ADFD9C810E4}"/>
+          <p:cNvPr id="6" name="Content Placeholder 5" descr="A screenshot of a cell phone&#10;&#10;Description automatically generated">
+            <a:extLst>
+              <a:ext uri="{FF2B5EF4-FFF2-40B4-BE49-F238E27FC236}">
+                <a16:creationId xmlns:a16="http://schemas.microsoft.com/office/drawing/2014/main" id="{A369313F-B9DC-41DC-A531-E7C14E6EF611}"/>
               </a:ext>
             </a:extLst>
           </p:cNvPr>
@@ -4074,15 +4081,15 @@
         </p:blipFill>
         <p:spPr>
           <a:xfrm>
-            <a:off x="838200" y="1406934"/>
-            <a:ext cx="9522542" cy="5317455"/>
+            <a:off x="838200" y="2567966"/>
+            <a:ext cx="10515600" cy="2866655"/>
           </a:xfrm>
         </p:spPr>
       </p:pic>
     </p:spTree>
     <p:extLst>
       <p:ext uri="{BB962C8B-B14F-4D97-AF65-F5344CB8AC3E}">
-        <p14:creationId xmlns:p14="http://schemas.microsoft.com/office/powerpoint/2010/main" val="1806309100"/>
+        <p14:creationId xmlns:p14="http://schemas.microsoft.com/office/powerpoint/2010/main" val="551921326"/>
       </p:ext>
     </p:extLst>
   </p:cSld>
@@ -4114,7 +4121,7 @@
           <p:cNvPr id="2" name="Title 1">
             <a:extLst>
               <a:ext uri="{FF2B5EF4-FFF2-40B4-BE49-F238E27FC236}">
-                <a16:creationId xmlns:a16="http://schemas.microsoft.com/office/drawing/2014/main" id="{AAD27228-9459-473A-AC07-5FBE0E907ECF}"/>
+                <a16:creationId xmlns:a16="http://schemas.microsoft.com/office/drawing/2014/main" id="{4C224E24-1847-4D90-8BFA-EA289ED4506F}"/>
               </a:ext>
             </a:extLst>
           </p:cNvPr>
@@ -4132,51 +4139,71 @@
           <a:p>
             <a:r>
               <a:rPr lang="ru-RU" dirty="0"/>
-              <a:t>Немножко теории</a:t>
+              <a:t>Сколько стоит написать анализатор?</a:t>
             </a:r>
             <a:endParaRPr lang="en-US" dirty="0"/>
           </a:p>
         </p:txBody>
       </p:sp>
-      <p:pic>
-        <p:nvPicPr>
-          <p:cNvPr id="13" name="Content Placeholder 12" descr="A screenshot of a cell phone&#10;&#10;Description automatically generated">
-            <a:extLst>
-              <a:ext uri="{FF2B5EF4-FFF2-40B4-BE49-F238E27FC236}">
-                <a16:creationId xmlns:a16="http://schemas.microsoft.com/office/drawing/2014/main" id="{0ACAB045-0684-4B49-83EB-2D1EA6F8A60B}"/>
-              </a:ext>
-            </a:extLst>
-          </p:cNvPr>
-          <p:cNvPicPr>
-            <a:picLocks noGrp="1" noChangeAspect="1"/>
-          </p:cNvPicPr>
+      <p:sp>
+        <p:nvSpPr>
+          <p:cNvPr id="3" name="Content Placeholder 2">
+            <a:extLst>
+              <a:ext uri="{FF2B5EF4-FFF2-40B4-BE49-F238E27FC236}">
+                <a16:creationId xmlns:a16="http://schemas.microsoft.com/office/drawing/2014/main" id="{4C888629-6600-4908-9259-D7C400751781}"/>
+              </a:ext>
+            </a:extLst>
+          </p:cNvPr>
+          <p:cNvSpPr>
+            <a:spLocks noGrp="1"/>
+          </p:cNvSpPr>
           <p:nvPr>
             <p:ph idx="1"/>
           </p:nvPr>
-        </p:nvPicPr>
-        <p:blipFill>
-          <a:blip r:embed="rId2">
-            <a:extLst>
-              <a:ext uri="{28A0092B-C50C-407E-A947-70E740481C1C}">
-                <a14:useLocalDpi xmlns:a14="http://schemas.microsoft.com/office/drawing/2010/main" val="0"/>
-              </a:ext>
-            </a:extLst>
-          </a:blip>
-          <a:stretch>
-            <a:fillRect/>
-          </a:stretch>
-        </p:blipFill>
-        <p:spPr>
-          <a:xfrm>
-            <a:off x="838200" y="2771757"/>
-            <a:ext cx="10515600" cy="2459074"/>
-          </a:xfrm>
-        </p:spPr>
-      </p:pic>
+        </p:nvSpPr>
+        <p:spPr/>
+        <p:txBody>
+          <a:bodyPr/>
+          <a:lstStyle/>
+          <a:p>
+            <a:r>
+              <a:rPr lang="ru-RU" dirty="0"/>
+              <a:t>От 4 часов до нескольких дней на анализатор</a:t>
+            </a:r>
+          </a:p>
+          <a:p>
+            <a:r>
+              <a:rPr lang="ru-RU" dirty="0"/>
+              <a:t>От 2 часов до нескольких дней на </a:t>
+            </a:r>
+            <a:r>
+              <a:rPr lang="en-US" dirty="0"/>
+              <a:t>code fix</a:t>
+            </a:r>
+            <a:endParaRPr lang="ru-RU" dirty="0"/>
+          </a:p>
+          <a:p>
+            <a:r>
+              <a:rPr lang="ru-RU" dirty="0"/>
+              <a:t>Значительную долю времени занимает подготовка примеров для  тестов</a:t>
+            </a:r>
+            <a:endParaRPr lang="en-US" dirty="0"/>
+          </a:p>
+          <a:p>
+            <a:r>
+              <a:rPr lang="ru-RU" dirty="0"/>
+              <a:t>Большое количество времени занимает внедрение</a:t>
+            </a:r>
+          </a:p>
+          <a:p>
+            <a:endParaRPr lang="en-US" dirty="0"/>
+          </a:p>
+        </p:txBody>
+      </p:sp>
     </p:spTree>
     <p:extLst>
       <p:ext uri="{BB962C8B-B14F-4D97-AF65-F5344CB8AC3E}">
-        <p14:creationId xmlns:p14="http://schemas.microsoft.com/office/powerpoint/2010/main" val="3073865634"/>
+        <p14:creationId xmlns:p14="http://schemas.microsoft.com/office/powerpoint/2010/main" val="2925681683"/>
       </p:ext>
     </p:extLst>
   </p:cSld>
@@ -4208,7 +4235,7 @@
           <p:cNvPr id="2" name="Title 1">
             <a:extLst>
               <a:ext uri="{FF2B5EF4-FFF2-40B4-BE49-F238E27FC236}">
-                <a16:creationId xmlns:a16="http://schemas.microsoft.com/office/drawing/2014/main" id="{AAD27228-9459-473A-AC07-5FBE0E907ECF}"/>
+                <a16:creationId xmlns:a16="http://schemas.microsoft.com/office/drawing/2014/main" id="{833E174E-509A-4041-9C13-DE4054611700}"/>
               </a:ext>
             </a:extLst>
           </p:cNvPr>
@@ -4226,50 +4253,51 @@
           <a:p>
             <a:r>
               <a:rPr lang="ru-RU" dirty="0"/>
-              <a:t>Немножко теории</a:t>
+              <a:t>Как внедрить статический анализ в процесс разработки и тестирования?</a:t>
             </a:r>
             <a:endParaRPr lang="en-US" dirty="0"/>
           </a:p>
         </p:txBody>
       </p:sp>
-      <p:pic>
-        <p:nvPicPr>
-          <p:cNvPr id="13" name="Content Placeholder 12">
-            <a:extLst>
-              <a:ext uri="{FF2B5EF4-FFF2-40B4-BE49-F238E27FC236}">
-                <a16:creationId xmlns:a16="http://schemas.microsoft.com/office/drawing/2014/main" id="{0ACAB045-0684-4B49-83EB-2D1EA6F8A60B}"/>
-              </a:ext>
-            </a:extLst>
-          </p:cNvPr>
-          <p:cNvPicPr>
-            <a:picLocks noGrp="1" noChangeAspect="1"/>
-          </p:cNvPicPr>
+      <p:sp>
+        <p:nvSpPr>
+          <p:cNvPr id="3" name="Content Placeholder 2">
+            <a:extLst>
+              <a:ext uri="{FF2B5EF4-FFF2-40B4-BE49-F238E27FC236}">
+                <a16:creationId xmlns:a16="http://schemas.microsoft.com/office/drawing/2014/main" id="{7DF27BF9-A4B4-4A2C-8B6E-3BE9BCC3CD4D}"/>
+              </a:ext>
+            </a:extLst>
+          </p:cNvPr>
+          <p:cNvSpPr>
+            <a:spLocks noGrp="1"/>
+          </p:cNvSpPr>
           <p:nvPr>
             <p:ph idx="1"/>
           </p:nvPr>
-        </p:nvPicPr>
-        <p:blipFill>
-          <a:blip r:embed="rId2">
-            <a:extLst>
-              <a:ext uri="{28A0092B-C50C-407E-A947-70E740481C1C}">
-                <a14:useLocalDpi xmlns:a14="http://schemas.microsoft.com/office/drawing/2010/main" val="0"/>
-              </a:ext>
-            </a:extLst>
-          </a:blip>
-          <a:srcRect/>
-          <a:stretch/>
-        </p:blipFill>
-        <p:spPr>
-          <a:xfrm>
-            <a:off x="838201" y="2771757"/>
-            <a:ext cx="10515598" cy="2459074"/>
-          </a:xfrm>
-        </p:spPr>
-      </p:pic>
+        </p:nvSpPr>
+        <p:spPr/>
+        <p:txBody>
+          <a:bodyPr/>
+          <a:lstStyle/>
+          <a:p>
+            <a:r>
+              <a:rPr lang="ru-RU" dirty="0"/>
+              <a:t>Статический анализ при написании кода</a:t>
+            </a:r>
+          </a:p>
+          <a:p>
+            <a:r>
+              <a:rPr lang="ru-RU" dirty="0"/>
+              <a:t>Проверка всей кодовой базы во внешнем тесте</a:t>
+            </a:r>
+            <a:endParaRPr lang="en-US" dirty="0"/>
+          </a:p>
+        </p:txBody>
+      </p:sp>
     </p:spTree>
     <p:extLst>
       <p:ext uri="{BB962C8B-B14F-4D97-AF65-F5344CB8AC3E}">
-        <p14:creationId xmlns:p14="http://schemas.microsoft.com/office/powerpoint/2010/main" val="551921326"/>
+        <p14:creationId xmlns:p14="http://schemas.microsoft.com/office/powerpoint/2010/main" val="2894315369"/>
       </p:ext>
     </p:extLst>
   </p:cSld>
@@ -4301,7 +4329,7 @@
           <p:cNvPr id="2" name="Title 1">
             <a:extLst>
               <a:ext uri="{FF2B5EF4-FFF2-40B4-BE49-F238E27FC236}">
-                <a16:creationId xmlns:a16="http://schemas.microsoft.com/office/drawing/2014/main" id="{B46D942B-3C90-4329-BC27-506B0E555783}"/>
+                <a16:creationId xmlns:a16="http://schemas.microsoft.com/office/drawing/2014/main" id="{E3F01269-1B84-432B-B133-17D7D6C46BD0}"/>
               </a:ext>
             </a:extLst>
           </p:cNvPr>
@@ -4319,7 +4347,7 @@
           <a:p>
             <a:r>
               <a:rPr lang="ru-RU" dirty="0"/>
-              <a:t>Немножко теории</a:t>
+              <a:t>Сложности</a:t>
             </a:r>
             <a:endParaRPr lang="en-US" dirty="0"/>
           </a:p>
@@ -4330,7 +4358,7 @@
           <p:cNvPr id="3" name="Content Placeholder 2">
             <a:extLst>
               <a:ext uri="{FF2B5EF4-FFF2-40B4-BE49-F238E27FC236}">
-                <a16:creationId xmlns:a16="http://schemas.microsoft.com/office/drawing/2014/main" id="{A1FC2DBC-FD85-45B6-AEF2-15AEFD5E8C0F}"/>
+                <a16:creationId xmlns:a16="http://schemas.microsoft.com/office/drawing/2014/main" id="{7365CAA2-FECA-4E12-BF55-0B04F7F78383}"/>
               </a:ext>
             </a:extLst>
           </p:cNvPr>
@@ -4343,82 +4371,79 @@
         </p:nvSpPr>
         <p:spPr/>
         <p:txBody>
-          <a:bodyPr>
-            <a:normAutofit/>
-          </a:bodyPr>
-          <a:lstStyle/>
-          <a:p>
-            <a:r>
-              <a:rPr lang="en-US" b="1" dirty="0"/>
-              <a:t>Analyzer </a:t>
-            </a:r>
-            <a:r>
-              <a:rPr lang="ru-RU" b="1" dirty="0"/>
-              <a:t>(анализатор)</a:t>
-            </a:r>
-            <a:r>
-              <a:rPr lang="ru-RU" dirty="0"/>
-              <a:t> — класс, осуществляющий статический анализ кода</a:t>
-            </a:r>
-          </a:p>
-          <a:p>
-            <a:r>
-              <a:rPr lang="en-US" b="1" dirty="0"/>
-              <a:t>Diagnostic (</a:t>
-            </a:r>
-            <a:r>
-              <a:rPr lang="ru-RU" b="1" dirty="0"/>
-              <a:t>диагностика)</a:t>
-            </a:r>
-            <a:r>
-              <a:rPr lang="ru-RU" dirty="0"/>
-              <a:t> — найденное в коде нарушение вместе с его позицией в документе</a:t>
-            </a:r>
-          </a:p>
-          <a:p>
-            <a:r>
-              <a:rPr lang="en-US" b="1" dirty="0"/>
-              <a:t>Diagnostic Descriptor</a:t>
-            </a:r>
-            <a:r>
-              <a:rPr lang="ru-RU" dirty="0"/>
-              <a:t> — объект, описывающий конкретную диагностику</a:t>
-            </a:r>
+          <a:bodyPr/>
+          <a:lstStyle/>
+          <a:p>
             <a:r>
               <a:rPr lang="en-US" dirty="0"/>
-              <a:t>: </a:t>
-            </a:r>
-            <a:r>
-              <a:rPr lang="ru-RU" dirty="0"/>
-              <a:t>её идентификатор, </a:t>
-            </a:r>
+              <a:t>Legacy code</a:t>
+            </a:r>
+          </a:p>
+          <a:p>
             <a:r>
               <a:rPr lang="en-US" dirty="0"/>
-              <a:t>severity (error / warning / info), </a:t>
-            </a:r>
-            <a:r>
-              <a:rPr lang="ru-RU" dirty="0"/>
-              <a:t>название и т.п.</a:t>
-            </a:r>
-            <a:endParaRPr lang="ru-RU" b="1" dirty="0"/>
-          </a:p>
-          <a:p>
-            <a:r>
-              <a:rPr lang="en-US" b="1" dirty="0"/>
-              <a:t>Code Fix </a:t>
-            </a:r>
-            <a:r>
-              <a:rPr lang="ru-RU" dirty="0"/>
-              <a:t>— класс, применяющий к документу исправление для определённых диагностик</a:t>
-            </a:r>
-            <a:endParaRPr lang="en-US" b="1" dirty="0"/>
+              <a:t>False-positive </a:t>
+            </a:r>
+            <a:r>
+              <a:rPr lang="ru-RU" dirty="0"/>
+              <a:t>срабатывания</a:t>
+            </a:r>
+          </a:p>
+          <a:p>
+            <a:r>
+              <a:rPr lang="ru-RU" dirty="0"/>
+              <a:t>Необходимость «выключать» диагностики по требованию</a:t>
+            </a:r>
+            <a:r>
+              <a:rPr lang="en-US" dirty="0"/>
+              <a:t> </a:t>
+            </a:r>
+            <a:r>
+              <a:rPr lang="ru-RU" dirty="0"/>
+              <a:t>в определённых местах в коде</a:t>
+            </a:r>
+          </a:p>
+          <a:p>
+            <a:r>
+              <a:rPr lang="ru-RU" dirty="0"/>
+              <a:t>Производительность</a:t>
+            </a:r>
+            <a:r>
+              <a:rPr lang="en-US" dirty="0"/>
+              <a:t> </a:t>
+            </a:r>
+            <a:r>
+              <a:rPr lang="ru-RU" dirty="0"/>
+              <a:t>при прогоне на всей кодовой базе</a:t>
+            </a:r>
+          </a:p>
+          <a:p>
+            <a:r>
+              <a:rPr lang="ru-RU" dirty="0"/>
+              <a:t>Отсутствие хорошей </a:t>
+            </a:r>
+            <a:r>
+              <a:rPr lang="en-US" dirty="0"/>
+              <a:t>data flow </a:t>
+            </a:r>
+            <a:r>
+              <a:rPr lang="ru-RU" dirty="0"/>
+              <a:t>модели</a:t>
+            </a:r>
+          </a:p>
+          <a:p>
+            <a:r>
+              <a:rPr lang="ru-RU" dirty="0"/>
+              <a:t>Отсутствие рекурсивного анализа вызовов</a:t>
+            </a:r>
+            <a:endParaRPr lang="en-US" dirty="0"/>
           </a:p>
         </p:txBody>
       </p:sp>
     </p:spTree>
     <p:extLst>
       <p:ext uri="{BB962C8B-B14F-4D97-AF65-F5344CB8AC3E}">
-        <p14:creationId xmlns:p14="http://schemas.microsoft.com/office/powerpoint/2010/main" val="1662317691"/>
+        <p14:creationId xmlns:p14="http://schemas.microsoft.com/office/powerpoint/2010/main" val="3436486066"/>
       </p:ext>
     </p:extLst>
   </p:cSld>
@@ -4450,7 +4475,7 @@
           <p:cNvPr id="2" name="Title 1">
             <a:extLst>
               <a:ext uri="{FF2B5EF4-FFF2-40B4-BE49-F238E27FC236}">
-                <a16:creationId xmlns:a16="http://schemas.microsoft.com/office/drawing/2014/main" id="{BC977ACE-1E58-4994-9157-400AB3321252}"/>
+                <a16:creationId xmlns:a16="http://schemas.microsoft.com/office/drawing/2014/main" id="{E5DDA536-161A-458D-B783-AE119A3E55D8}"/>
               </a:ext>
             </a:extLst>
           </p:cNvPr>
@@ -4467,20 +4492,8 @@
           <a:lstStyle/>
           <a:p>
             <a:r>
-              <a:rPr lang="ru-RU" dirty="0"/>
-              <a:t>Как тестировать </a:t>
-            </a:r>
-            <a:r>
               <a:rPr lang="en-US" dirty="0"/>
-              <a:t>analyzers</a:t>
-            </a:r>
-            <a:r>
-              <a:rPr lang="ru-RU" dirty="0"/>
-              <a:t> и </a:t>
-            </a:r>
-            <a:r>
-              <a:rPr lang="en-US" dirty="0"/>
-              <a:t>code fixes</a:t>
+              <a:t>Legacy Code</a:t>
             </a:r>
           </a:p>
         </p:txBody>
@@ -4490,7 +4503,7 @@
           <p:cNvPr id="3" name="Content Placeholder 2">
             <a:extLst>
               <a:ext uri="{FF2B5EF4-FFF2-40B4-BE49-F238E27FC236}">
-                <a16:creationId xmlns:a16="http://schemas.microsoft.com/office/drawing/2014/main" id="{61FDDD97-186F-462C-AD9F-FB309CC6C938}"/>
+                <a16:creationId xmlns:a16="http://schemas.microsoft.com/office/drawing/2014/main" id="{18F43D94-8F38-4444-9707-DC9EA53D78CE}"/>
               </a:ext>
             </a:extLst>
           </p:cNvPr>
@@ -4507,138 +4520,17 @@
           <a:lstStyle/>
           <a:p>
             <a:r>
-              <a:rPr lang="en-US" dirty="0"/>
-              <a:t>Test-Driven Development</a:t>
-            </a:r>
-            <a:endParaRPr lang="ru-RU" dirty="0"/>
-          </a:p>
-          <a:p>
-            <a:r>
-              <a:rPr lang="ru-RU" dirty="0"/>
-              <a:t>Стандартный </a:t>
-            </a:r>
-            <a:r>
-              <a:rPr lang="en-US" dirty="0"/>
-              <a:t>project</a:t>
-            </a:r>
-            <a:r>
-              <a:rPr lang="ru-RU" dirty="0"/>
-              <a:t> </a:t>
-            </a:r>
-            <a:r>
-              <a:rPr lang="en-US" dirty="0"/>
-              <a:t>template </a:t>
-            </a:r>
-            <a:r>
-              <a:rPr lang="ru-RU" dirty="0"/>
-              <a:t>использует </a:t>
-            </a:r>
-            <a:r>
-              <a:rPr lang="en-US" dirty="0" err="1"/>
-              <a:t>MSTest</a:t>
-            </a:r>
-            <a:endParaRPr lang="ru-RU" dirty="0"/>
-          </a:p>
-          <a:p>
-            <a:r>
-              <a:rPr lang="en-US" dirty="0" err="1"/>
-              <a:t>xUnit</a:t>
-            </a:r>
-            <a:r>
-              <a:rPr lang="en-US" dirty="0"/>
-              <a:t>-based </a:t>
-            </a:r>
-            <a:r>
-              <a:rPr lang="ru-RU" dirty="0"/>
-              <a:t>версия тестового фреймворка доступна в </a:t>
-            </a:r>
-            <a:r>
-              <a:rPr lang="en-US" dirty="0"/>
-              <a:t>open source</a:t>
-            </a:r>
-          </a:p>
-          <a:p>
-            <a:r>
-              <a:rPr lang="ru-RU" dirty="0"/>
-              <a:t>Тестовый фреймворк:</a:t>
-            </a:r>
-          </a:p>
-          <a:p>
-            <a:pPr lvl="1"/>
-            <a:r>
-              <a:rPr lang="ru-RU" dirty="0"/>
-              <a:t>Создаёт новый </a:t>
-            </a:r>
-            <a:r>
-              <a:rPr lang="en-US" dirty="0"/>
-              <a:t>VS solution </a:t>
-            </a:r>
-            <a:r>
-              <a:rPr lang="ru-RU" dirty="0"/>
-              <a:t>и </a:t>
-            </a:r>
-            <a:r>
-              <a:rPr lang="en-US" dirty="0"/>
-              <a:t>project </a:t>
-            </a:r>
-            <a:r>
-              <a:rPr lang="ru-RU" dirty="0"/>
-              <a:t>«на лету»</a:t>
-            </a:r>
-          </a:p>
-          <a:p>
-            <a:pPr lvl="1"/>
-            <a:r>
-              <a:rPr lang="ru-RU" dirty="0"/>
-              <a:t>Добавляет к нему нужные </a:t>
-            </a:r>
-            <a:r>
-              <a:rPr lang="en-US" dirty="0"/>
-              <a:t>references (</a:t>
-            </a:r>
-            <a:r>
-              <a:rPr lang="en-US" dirty="0" err="1"/>
-              <a:t>mscorlib</a:t>
-            </a:r>
-            <a:r>
-              <a:rPr lang="en-US" dirty="0"/>
-              <a:t>, etc.)</a:t>
-            </a:r>
-          </a:p>
-          <a:p>
-            <a:pPr lvl="1"/>
-            <a:r>
-              <a:rPr lang="ru-RU" dirty="0"/>
-              <a:t>Применяет анализатор и собирает полученные диагностики</a:t>
-            </a:r>
-          </a:p>
-          <a:p>
-            <a:pPr lvl="1"/>
-            <a:r>
-              <a:rPr lang="ru-RU" dirty="0"/>
-              <a:t>Применяет к каждой диагностике </a:t>
-            </a:r>
-            <a:r>
-              <a:rPr lang="en-US" dirty="0"/>
-              <a:t>code fix </a:t>
-            </a:r>
-            <a:r>
-              <a:rPr lang="ru-RU" dirty="0"/>
-              <a:t>и проверяет его</a:t>
-            </a:r>
-          </a:p>
-          <a:p>
-            <a:r>
-              <a:rPr lang="ru-RU" dirty="0"/>
-              <a:t>Большое количество как позитивных, так и негативных тестов</a:t>
-            </a:r>
+              <a:rPr lang="ru-RU" dirty="0"/>
+              <a:t>Необходимо подавить диагностики, показывающиеся на уже существующем коде</a:t>
+            </a:r>
+            <a:endParaRPr lang="en-US" dirty="0"/>
           </a:p>
         </p:txBody>
       </p:sp>
     </p:spTree>
     <p:extLst>
       <p:ext uri="{BB962C8B-B14F-4D97-AF65-F5344CB8AC3E}">
-        <p14:creationId xmlns:p14="http://schemas.microsoft.com/office/powerpoint/2010/main" val="1444767230"/>
+        <p14:creationId xmlns:p14="http://schemas.microsoft.com/office/powerpoint/2010/main" val="331269644"/>
       </p:ext>
     </p:extLst>
   </p:cSld>
@@ -4670,7 +4562,7 @@
           <p:cNvPr id="2" name="Title 1">
             <a:extLst>
               <a:ext uri="{FF2B5EF4-FFF2-40B4-BE49-F238E27FC236}">
-                <a16:creationId xmlns:a16="http://schemas.microsoft.com/office/drawing/2014/main" id="{BC977ACE-1E58-4994-9157-400AB3321252}"/>
+                <a16:creationId xmlns:a16="http://schemas.microsoft.com/office/drawing/2014/main" id="{E664E090-C6DE-4D44-A054-42F4A55D3D2D}"/>
               </a:ext>
             </a:extLst>
           </p:cNvPr>
@@ -4687,63 +4579,65 @@
           <a:lstStyle/>
           <a:p>
             <a:r>
-              <a:rPr lang="ru-RU" dirty="0"/>
-              <a:t>Как тестировать </a:t>
-            </a:r>
-            <a:r>
               <a:rPr lang="en-US" dirty="0"/>
-              <a:t>analyzers</a:t>
-            </a:r>
-            <a:r>
-              <a:rPr lang="ru-RU" dirty="0"/>
-              <a:t> и </a:t>
+              <a:t>Ruleset</a:t>
+            </a:r>
+          </a:p>
+        </p:txBody>
+      </p:sp>
+      <p:sp>
+        <p:nvSpPr>
+          <p:cNvPr id="3" name="Content Placeholder 2">
+            <a:extLst>
+              <a:ext uri="{FF2B5EF4-FFF2-40B4-BE49-F238E27FC236}">
+                <a16:creationId xmlns:a16="http://schemas.microsoft.com/office/drawing/2014/main" id="{CFFBDD28-AB08-40FC-95A0-CD365E2DF02F}"/>
+              </a:ext>
+            </a:extLst>
+          </p:cNvPr>
+          <p:cNvSpPr>
+            <a:spLocks noGrp="1"/>
+          </p:cNvSpPr>
+          <p:nvPr>
+            <p:ph idx="1"/>
+          </p:nvPr>
+        </p:nvSpPr>
+        <p:spPr/>
+        <p:txBody>
+          <a:bodyPr/>
+          <a:lstStyle/>
+          <a:p>
+            <a:r>
+              <a:rPr lang="ru-RU" dirty="0"/>
+              <a:t>Позволяет полностью выключать определённые диагностики</a:t>
+            </a:r>
+          </a:p>
+          <a:p>
+            <a:r>
+              <a:rPr lang="ru-RU" dirty="0"/>
+              <a:t>Можно изменить </a:t>
             </a:r>
             <a:r>
               <a:rPr lang="en-US" dirty="0"/>
-              <a:t>code fixes</a:t>
-            </a:r>
-          </a:p>
-        </p:txBody>
-      </p:sp>
-      <p:pic>
-        <p:nvPicPr>
-          <p:cNvPr id="5" name="Content Placeholder 4" descr="A screenshot of a cell phone&#10;&#10;Description automatically generated">
-            <a:extLst>
-              <a:ext uri="{FF2B5EF4-FFF2-40B4-BE49-F238E27FC236}">
-                <a16:creationId xmlns:a16="http://schemas.microsoft.com/office/drawing/2014/main" id="{7BA4059B-49A7-4461-AD41-C95CA2CFC347}"/>
-              </a:ext>
-            </a:extLst>
-          </p:cNvPr>
-          <p:cNvPicPr>
-            <a:picLocks noGrp="1" noChangeAspect="1"/>
-          </p:cNvPicPr>
-          <p:nvPr>
-            <p:ph idx="1"/>
-          </p:nvPr>
-        </p:nvPicPr>
-        <p:blipFill>
-          <a:blip r:embed="rId2">
-            <a:extLst>
-              <a:ext uri="{28A0092B-C50C-407E-A947-70E740481C1C}">
-                <a14:useLocalDpi xmlns:a14="http://schemas.microsoft.com/office/drawing/2010/main" val="0"/>
-              </a:ext>
-            </a:extLst>
-          </a:blip>
-          <a:stretch>
-            <a:fillRect/>
-          </a:stretch>
-        </p:blipFill>
-        <p:spPr>
-          <a:xfrm>
-            <a:off x="838200" y="1540566"/>
-            <a:ext cx="10738026" cy="3101008"/>
-          </a:xfrm>
-        </p:spPr>
-      </p:pic>
+              <a:t>severity</a:t>
+            </a:r>
+            <a:r>
+              <a:rPr lang="ru-RU" dirty="0"/>
+              <a:t> диагностики</a:t>
+            </a:r>
+          </a:p>
+          <a:p>
+            <a:r>
+              <a:rPr lang="ru-RU" dirty="0"/>
+              <a:t>Невозможно «выключить» диагностику в определённом месте в коде</a:t>
+            </a:r>
+            <a:endParaRPr lang="en-US" dirty="0"/>
+          </a:p>
+        </p:txBody>
+      </p:sp>
     </p:spTree>
     <p:extLst>
       <p:ext uri="{BB962C8B-B14F-4D97-AF65-F5344CB8AC3E}">
-        <p14:creationId xmlns:p14="http://schemas.microsoft.com/office/powerpoint/2010/main" val="701315772"/>
+        <p14:creationId xmlns:p14="http://schemas.microsoft.com/office/powerpoint/2010/main" val="4281182186"/>
       </p:ext>
     </p:extLst>
   </p:cSld>
@@ -4775,7 +4669,7 @@
           <p:cNvPr id="2" name="Title 1">
             <a:extLst>
               <a:ext uri="{FF2B5EF4-FFF2-40B4-BE49-F238E27FC236}">
-                <a16:creationId xmlns:a16="http://schemas.microsoft.com/office/drawing/2014/main" id="{832CA702-495D-45F2-86C1-EFA8A680A6CD}"/>
+                <a16:creationId xmlns:a16="http://schemas.microsoft.com/office/drawing/2014/main" id="{1DC9BBC6-811F-4B9C-B9C2-C943201EB94A}"/>
               </a:ext>
             </a:extLst>
           </p:cNvPr>
@@ -4792,45 +4686,48 @@
           <a:lstStyle/>
           <a:p>
             <a:r>
-              <a:rPr lang="en-US" dirty="0" err="1"/>
-              <a:t>WhatTheHeck</a:t>
-            </a:r>
-            <a:r>
               <a:rPr lang="en-US" dirty="0"/>
-              <a:t> Analyzer</a:t>
-            </a:r>
-          </a:p>
-        </p:txBody>
-      </p:sp>
-      <p:sp>
-        <p:nvSpPr>
-          <p:cNvPr id="3" name="Content Placeholder 2">
-            <a:extLst>
-              <a:ext uri="{FF2B5EF4-FFF2-40B4-BE49-F238E27FC236}">
-                <a16:creationId xmlns:a16="http://schemas.microsoft.com/office/drawing/2014/main" id="{E10A85B6-D392-48AD-8294-47AAE9569EBB}"/>
-              </a:ext>
-            </a:extLst>
-          </p:cNvPr>
-          <p:cNvSpPr>
-            <a:spLocks noGrp="1"/>
-          </p:cNvSpPr>
+              <a:t>Ruleset</a:t>
+            </a:r>
+          </a:p>
+        </p:txBody>
+      </p:sp>
+      <p:pic>
+        <p:nvPicPr>
+          <p:cNvPr id="6" name="Content Placeholder 5">
+            <a:extLst>
+              <a:ext uri="{FF2B5EF4-FFF2-40B4-BE49-F238E27FC236}">
+                <a16:creationId xmlns:a16="http://schemas.microsoft.com/office/drawing/2014/main" id="{8F76786E-AF3A-4E07-BEA3-21482428B2D3}"/>
+              </a:ext>
+            </a:extLst>
+          </p:cNvPr>
+          <p:cNvPicPr>
+            <a:picLocks noGrp="1" noChangeAspect="1"/>
+          </p:cNvPicPr>
           <p:nvPr>
             <p:ph idx="1"/>
           </p:nvPr>
-        </p:nvSpPr>
-        <p:spPr/>
-        <p:txBody>
-          <a:bodyPr/>
-          <a:lstStyle/>
-          <a:p>
-            <a:endParaRPr lang="en-US"/>
-          </a:p>
-        </p:txBody>
-      </p:sp>
+        </p:nvPicPr>
+        <p:blipFill>
+          <a:blip r:embed="rId2"/>
+          <a:stretch>
+            <a:fillRect/>
+          </a:stretch>
+        </p:blipFill>
+        <p:spPr>
+          <a:xfrm>
+            <a:off x="838200" y="3091010"/>
+            <a:ext cx="10515600" cy="1820567"/>
+          </a:xfrm>
+          <a:prstGeom prst="rect">
+            <a:avLst/>
+          </a:prstGeom>
+        </p:spPr>
+      </p:pic>
     </p:spTree>
     <p:extLst>
       <p:ext uri="{BB962C8B-B14F-4D97-AF65-F5344CB8AC3E}">
-        <p14:creationId xmlns:p14="http://schemas.microsoft.com/office/powerpoint/2010/main" val="1987412170"/>
+        <p14:creationId xmlns:p14="http://schemas.microsoft.com/office/powerpoint/2010/main" val="1671244306"/>
       </p:ext>
     </p:extLst>
   </p:cSld>
@@ -4841,922 +4738,6 @@
 </file>
 
 <file path=ppt/slides/slide18.xml><?xml version="1.0" encoding="utf-8"?>
-<p:sld xmlns:a="http://schemas.openxmlformats.org/drawingml/2006/main" xmlns:r="http://schemas.openxmlformats.org/officeDocument/2006/relationships" xmlns:p="http://schemas.openxmlformats.org/presentationml/2006/main">
-  <p:cSld>
-    <p:spTree>
-      <p:nvGrpSpPr>
-        <p:cNvPr id="1" name=""/>
-        <p:cNvGrpSpPr/>
-        <p:nvPr/>
-      </p:nvGrpSpPr>
-      <p:grpSpPr>
-        <a:xfrm>
-          <a:off x="0" y="0"/>
-          <a:ext cx="0" cy="0"/>
-          <a:chOff x="0" y="0"/>
-          <a:chExt cx="0" cy="0"/>
-        </a:xfrm>
-      </p:grpSpPr>
-      <p:sp>
-        <p:nvSpPr>
-          <p:cNvPr id="2" name="Title 1">
-            <a:extLst>
-              <a:ext uri="{FF2B5EF4-FFF2-40B4-BE49-F238E27FC236}">
-                <a16:creationId xmlns:a16="http://schemas.microsoft.com/office/drawing/2014/main" id="{5496BE6C-9B23-4E0E-BFDC-BC9A35C690AD}"/>
-              </a:ext>
-            </a:extLst>
-          </p:cNvPr>
-          <p:cNvSpPr>
-            <a:spLocks noGrp="1"/>
-          </p:cNvSpPr>
-          <p:nvPr>
-            <p:ph type="title"/>
-          </p:nvPr>
-        </p:nvSpPr>
-        <p:spPr/>
-        <p:txBody>
-          <a:bodyPr/>
-          <a:lstStyle/>
-          <a:p>
-            <a:r>
-              <a:rPr lang="ru-RU" dirty="0"/>
-              <a:t>Когда стоит писать свой собственный анализ кода?</a:t>
-            </a:r>
-            <a:endParaRPr lang="en-US" dirty="0"/>
-          </a:p>
-        </p:txBody>
-      </p:sp>
-      <p:sp>
-        <p:nvSpPr>
-          <p:cNvPr id="3" name="Content Placeholder 2">
-            <a:extLst>
-              <a:ext uri="{FF2B5EF4-FFF2-40B4-BE49-F238E27FC236}">
-                <a16:creationId xmlns:a16="http://schemas.microsoft.com/office/drawing/2014/main" id="{4A6F8CBB-8DAF-4326-B8F0-4FB406E09054}"/>
-              </a:ext>
-            </a:extLst>
-          </p:cNvPr>
-          <p:cNvSpPr>
-            <a:spLocks noGrp="1"/>
-          </p:cNvSpPr>
-          <p:nvPr>
-            <p:ph idx="1"/>
-          </p:nvPr>
-        </p:nvSpPr>
-        <p:spPr/>
-        <p:txBody>
-          <a:bodyPr/>
-          <a:lstStyle/>
-          <a:p>
-            <a:r>
-              <a:rPr lang="ru-RU" dirty="0"/>
-              <a:t>У вас есть свой фреймворк, который используют другие люди</a:t>
-            </a:r>
-          </a:p>
-          <a:p>
-            <a:r>
-              <a:rPr lang="ru-RU" dirty="0"/>
-              <a:t>Вы используете сторонний фреймворк с большим количеством «подводных камней», и устали наступать на грабли</a:t>
-            </a:r>
-          </a:p>
-          <a:p>
-            <a:r>
-              <a:rPr lang="ru-RU" dirty="0"/>
-              <a:t>Есть специфические требования к </a:t>
-            </a:r>
-            <a:r>
-              <a:rPr lang="en-US"/>
-              <a:t>code style</a:t>
-            </a:r>
-            <a:endParaRPr lang="ru-RU" dirty="0"/>
-          </a:p>
-          <a:p>
-            <a:r>
-              <a:rPr lang="en-US" dirty="0"/>
-              <a:t>Just for fun!</a:t>
-            </a:r>
-            <a:endParaRPr lang="ru-RU" dirty="0"/>
-          </a:p>
-        </p:txBody>
-      </p:sp>
-    </p:spTree>
-    <p:extLst>
-      <p:ext uri="{BB962C8B-B14F-4D97-AF65-F5344CB8AC3E}">
-        <p14:creationId xmlns:p14="http://schemas.microsoft.com/office/powerpoint/2010/main" val="2339302398"/>
-      </p:ext>
-    </p:extLst>
-  </p:cSld>
-  <p:clrMapOvr>
-    <a:masterClrMapping/>
-  </p:clrMapOvr>
-</p:sld>
-</file>
-
-<file path=ppt/slides/slide19.xml><?xml version="1.0" encoding="utf-8"?>
-<p:sld xmlns:a="http://schemas.openxmlformats.org/drawingml/2006/main" xmlns:r="http://schemas.openxmlformats.org/officeDocument/2006/relationships" xmlns:p="http://schemas.openxmlformats.org/presentationml/2006/main">
-  <p:cSld>
-    <p:spTree>
-      <p:nvGrpSpPr>
-        <p:cNvPr id="1" name=""/>
-        <p:cNvGrpSpPr/>
-        <p:nvPr/>
-      </p:nvGrpSpPr>
-      <p:grpSpPr>
-        <a:xfrm>
-          <a:off x="0" y="0"/>
-          <a:ext cx="0" cy="0"/>
-          <a:chOff x="0" y="0"/>
-          <a:chExt cx="0" cy="0"/>
-        </a:xfrm>
-      </p:grpSpPr>
-      <p:sp>
-        <p:nvSpPr>
-          <p:cNvPr id="2" name="Title 1">
-            <a:extLst>
-              <a:ext uri="{FF2B5EF4-FFF2-40B4-BE49-F238E27FC236}">
-                <a16:creationId xmlns:a16="http://schemas.microsoft.com/office/drawing/2014/main" id="{F5F51159-F137-403B-9332-5E7BE04AB8E4}"/>
-              </a:ext>
-            </a:extLst>
-          </p:cNvPr>
-          <p:cNvSpPr>
-            <a:spLocks noGrp="1"/>
-          </p:cNvSpPr>
-          <p:nvPr>
-            <p:ph type="title"/>
-          </p:nvPr>
-        </p:nvSpPr>
-        <p:spPr/>
-        <p:txBody>
-          <a:bodyPr/>
-          <a:lstStyle/>
-          <a:p>
-            <a:r>
-              <a:rPr lang="ru-RU" dirty="0"/>
-              <a:t>Зачем мы написали свыше 70 анализаторов на Roslyn </a:t>
-            </a:r>
-            <a:endParaRPr lang="en-US" dirty="0"/>
-          </a:p>
-        </p:txBody>
-      </p:sp>
-      <p:sp>
-        <p:nvSpPr>
-          <p:cNvPr id="3" name="Content Placeholder 2">
-            <a:extLst>
-              <a:ext uri="{FF2B5EF4-FFF2-40B4-BE49-F238E27FC236}">
-                <a16:creationId xmlns:a16="http://schemas.microsoft.com/office/drawing/2014/main" id="{DA53666F-2156-4723-8190-00CBF1F082ED}"/>
-              </a:ext>
-            </a:extLst>
-          </p:cNvPr>
-          <p:cNvSpPr>
-            <a:spLocks noGrp="1"/>
-          </p:cNvSpPr>
-          <p:nvPr>
-            <p:ph idx="1"/>
-          </p:nvPr>
-        </p:nvSpPr>
-        <p:spPr/>
-        <p:txBody>
-          <a:bodyPr/>
-          <a:lstStyle/>
-          <a:p>
-            <a:r>
-              <a:rPr lang="ru-RU" dirty="0"/>
-              <a:t>Огромный фреймворк с большим числом внешних разработчиков</a:t>
-            </a:r>
-          </a:p>
-          <a:p>
-            <a:r>
-              <a:rPr lang="ru-RU" dirty="0"/>
-              <a:t>Много правил, которые невозможно задать на уровне языка</a:t>
-            </a:r>
-          </a:p>
-          <a:p>
-            <a:r>
-              <a:rPr lang="en-US" dirty="0"/>
-              <a:t>Naming conventions</a:t>
-            </a:r>
-          </a:p>
-        </p:txBody>
-      </p:sp>
-    </p:spTree>
-    <p:extLst>
-      <p:ext uri="{BB962C8B-B14F-4D97-AF65-F5344CB8AC3E}">
-        <p14:creationId xmlns:p14="http://schemas.microsoft.com/office/powerpoint/2010/main" val="2340216384"/>
-      </p:ext>
-    </p:extLst>
-  </p:cSld>
-  <p:clrMapOvr>
-    <a:masterClrMapping/>
-  </p:clrMapOvr>
-</p:sld>
-</file>
-
-<file path=ppt/slides/slide2.xml><?xml version="1.0" encoding="utf-8"?>
-<p:sld xmlns:a="http://schemas.openxmlformats.org/drawingml/2006/main" xmlns:r="http://schemas.openxmlformats.org/officeDocument/2006/relationships" xmlns:p="http://schemas.openxmlformats.org/presentationml/2006/main">
-  <p:cSld>
-    <p:spTree>
-      <p:nvGrpSpPr>
-        <p:cNvPr id="1" name=""/>
-        <p:cNvGrpSpPr/>
-        <p:nvPr/>
-      </p:nvGrpSpPr>
-      <p:grpSpPr>
-        <a:xfrm>
-          <a:off x="0" y="0"/>
-          <a:ext cx="0" cy="0"/>
-          <a:chOff x="0" y="0"/>
-          <a:chExt cx="0" cy="0"/>
-        </a:xfrm>
-      </p:grpSpPr>
-      <p:sp>
-        <p:nvSpPr>
-          <p:cNvPr id="2" name="Title 1">
-            <a:extLst>
-              <a:ext uri="{FF2B5EF4-FFF2-40B4-BE49-F238E27FC236}">
-                <a16:creationId xmlns:a16="http://schemas.microsoft.com/office/drawing/2014/main" id="{284F46F4-3626-4F5A-B528-EA736D6C47E4}"/>
-              </a:ext>
-            </a:extLst>
-          </p:cNvPr>
-          <p:cNvSpPr>
-            <a:spLocks noGrp="1"/>
-          </p:cNvSpPr>
-          <p:nvPr>
-            <p:ph type="title"/>
-          </p:nvPr>
-        </p:nvSpPr>
-        <p:spPr/>
-        <p:txBody>
-          <a:bodyPr/>
-          <a:lstStyle/>
-          <a:p>
-            <a:r>
-              <a:rPr lang="ru-RU" dirty="0"/>
-              <a:t>Каждый разработчик сталкивался с этим…</a:t>
-            </a:r>
-            <a:endParaRPr lang="en-US" dirty="0"/>
-          </a:p>
-        </p:txBody>
-      </p:sp>
-      <p:pic>
-        <p:nvPicPr>
-          <p:cNvPr id="5" name="Content Placeholder 4" descr="A drawing of a face&#10;&#10;Description automatically generated">
-            <a:extLst>
-              <a:ext uri="{FF2B5EF4-FFF2-40B4-BE49-F238E27FC236}">
-                <a16:creationId xmlns:a16="http://schemas.microsoft.com/office/drawing/2014/main" id="{BBFC36D3-3814-42C7-B761-2C637AB436FB}"/>
-              </a:ext>
-            </a:extLst>
-          </p:cNvPr>
-          <p:cNvPicPr>
-            <a:picLocks noGrp="1" noChangeAspect="1"/>
-          </p:cNvPicPr>
-          <p:nvPr>
-            <p:ph idx="1"/>
-          </p:nvPr>
-        </p:nvPicPr>
-        <p:blipFill>
-          <a:blip r:embed="rId2">
-            <a:extLst>
-              <a:ext uri="{28A0092B-C50C-407E-A947-70E740481C1C}">
-                <a14:useLocalDpi xmlns:a14="http://schemas.microsoft.com/office/drawing/2010/main" val="0"/>
-              </a:ext>
-            </a:extLst>
-          </a:blip>
-          <a:stretch>
-            <a:fillRect/>
-          </a:stretch>
-        </p:blipFill>
-        <p:spPr>
-          <a:xfrm>
-            <a:off x="2431837" y="1920875"/>
-            <a:ext cx="7328325" cy="4572000"/>
-          </a:xfrm>
-        </p:spPr>
-      </p:pic>
-    </p:spTree>
-    <p:extLst>
-      <p:ext uri="{BB962C8B-B14F-4D97-AF65-F5344CB8AC3E}">
-        <p14:creationId xmlns:p14="http://schemas.microsoft.com/office/powerpoint/2010/main" val="2866269569"/>
-      </p:ext>
-    </p:extLst>
-  </p:cSld>
-  <p:clrMapOvr>
-    <a:masterClrMapping/>
-  </p:clrMapOvr>
-</p:sld>
-</file>
-
-<file path=ppt/slides/slide20.xml><?xml version="1.0" encoding="utf-8"?>
-<p:sld xmlns:a="http://schemas.openxmlformats.org/drawingml/2006/main" xmlns:r="http://schemas.openxmlformats.org/officeDocument/2006/relationships" xmlns:p="http://schemas.openxmlformats.org/presentationml/2006/main">
-  <p:cSld>
-    <p:spTree>
-      <p:nvGrpSpPr>
-        <p:cNvPr id="1" name=""/>
-        <p:cNvGrpSpPr/>
-        <p:nvPr/>
-      </p:nvGrpSpPr>
-      <p:grpSpPr>
-        <a:xfrm>
-          <a:off x="0" y="0"/>
-          <a:ext cx="0" cy="0"/>
-          <a:chOff x="0" y="0"/>
-          <a:chExt cx="0" cy="0"/>
-        </a:xfrm>
-      </p:grpSpPr>
-      <p:sp>
-        <p:nvSpPr>
-          <p:cNvPr id="2" name="Title 1">
-            <a:extLst>
-              <a:ext uri="{FF2B5EF4-FFF2-40B4-BE49-F238E27FC236}">
-                <a16:creationId xmlns:a16="http://schemas.microsoft.com/office/drawing/2014/main" id="{4C224E24-1847-4D90-8BFA-EA289ED4506F}"/>
-              </a:ext>
-            </a:extLst>
-          </p:cNvPr>
-          <p:cNvSpPr>
-            <a:spLocks noGrp="1"/>
-          </p:cNvSpPr>
-          <p:nvPr>
-            <p:ph type="title"/>
-          </p:nvPr>
-        </p:nvSpPr>
-        <p:spPr/>
-        <p:txBody>
-          <a:bodyPr/>
-          <a:lstStyle/>
-          <a:p>
-            <a:r>
-              <a:rPr lang="ru-RU" dirty="0"/>
-              <a:t>Сколько стоит написать анализатор?</a:t>
-            </a:r>
-            <a:endParaRPr lang="en-US" dirty="0"/>
-          </a:p>
-        </p:txBody>
-      </p:sp>
-      <p:sp>
-        <p:nvSpPr>
-          <p:cNvPr id="3" name="Content Placeholder 2">
-            <a:extLst>
-              <a:ext uri="{FF2B5EF4-FFF2-40B4-BE49-F238E27FC236}">
-                <a16:creationId xmlns:a16="http://schemas.microsoft.com/office/drawing/2014/main" id="{4C888629-6600-4908-9259-D7C400751781}"/>
-              </a:ext>
-            </a:extLst>
-          </p:cNvPr>
-          <p:cNvSpPr>
-            <a:spLocks noGrp="1"/>
-          </p:cNvSpPr>
-          <p:nvPr>
-            <p:ph idx="1"/>
-          </p:nvPr>
-        </p:nvSpPr>
-        <p:spPr/>
-        <p:txBody>
-          <a:bodyPr/>
-          <a:lstStyle/>
-          <a:p>
-            <a:r>
-              <a:rPr lang="ru-RU" dirty="0"/>
-              <a:t>От 4 часов до нескольких дней на анализатор</a:t>
-            </a:r>
-          </a:p>
-          <a:p>
-            <a:r>
-              <a:rPr lang="ru-RU" dirty="0"/>
-              <a:t>От 2 часов до нескольких дней на </a:t>
-            </a:r>
-            <a:r>
-              <a:rPr lang="en-US" dirty="0"/>
-              <a:t>code fix</a:t>
-            </a:r>
-            <a:endParaRPr lang="ru-RU" dirty="0"/>
-          </a:p>
-          <a:p>
-            <a:r>
-              <a:rPr lang="ru-RU" dirty="0"/>
-              <a:t>Значительную долю времени занимает подготовка примеров для  тестов</a:t>
-            </a:r>
-          </a:p>
-          <a:p>
-            <a:endParaRPr lang="en-US" dirty="0"/>
-          </a:p>
-        </p:txBody>
-      </p:sp>
-    </p:spTree>
-    <p:extLst>
-      <p:ext uri="{BB962C8B-B14F-4D97-AF65-F5344CB8AC3E}">
-        <p14:creationId xmlns:p14="http://schemas.microsoft.com/office/powerpoint/2010/main" val="2925681683"/>
-      </p:ext>
-    </p:extLst>
-  </p:cSld>
-  <p:clrMapOvr>
-    <a:masterClrMapping/>
-  </p:clrMapOvr>
-</p:sld>
-</file>
-
-<file path=ppt/slides/slide21.xml><?xml version="1.0" encoding="utf-8"?>
-<p:sld xmlns:a="http://schemas.openxmlformats.org/drawingml/2006/main" xmlns:r="http://schemas.openxmlformats.org/officeDocument/2006/relationships" xmlns:p="http://schemas.openxmlformats.org/presentationml/2006/main">
-  <p:cSld>
-    <p:spTree>
-      <p:nvGrpSpPr>
-        <p:cNvPr id="1" name=""/>
-        <p:cNvGrpSpPr/>
-        <p:nvPr/>
-      </p:nvGrpSpPr>
-      <p:grpSpPr>
-        <a:xfrm>
-          <a:off x="0" y="0"/>
-          <a:ext cx="0" cy="0"/>
-          <a:chOff x="0" y="0"/>
-          <a:chExt cx="0" cy="0"/>
-        </a:xfrm>
-      </p:grpSpPr>
-      <p:sp>
-        <p:nvSpPr>
-          <p:cNvPr id="2" name="Title 1">
-            <a:extLst>
-              <a:ext uri="{FF2B5EF4-FFF2-40B4-BE49-F238E27FC236}">
-                <a16:creationId xmlns:a16="http://schemas.microsoft.com/office/drawing/2014/main" id="{833E174E-509A-4041-9C13-DE4054611700}"/>
-              </a:ext>
-            </a:extLst>
-          </p:cNvPr>
-          <p:cNvSpPr>
-            <a:spLocks noGrp="1"/>
-          </p:cNvSpPr>
-          <p:nvPr>
-            <p:ph type="title"/>
-          </p:nvPr>
-        </p:nvSpPr>
-        <p:spPr/>
-        <p:txBody>
-          <a:bodyPr/>
-          <a:lstStyle/>
-          <a:p>
-            <a:r>
-              <a:rPr lang="ru-RU" dirty="0"/>
-              <a:t>Как внедрить статический анализ в процесс разработки и тестирования?</a:t>
-            </a:r>
-            <a:endParaRPr lang="en-US" dirty="0"/>
-          </a:p>
-        </p:txBody>
-      </p:sp>
-      <p:sp>
-        <p:nvSpPr>
-          <p:cNvPr id="3" name="Content Placeholder 2">
-            <a:extLst>
-              <a:ext uri="{FF2B5EF4-FFF2-40B4-BE49-F238E27FC236}">
-                <a16:creationId xmlns:a16="http://schemas.microsoft.com/office/drawing/2014/main" id="{7DF27BF9-A4B4-4A2C-8B6E-3BE9BCC3CD4D}"/>
-              </a:ext>
-            </a:extLst>
-          </p:cNvPr>
-          <p:cNvSpPr>
-            <a:spLocks noGrp="1"/>
-          </p:cNvSpPr>
-          <p:nvPr>
-            <p:ph idx="1"/>
-          </p:nvPr>
-        </p:nvSpPr>
-        <p:spPr/>
-        <p:txBody>
-          <a:bodyPr/>
-          <a:lstStyle/>
-          <a:p>
-            <a:r>
-              <a:rPr lang="ru-RU" dirty="0"/>
-              <a:t>Статический анализ при написании кода</a:t>
-            </a:r>
-          </a:p>
-          <a:p>
-            <a:r>
-              <a:rPr lang="ru-RU" dirty="0"/>
-              <a:t>Проверка всей кодовой базы во внешнем тесте</a:t>
-            </a:r>
-            <a:endParaRPr lang="en-US" dirty="0"/>
-          </a:p>
-        </p:txBody>
-      </p:sp>
-    </p:spTree>
-    <p:extLst>
-      <p:ext uri="{BB962C8B-B14F-4D97-AF65-F5344CB8AC3E}">
-        <p14:creationId xmlns:p14="http://schemas.microsoft.com/office/powerpoint/2010/main" val="2894315369"/>
-      </p:ext>
-    </p:extLst>
-  </p:cSld>
-  <p:clrMapOvr>
-    <a:masterClrMapping/>
-  </p:clrMapOvr>
-</p:sld>
-</file>
-
-<file path=ppt/slides/slide22.xml><?xml version="1.0" encoding="utf-8"?>
-<p:sld xmlns:a="http://schemas.openxmlformats.org/drawingml/2006/main" xmlns:r="http://schemas.openxmlformats.org/officeDocument/2006/relationships" xmlns:p="http://schemas.openxmlformats.org/presentationml/2006/main">
-  <p:cSld>
-    <p:spTree>
-      <p:nvGrpSpPr>
-        <p:cNvPr id="1" name=""/>
-        <p:cNvGrpSpPr/>
-        <p:nvPr/>
-      </p:nvGrpSpPr>
-      <p:grpSpPr>
-        <a:xfrm>
-          <a:off x="0" y="0"/>
-          <a:ext cx="0" cy="0"/>
-          <a:chOff x="0" y="0"/>
-          <a:chExt cx="0" cy="0"/>
-        </a:xfrm>
-      </p:grpSpPr>
-      <p:sp>
-        <p:nvSpPr>
-          <p:cNvPr id="2" name="Title 1">
-            <a:extLst>
-              <a:ext uri="{FF2B5EF4-FFF2-40B4-BE49-F238E27FC236}">
-                <a16:creationId xmlns:a16="http://schemas.microsoft.com/office/drawing/2014/main" id="{8496C0DF-A6B4-48BE-9073-561B3FE6923C}"/>
-              </a:ext>
-            </a:extLst>
-          </p:cNvPr>
-          <p:cNvSpPr>
-            <a:spLocks noGrp="1"/>
-          </p:cNvSpPr>
-          <p:nvPr>
-            <p:ph type="title"/>
-          </p:nvPr>
-        </p:nvSpPr>
-        <p:spPr/>
-        <p:txBody>
-          <a:bodyPr/>
-          <a:lstStyle/>
-          <a:p>
-            <a:r>
-              <a:rPr lang="ru-RU" dirty="0"/>
-              <a:t>Способы поставки анализаторов</a:t>
-            </a:r>
-            <a:endParaRPr lang="en-US" dirty="0"/>
-          </a:p>
-        </p:txBody>
-      </p:sp>
-      <p:sp>
-        <p:nvSpPr>
-          <p:cNvPr id="3" name="Content Placeholder 2">
-            <a:extLst>
-              <a:ext uri="{FF2B5EF4-FFF2-40B4-BE49-F238E27FC236}">
-                <a16:creationId xmlns:a16="http://schemas.microsoft.com/office/drawing/2014/main" id="{5FB6D868-01BD-4878-AF9E-0DB8FFF9833D}"/>
-              </a:ext>
-            </a:extLst>
-          </p:cNvPr>
-          <p:cNvSpPr>
-            <a:spLocks noGrp="1"/>
-          </p:cNvSpPr>
-          <p:nvPr>
-            <p:ph idx="1"/>
-          </p:nvPr>
-        </p:nvSpPr>
-        <p:spPr/>
-        <p:txBody>
-          <a:bodyPr/>
-          <a:lstStyle/>
-          <a:p>
-            <a:r>
-              <a:rPr lang="en-US" dirty="0"/>
-              <a:t>VSIX (Visual Studio Extension)</a:t>
-            </a:r>
-            <a:endParaRPr lang="ru-RU" dirty="0"/>
-          </a:p>
-          <a:p>
-            <a:r>
-              <a:rPr lang="en-US" dirty="0"/>
-              <a:t>NuGet package</a:t>
-            </a:r>
-            <a:endParaRPr lang="ru-RU" dirty="0"/>
-          </a:p>
-          <a:p>
-            <a:endParaRPr lang="en-US" dirty="0"/>
-          </a:p>
-        </p:txBody>
-      </p:sp>
-    </p:spTree>
-    <p:extLst>
-      <p:ext uri="{BB962C8B-B14F-4D97-AF65-F5344CB8AC3E}">
-        <p14:creationId xmlns:p14="http://schemas.microsoft.com/office/powerpoint/2010/main" val="1356067302"/>
-      </p:ext>
-    </p:extLst>
-  </p:cSld>
-  <p:clrMapOvr>
-    <a:masterClrMapping/>
-  </p:clrMapOvr>
-</p:sld>
-</file>
-
-<file path=ppt/slides/slide23.xml><?xml version="1.0" encoding="utf-8"?>
-<p:sld xmlns:a="http://schemas.openxmlformats.org/drawingml/2006/main" xmlns:r="http://schemas.openxmlformats.org/officeDocument/2006/relationships" xmlns:p="http://schemas.openxmlformats.org/presentationml/2006/main">
-  <p:cSld>
-    <p:spTree>
-      <p:nvGrpSpPr>
-        <p:cNvPr id="1" name=""/>
-        <p:cNvGrpSpPr/>
-        <p:nvPr/>
-      </p:nvGrpSpPr>
-      <p:grpSpPr>
-        <a:xfrm>
-          <a:off x="0" y="0"/>
-          <a:ext cx="0" cy="0"/>
-          <a:chOff x="0" y="0"/>
-          <a:chExt cx="0" cy="0"/>
-        </a:xfrm>
-      </p:grpSpPr>
-      <p:sp>
-        <p:nvSpPr>
-          <p:cNvPr id="2" name="Title 1">
-            <a:extLst>
-              <a:ext uri="{FF2B5EF4-FFF2-40B4-BE49-F238E27FC236}">
-                <a16:creationId xmlns:a16="http://schemas.microsoft.com/office/drawing/2014/main" id="{8560991F-891D-471A-8709-F04F2E0CB146}"/>
-              </a:ext>
-            </a:extLst>
-          </p:cNvPr>
-          <p:cNvSpPr>
-            <a:spLocks noGrp="1"/>
-          </p:cNvSpPr>
-          <p:nvPr>
-            <p:ph type="title"/>
-          </p:nvPr>
-        </p:nvSpPr>
-        <p:spPr/>
-        <p:txBody>
-          <a:bodyPr/>
-          <a:lstStyle/>
-          <a:p>
-            <a:r>
-              <a:rPr lang="ru-RU" dirty="0"/>
-              <a:t>Запуск анализаторов «извне» </a:t>
-            </a:r>
-            <a:r>
-              <a:rPr lang="en-US" dirty="0"/>
-              <a:t>Visual Studio</a:t>
-            </a:r>
-          </a:p>
-        </p:txBody>
-      </p:sp>
-      <p:pic>
-        <p:nvPicPr>
-          <p:cNvPr id="5" name="Content Placeholder 4" descr="A screenshot of a computer screen&#10;&#10;Description automatically generated">
-            <a:extLst>
-              <a:ext uri="{FF2B5EF4-FFF2-40B4-BE49-F238E27FC236}">
-                <a16:creationId xmlns:a16="http://schemas.microsoft.com/office/drawing/2014/main" id="{6B50AD1F-AD42-4EBF-AD7C-D8865ACE5DEC}"/>
-              </a:ext>
-            </a:extLst>
-          </p:cNvPr>
-          <p:cNvPicPr>
-            <a:picLocks noGrp="1" noChangeAspect="1"/>
-          </p:cNvPicPr>
-          <p:nvPr>
-            <p:ph idx="1"/>
-          </p:nvPr>
-        </p:nvPicPr>
-        <p:blipFill>
-          <a:blip r:embed="rId2">
-            <a:extLst>
-              <a:ext uri="{28A0092B-C50C-407E-A947-70E740481C1C}">
-                <a14:useLocalDpi xmlns:a14="http://schemas.microsoft.com/office/drawing/2010/main" val="0"/>
-              </a:ext>
-            </a:extLst>
-          </a:blip>
-          <a:stretch>
-            <a:fillRect/>
-          </a:stretch>
-        </p:blipFill>
-        <p:spPr>
-          <a:xfrm>
-            <a:off x="838200" y="1721856"/>
-            <a:ext cx="10193110" cy="3414288"/>
-          </a:xfrm>
-        </p:spPr>
-      </p:pic>
-    </p:spTree>
-    <p:extLst>
-      <p:ext uri="{BB962C8B-B14F-4D97-AF65-F5344CB8AC3E}">
-        <p14:creationId xmlns:p14="http://schemas.microsoft.com/office/powerpoint/2010/main" val="4279200929"/>
-      </p:ext>
-    </p:extLst>
-  </p:cSld>
-  <p:clrMapOvr>
-    <a:masterClrMapping/>
-  </p:clrMapOvr>
-</p:sld>
-</file>
-
-<file path=ppt/slides/slide24.xml><?xml version="1.0" encoding="utf-8"?>
-<p:sld xmlns:a="http://schemas.openxmlformats.org/drawingml/2006/main" xmlns:r="http://schemas.openxmlformats.org/officeDocument/2006/relationships" xmlns:p="http://schemas.openxmlformats.org/presentationml/2006/main">
-  <p:cSld>
-    <p:spTree>
-      <p:nvGrpSpPr>
-        <p:cNvPr id="1" name=""/>
-        <p:cNvGrpSpPr/>
-        <p:nvPr/>
-      </p:nvGrpSpPr>
-      <p:grpSpPr>
-        <a:xfrm>
-          <a:off x="0" y="0"/>
-          <a:ext cx="0" cy="0"/>
-          <a:chOff x="0" y="0"/>
-          <a:chExt cx="0" cy="0"/>
-        </a:xfrm>
-      </p:grpSpPr>
-      <p:sp>
-        <p:nvSpPr>
-          <p:cNvPr id="2" name="Title 1">
-            <a:extLst>
-              <a:ext uri="{FF2B5EF4-FFF2-40B4-BE49-F238E27FC236}">
-                <a16:creationId xmlns:a16="http://schemas.microsoft.com/office/drawing/2014/main" id="{E3F01269-1B84-432B-B133-17D7D6C46BD0}"/>
-              </a:ext>
-            </a:extLst>
-          </p:cNvPr>
-          <p:cNvSpPr>
-            <a:spLocks noGrp="1"/>
-          </p:cNvSpPr>
-          <p:nvPr>
-            <p:ph type="title"/>
-          </p:nvPr>
-        </p:nvSpPr>
-        <p:spPr/>
-        <p:txBody>
-          <a:bodyPr/>
-          <a:lstStyle/>
-          <a:p>
-            <a:r>
-              <a:rPr lang="ru-RU" dirty="0"/>
-              <a:t>Сложности</a:t>
-            </a:r>
-            <a:endParaRPr lang="en-US" dirty="0"/>
-          </a:p>
-        </p:txBody>
-      </p:sp>
-      <p:sp>
-        <p:nvSpPr>
-          <p:cNvPr id="3" name="Content Placeholder 2">
-            <a:extLst>
-              <a:ext uri="{FF2B5EF4-FFF2-40B4-BE49-F238E27FC236}">
-                <a16:creationId xmlns:a16="http://schemas.microsoft.com/office/drawing/2014/main" id="{7365CAA2-FECA-4E12-BF55-0B04F7F78383}"/>
-              </a:ext>
-            </a:extLst>
-          </p:cNvPr>
-          <p:cNvSpPr>
-            <a:spLocks noGrp="1"/>
-          </p:cNvSpPr>
-          <p:nvPr>
-            <p:ph idx="1"/>
-          </p:nvPr>
-        </p:nvSpPr>
-        <p:spPr/>
-        <p:txBody>
-          <a:bodyPr/>
-          <a:lstStyle/>
-          <a:p>
-            <a:r>
-              <a:rPr lang="en-US" dirty="0"/>
-              <a:t>Legacy code</a:t>
-            </a:r>
-          </a:p>
-          <a:p>
-            <a:r>
-              <a:rPr lang="en-US" dirty="0"/>
-              <a:t>False-positive </a:t>
-            </a:r>
-            <a:r>
-              <a:rPr lang="ru-RU" dirty="0"/>
-              <a:t>срабатывания</a:t>
-            </a:r>
-          </a:p>
-          <a:p>
-            <a:r>
-              <a:rPr lang="ru-RU" dirty="0"/>
-              <a:t>Необходимость «выключать» диагностики по требованию</a:t>
-            </a:r>
-            <a:r>
-              <a:rPr lang="en-US" dirty="0"/>
-              <a:t> </a:t>
-            </a:r>
-            <a:r>
-              <a:rPr lang="ru-RU" dirty="0"/>
-              <a:t>в определённых местах в коде</a:t>
-            </a:r>
-            <a:endParaRPr lang="en-US" dirty="0"/>
-          </a:p>
-        </p:txBody>
-      </p:sp>
-    </p:spTree>
-    <p:extLst>
-      <p:ext uri="{BB962C8B-B14F-4D97-AF65-F5344CB8AC3E}">
-        <p14:creationId xmlns:p14="http://schemas.microsoft.com/office/powerpoint/2010/main" val="3436486066"/>
-      </p:ext>
-    </p:extLst>
-  </p:cSld>
-  <p:clrMapOvr>
-    <a:masterClrMapping/>
-  </p:clrMapOvr>
-</p:sld>
-</file>
-
-<file path=ppt/slides/slide25.xml><?xml version="1.0" encoding="utf-8"?>
-<p:sld xmlns:a="http://schemas.openxmlformats.org/drawingml/2006/main" xmlns:r="http://schemas.openxmlformats.org/officeDocument/2006/relationships" xmlns:p="http://schemas.openxmlformats.org/presentationml/2006/main">
-  <p:cSld>
-    <p:spTree>
-      <p:nvGrpSpPr>
-        <p:cNvPr id="1" name=""/>
-        <p:cNvGrpSpPr/>
-        <p:nvPr/>
-      </p:nvGrpSpPr>
-      <p:grpSpPr>
-        <a:xfrm>
-          <a:off x="0" y="0"/>
-          <a:ext cx="0" cy="0"/>
-          <a:chOff x="0" y="0"/>
-          <a:chExt cx="0" cy="0"/>
-        </a:xfrm>
-      </p:grpSpPr>
-      <p:sp>
-        <p:nvSpPr>
-          <p:cNvPr id="2" name="Title 1">
-            <a:extLst>
-              <a:ext uri="{FF2B5EF4-FFF2-40B4-BE49-F238E27FC236}">
-                <a16:creationId xmlns:a16="http://schemas.microsoft.com/office/drawing/2014/main" id="{E664E090-C6DE-4D44-A054-42F4A55D3D2D}"/>
-              </a:ext>
-            </a:extLst>
-          </p:cNvPr>
-          <p:cNvSpPr>
-            <a:spLocks noGrp="1"/>
-          </p:cNvSpPr>
-          <p:nvPr>
-            <p:ph type="title"/>
-          </p:nvPr>
-        </p:nvSpPr>
-        <p:spPr/>
-        <p:txBody>
-          <a:bodyPr/>
-          <a:lstStyle/>
-          <a:p>
-            <a:r>
-              <a:rPr lang="en-US" dirty="0"/>
-              <a:t>Ruleset</a:t>
-            </a:r>
-          </a:p>
-        </p:txBody>
-      </p:sp>
-      <p:sp>
-        <p:nvSpPr>
-          <p:cNvPr id="3" name="Content Placeholder 2">
-            <a:extLst>
-              <a:ext uri="{FF2B5EF4-FFF2-40B4-BE49-F238E27FC236}">
-                <a16:creationId xmlns:a16="http://schemas.microsoft.com/office/drawing/2014/main" id="{CFFBDD28-AB08-40FC-95A0-CD365E2DF02F}"/>
-              </a:ext>
-            </a:extLst>
-          </p:cNvPr>
-          <p:cNvSpPr>
-            <a:spLocks noGrp="1"/>
-          </p:cNvSpPr>
-          <p:nvPr>
-            <p:ph idx="1"/>
-          </p:nvPr>
-        </p:nvSpPr>
-        <p:spPr/>
-        <p:txBody>
-          <a:bodyPr/>
-          <a:lstStyle/>
-          <a:p>
-            <a:r>
-              <a:rPr lang="ru-RU" dirty="0"/>
-              <a:t>Позволяет полностью выключать определённые диагностики</a:t>
-            </a:r>
-          </a:p>
-          <a:p>
-            <a:r>
-              <a:rPr lang="ru-RU" dirty="0"/>
-              <a:t>Изменение </a:t>
-            </a:r>
-            <a:r>
-              <a:rPr lang="en-US" dirty="0"/>
-              <a:t>severity</a:t>
-            </a:r>
-            <a:endParaRPr lang="ru-RU" dirty="0"/>
-          </a:p>
-          <a:p>
-            <a:r>
-              <a:rPr lang="ru-RU" dirty="0"/>
-              <a:t>Невозможно «выключить» диагностику в определённом месте в коде</a:t>
-            </a:r>
-            <a:endParaRPr lang="en-US" dirty="0"/>
-          </a:p>
-        </p:txBody>
-      </p:sp>
-    </p:spTree>
-    <p:extLst>
-      <p:ext uri="{BB962C8B-B14F-4D97-AF65-F5344CB8AC3E}">
-        <p14:creationId xmlns:p14="http://schemas.microsoft.com/office/powerpoint/2010/main" val="4281182186"/>
-      </p:ext>
-    </p:extLst>
-  </p:cSld>
-  <p:clrMapOvr>
-    <a:masterClrMapping/>
-  </p:clrMapOvr>
-</p:sld>
-</file>
-
-<file path=ppt/slides/slide26.xml><?xml version="1.0" encoding="utf-8"?>
 <p:sld xmlns:a="http://schemas.openxmlformats.org/drawingml/2006/main" xmlns:r="http://schemas.openxmlformats.org/officeDocument/2006/relationships" xmlns:p="http://schemas.openxmlformats.org/presentationml/2006/main">
   <p:cSld>
     <p:spTree>
@@ -5846,7 +4827,7 @@
 </p:sld>
 </file>
 
-<file path=ppt/slides/slide27.xml><?xml version="1.0" encoding="utf-8"?>
+<file path=ppt/slides/slide19.xml><?xml version="1.0" encoding="utf-8"?>
 <p:sld xmlns:a="http://schemas.openxmlformats.org/drawingml/2006/main" xmlns:r="http://schemas.openxmlformats.org/officeDocument/2006/relationships" xmlns:p="http://schemas.openxmlformats.org/presentationml/2006/main">
   <p:cSld>
     <p:spTree>
@@ -5956,7 +4937,213 @@
 </p:sld>
 </file>
 
-<file path=ppt/slides/slide28.xml><?xml version="1.0" encoding="utf-8"?>
+<file path=ppt/slides/slide2.xml><?xml version="1.0" encoding="utf-8"?>
+<p:sld xmlns:a="http://schemas.openxmlformats.org/drawingml/2006/main" xmlns:r="http://schemas.openxmlformats.org/officeDocument/2006/relationships" xmlns:p="http://schemas.openxmlformats.org/presentationml/2006/main">
+  <p:cSld>
+    <p:spTree>
+      <p:nvGrpSpPr>
+        <p:cNvPr id="1" name=""/>
+        <p:cNvGrpSpPr/>
+        <p:nvPr/>
+      </p:nvGrpSpPr>
+      <p:grpSpPr>
+        <a:xfrm>
+          <a:off x="0" y="0"/>
+          <a:ext cx="0" cy="0"/>
+          <a:chOff x="0" y="0"/>
+          <a:chExt cx="0" cy="0"/>
+        </a:xfrm>
+      </p:grpSpPr>
+      <p:sp>
+        <p:nvSpPr>
+          <p:cNvPr id="2" name="Title 1">
+            <a:extLst>
+              <a:ext uri="{FF2B5EF4-FFF2-40B4-BE49-F238E27FC236}">
+                <a16:creationId xmlns:a16="http://schemas.microsoft.com/office/drawing/2014/main" id="{E6E3EB1F-698E-43E4-91BC-5C67A7F8771B}"/>
+              </a:ext>
+            </a:extLst>
+          </p:cNvPr>
+          <p:cNvSpPr>
+            <a:spLocks noGrp="1"/>
+          </p:cNvSpPr>
+          <p:nvPr>
+            <p:ph type="title"/>
+          </p:nvPr>
+        </p:nvSpPr>
+        <p:spPr/>
+        <p:txBody>
+          <a:bodyPr/>
+          <a:lstStyle/>
+          <a:p>
+            <a:r>
+              <a:rPr lang="ru-RU" dirty="0"/>
+              <a:t>Статический анализ кода – зачем?</a:t>
+            </a:r>
+            <a:endParaRPr lang="en-US" dirty="0"/>
+          </a:p>
+        </p:txBody>
+      </p:sp>
+      <p:sp>
+        <p:nvSpPr>
+          <p:cNvPr id="3" name="Content Placeholder 2">
+            <a:extLst>
+              <a:ext uri="{FF2B5EF4-FFF2-40B4-BE49-F238E27FC236}">
+                <a16:creationId xmlns:a16="http://schemas.microsoft.com/office/drawing/2014/main" id="{2165929C-9BBF-41B1-9AE8-9EC66A074D51}"/>
+              </a:ext>
+            </a:extLst>
+          </p:cNvPr>
+          <p:cNvSpPr>
+            <a:spLocks noGrp="1"/>
+          </p:cNvSpPr>
+          <p:nvPr>
+            <p:ph idx="1"/>
+          </p:nvPr>
+        </p:nvSpPr>
+        <p:spPr/>
+        <p:txBody>
+          <a:bodyPr/>
+          <a:lstStyle/>
+          <a:p>
+            <a:endParaRPr lang="en-US" dirty="0"/>
+          </a:p>
+        </p:txBody>
+      </p:sp>
+    </p:spTree>
+    <p:extLst>
+      <p:ext uri="{BB962C8B-B14F-4D97-AF65-F5344CB8AC3E}">
+        <p14:creationId xmlns:p14="http://schemas.microsoft.com/office/powerpoint/2010/main" val="3391923106"/>
+      </p:ext>
+    </p:extLst>
+  </p:cSld>
+  <p:clrMapOvr>
+    <a:masterClrMapping/>
+  </p:clrMapOvr>
+</p:sld>
+</file>
+
+<file path=ppt/slides/slide20.xml><?xml version="1.0" encoding="utf-8"?>
+<p:sld xmlns:a="http://schemas.openxmlformats.org/drawingml/2006/main" xmlns:r="http://schemas.openxmlformats.org/officeDocument/2006/relationships" xmlns:p="http://schemas.openxmlformats.org/presentationml/2006/main">
+  <p:cSld>
+    <p:spTree>
+      <p:nvGrpSpPr>
+        <p:cNvPr id="1" name=""/>
+        <p:cNvGrpSpPr/>
+        <p:nvPr/>
+      </p:nvGrpSpPr>
+      <p:grpSpPr>
+        <a:xfrm>
+          <a:off x="0" y="0"/>
+          <a:ext cx="0" cy="0"/>
+          <a:chOff x="0" y="0"/>
+          <a:chExt cx="0" cy="0"/>
+        </a:xfrm>
+      </p:grpSpPr>
+      <p:sp>
+        <p:nvSpPr>
+          <p:cNvPr id="2" name="Title 1">
+            <a:extLst>
+              <a:ext uri="{FF2B5EF4-FFF2-40B4-BE49-F238E27FC236}">
+                <a16:creationId xmlns:a16="http://schemas.microsoft.com/office/drawing/2014/main" id="{9316C3C2-C78E-4C85-9119-5FEF6A02BF5E}"/>
+              </a:ext>
+            </a:extLst>
+          </p:cNvPr>
+          <p:cNvSpPr>
+            <a:spLocks noGrp="1"/>
+          </p:cNvSpPr>
+          <p:nvPr>
+            <p:ph type="title"/>
+          </p:nvPr>
+        </p:nvSpPr>
+        <p:spPr/>
+        <p:txBody>
+          <a:bodyPr/>
+          <a:lstStyle/>
+          <a:p>
+            <a:r>
+              <a:rPr lang="en-US" dirty="0"/>
+              <a:t>Suppression File</a:t>
+            </a:r>
+          </a:p>
+        </p:txBody>
+      </p:sp>
+      <p:sp>
+        <p:nvSpPr>
+          <p:cNvPr id="3" name="Content Placeholder 2">
+            <a:extLst>
+              <a:ext uri="{FF2B5EF4-FFF2-40B4-BE49-F238E27FC236}">
+                <a16:creationId xmlns:a16="http://schemas.microsoft.com/office/drawing/2014/main" id="{BA5DD12E-100E-4F87-BC9D-9B1B77991100}"/>
+              </a:ext>
+            </a:extLst>
+          </p:cNvPr>
+          <p:cNvSpPr>
+            <a:spLocks noGrp="1"/>
+          </p:cNvSpPr>
+          <p:nvPr>
+            <p:ph idx="1"/>
+          </p:nvPr>
+        </p:nvSpPr>
+        <p:spPr/>
+        <p:txBody>
+          <a:bodyPr/>
+          <a:lstStyle/>
+          <a:p>
+            <a:r>
+              <a:rPr lang="ru-RU" dirty="0"/>
+              <a:t>Отдельный файл в проекте</a:t>
+            </a:r>
+          </a:p>
+          <a:p>
+            <a:r>
+              <a:rPr lang="ru-RU" dirty="0"/>
+              <a:t>Содержит список пар вида «диагностика / место в коде»</a:t>
+            </a:r>
+          </a:p>
+          <a:p>
+            <a:r>
+              <a:rPr lang="ru-RU" dirty="0"/>
+              <a:t>Не поддерживается «из коробки», требует реализации с нуля</a:t>
+            </a:r>
+            <a:endParaRPr lang="en-US" dirty="0"/>
+          </a:p>
+          <a:p>
+            <a:r>
+              <a:rPr lang="ru-RU" dirty="0"/>
+              <a:t>Не требует изменения существующего кода</a:t>
+            </a:r>
+          </a:p>
+          <a:p>
+            <a:r>
+              <a:rPr lang="ru-RU" dirty="0"/>
+              <a:t>Низкая наглядность (особенно при </a:t>
+            </a:r>
+            <a:r>
+              <a:rPr lang="en-US" dirty="0"/>
+              <a:t>code review)</a:t>
+            </a:r>
+            <a:endParaRPr lang="ru-RU" dirty="0"/>
+          </a:p>
+          <a:p>
+            <a:endParaRPr lang="ru-RU" dirty="0"/>
+          </a:p>
+          <a:p>
+            <a:endParaRPr lang="en-US" dirty="0"/>
+          </a:p>
+        </p:txBody>
+      </p:sp>
+    </p:spTree>
+    <p:extLst>
+      <p:ext uri="{BB962C8B-B14F-4D97-AF65-F5344CB8AC3E}">
+        <p14:creationId xmlns:p14="http://schemas.microsoft.com/office/powerpoint/2010/main" val="3605190338"/>
+      </p:ext>
+    </p:extLst>
+  </p:cSld>
+  <p:clrMapOvr>
+    <a:masterClrMapping/>
+  </p:clrMapOvr>
+</p:sld>
+</file>
+
+<file path=ppt/slides/slide21.xml><?xml version="1.0" encoding="utf-8"?>
 <p:sld xmlns:a="http://schemas.openxmlformats.org/drawingml/2006/main" xmlns:r="http://schemas.openxmlformats.org/officeDocument/2006/relationships" xmlns:p="http://schemas.openxmlformats.org/presentationml/2006/main">
   <p:cSld>
     <p:spTree>
@@ -6046,216 +5233,7 @@
 </p:sld>
 </file>
 
-<file path=ppt/slides/slide29.xml><?xml version="1.0" encoding="utf-8"?>
-<p:sld xmlns:a="http://schemas.openxmlformats.org/drawingml/2006/main" xmlns:r="http://schemas.openxmlformats.org/officeDocument/2006/relationships" xmlns:p="http://schemas.openxmlformats.org/presentationml/2006/main">
-  <p:cSld>
-    <p:spTree>
-      <p:nvGrpSpPr>
-        <p:cNvPr id="1" name=""/>
-        <p:cNvGrpSpPr/>
-        <p:nvPr/>
-      </p:nvGrpSpPr>
-      <p:grpSpPr>
-        <a:xfrm>
-          <a:off x="0" y="0"/>
-          <a:ext cx="0" cy="0"/>
-          <a:chOff x="0" y="0"/>
-          <a:chExt cx="0" cy="0"/>
-        </a:xfrm>
-      </p:grpSpPr>
-      <p:sp>
-        <p:nvSpPr>
-          <p:cNvPr id="2" name="Title 1">
-            <a:extLst>
-              <a:ext uri="{FF2B5EF4-FFF2-40B4-BE49-F238E27FC236}">
-                <a16:creationId xmlns:a16="http://schemas.microsoft.com/office/drawing/2014/main" id="{9316C3C2-C78E-4C85-9119-5FEF6A02BF5E}"/>
-              </a:ext>
-            </a:extLst>
-          </p:cNvPr>
-          <p:cNvSpPr>
-            <a:spLocks noGrp="1"/>
-          </p:cNvSpPr>
-          <p:nvPr>
-            <p:ph type="title"/>
-          </p:nvPr>
-        </p:nvSpPr>
-        <p:spPr/>
-        <p:txBody>
-          <a:bodyPr/>
-          <a:lstStyle/>
-          <a:p>
-            <a:r>
-              <a:rPr lang="en-US" dirty="0"/>
-              <a:t>Suppression File</a:t>
-            </a:r>
-          </a:p>
-        </p:txBody>
-      </p:sp>
-      <p:sp>
-        <p:nvSpPr>
-          <p:cNvPr id="3" name="Content Placeholder 2">
-            <a:extLst>
-              <a:ext uri="{FF2B5EF4-FFF2-40B4-BE49-F238E27FC236}">
-                <a16:creationId xmlns:a16="http://schemas.microsoft.com/office/drawing/2014/main" id="{BA5DD12E-100E-4F87-BC9D-9B1B77991100}"/>
-              </a:ext>
-            </a:extLst>
-          </p:cNvPr>
-          <p:cNvSpPr>
-            <a:spLocks noGrp="1"/>
-          </p:cNvSpPr>
-          <p:nvPr>
-            <p:ph idx="1"/>
-          </p:nvPr>
-        </p:nvSpPr>
-        <p:spPr/>
-        <p:txBody>
-          <a:bodyPr/>
-          <a:lstStyle/>
-          <a:p>
-            <a:r>
-              <a:rPr lang="ru-RU" dirty="0"/>
-              <a:t>Файл со списком пар «диагностика / место в коде»</a:t>
-            </a:r>
-          </a:p>
-          <a:p>
-            <a:r>
-              <a:rPr lang="ru-RU" dirty="0"/>
-              <a:t>Не поддерживается «из коробки», требует реализации с нуля</a:t>
-            </a:r>
-            <a:endParaRPr lang="en-US" dirty="0"/>
-          </a:p>
-          <a:p>
-            <a:r>
-              <a:rPr lang="ru-RU" dirty="0"/>
-              <a:t>Не требует изменения существующего кода</a:t>
-            </a:r>
-          </a:p>
-          <a:p>
-            <a:r>
-              <a:rPr lang="ru-RU" dirty="0"/>
-              <a:t>Низкая наглядность (особенно при </a:t>
-            </a:r>
-            <a:r>
-              <a:rPr lang="en-US" dirty="0"/>
-              <a:t>code review)</a:t>
-            </a:r>
-            <a:endParaRPr lang="ru-RU" dirty="0"/>
-          </a:p>
-          <a:p>
-            <a:endParaRPr lang="ru-RU" dirty="0"/>
-          </a:p>
-          <a:p>
-            <a:endParaRPr lang="en-US" dirty="0"/>
-          </a:p>
-        </p:txBody>
-      </p:sp>
-    </p:spTree>
-    <p:extLst>
-      <p:ext uri="{BB962C8B-B14F-4D97-AF65-F5344CB8AC3E}">
-        <p14:creationId xmlns:p14="http://schemas.microsoft.com/office/powerpoint/2010/main" val="3605190338"/>
-      </p:ext>
-    </p:extLst>
-  </p:cSld>
-  <p:clrMapOvr>
-    <a:masterClrMapping/>
-  </p:clrMapOvr>
-</p:sld>
-</file>
-
-<file path=ppt/slides/slide3.xml><?xml version="1.0" encoding="utf-8"?>
-<p:sld xmlns:a="http://schemas.openxmlformats.org/drawingml/2006/main" xmlns:r="http://schemas.openxmlformats.org/officeDocument/2006/relationships" xmlns:p="http://schemas.openxmlformats.org/presentationml/2006/main">
-  <p:cSld>
-    <p:spTree>
-      <p:nvGrpSpPr>
-        <p:cNvPr id="1" name=""/>
-        <p:cNvGrpSpPr/>
-        <p:nvPr/>
-      </p:nvGrpSpPr>
-      <p:grpSpPr>
-        <a:xfrm>
-          <a:off x="0" y="0"/>
-          <a:ext cx="0" cy="0"/>
-          <a:chOff x="0" y="0"/>
-          <a:chExt cx="0" cy="0"/>
-        </a:xfrm>
-      </p:grpSpPr>
-      <p:sp>
-        <p:nvSpPr>
-          <p:cNvPr id="2" name="Title 1">
-            <a:extLst>
-              <a:ext uri="{FF2B5EF4-FFF2-40B4-BE49-F238E27FC236}">
-                <a16:creationId xmlns:a16="http://schemas.microsoft.com/office/drawing/2014/main" id="{284F46F4-3626-4F5A-B528-EA736D6C47E4}"/>
-              </a:ext>
-            </a:extLst>
-          </p:cNvPr>
-          <p:cNvSpPr>
-            <a:spLocks noGrp="1"/>
-          </p:cNvSpPr>
-          <p:nvPr>
-            <p:ph type="title"/>
-          </p:nvPr>
-        </p:nvSpPr>
-        <p:spPr/>
-        <p:txBody>
-          <a:bodyPr/>
-          <a:lstStyle/>
-          <a:p>
-            <a:r>
-              <a:rPr lang="ru-RU" dirty="0"/>
-              <a:t>Каждый разработчик сталкивался с этим…</a:t>
-            </a:r>
-            <a:endParaRPr lang="en-US" dirty="0"/>
-          </a:p>
-        </p:txBody>
-      </p:sp>
-      <p:pic>
-        <p:nvPicPr>
-          <p:cNvPr id="5" name="Content Placeholder 4">
-            <a:extLst>
-              <a:ext uri="{FF2B5EF4-FFF2-40B4-BE49-F238E27FC236}">
-                <a16:creationId xmlns:a16="http://schemas.microsoft.com/office/drawing/2014/main" id="{BBFC36D3-3814-42C7-B761-2C637AB436FB}"/>
-              </a:ext>
-            </a:extLst>
-          </p:cNvPr>
-          <p:cNvPicPr>
-            <a:picLocks noGrp="1" noChangeAspect="1"/>
-          </p:cNvPicPr>
-          <p:nvPr>
-            <p:ph idx="1"/>
-          </p:nvPr>
-        </p:nvPicPr>
-        <p:blipFill>
-          <a:blip r:embed="rId2">
-            <a:extLst>
-              <a:ext uri="{28A0092B-C50C-407E-A947-70E740481C1C}">
-                <a14:useLocalDpi xmlns:a14="http://schemas.microsoft.com/office/drawing/2010/main" val="0"/>
-              </a:ext>
-            </a:extLst>
-          </a:blip>
-          <a:srcRect/>
-          <a:stretch/>
-        </p:blipFill>
-        <p:spPr>
-          <a:xfrm>
-            <a:off x="2431837" y="1945315"/>
-            <a:ext cx="7328325" cy="4523120"/>
-          </a:xfrm>
-        </p:spPr>
-      </p:pic>
-    </p:spTree>
-    <p:extLst>
-      <p:ext uri="{BB962C8B-B14F-4D97-AF65-F5344CB8AC3E}">
-        <p14:creationId xmlns:p14="http://schemas.microsoft.com/office/powerpoint/2010/main" val="2117940518"/>
-      </p:ext>
-    </p:extLst>
-  </p:cSld>
-  <p:clrMapOvr>
-    <a:masterClrMapping/>
-  </p:clrMapOvr>
-</p:sld>
-</file>
-
-<file path=ppt/slides/slide30.xml><?xml version="1.0" encoding="utf-8"?>
+<file path=ppt/slides/slide22.xml><?xml version="1.0" encoding="utf-8"?>
 <p:sld xmlns:a="http://schemas.openxmlformats.org/drawingml/2006/main" xmlns:r="http://schemas.openxmlformats.org/officeDocument/2006/relationships" xmlns:p="http://schemas.openxmlformats.org/presentationml/2006/main">
   <p:cSld>
     <p:spTree>
@@ -6368,7 +5346,7 @@
 </p:sld>
 </file>
 
-<file path=ppt/slides/slide31.xml><?xml version="1.0" encoding="utf-8"?>
+<file path=ppt/slides/slide23.xml><?xml version="1.0" encoding="utf-8"?>
 <p:sld xmlns:a="http://schemas.openxmlformats.org/drawingml/2006/main" xmlns:r="http://schemas.openxmlformats.org/officeDocument/2006/relationships" xmlns:p="http://schemas.openxmlformats.org/presentationml/2006/main">
   <p:cSld>
     <p:spTree>
@@ -6489,7 +5467,7 @@
 </p:sld>
 </file>
 
-<file path=ppt/slides/slide32.xml><?xml version="1.0" encoding="utf-8"?>
+<file path=ppt/slides/slide24.xml><?xml version="1.0" encoding="utf-8"?>
 <p:sld xmlns:a="http://schemas.openxmlformats.org/drawingml/2006/main" xmlns:r="http://schemas.openxmlformats.org/officeDocument/2006/relationships" xmlns:p="http://schemas.openxmlformats.org/presentationml/2006/main">
   <p:cSld>
     <p:spTree>
@@ -7104,6 +6082,960 @@
 </p:sld>
 </file>
 
+<file path=ppt/slides/slide25.xml><?xml version="1.0" encoding="utf-8"?>
+<p:sld xmlns:a="http://schemas.openxmlformats.org/drawingml/2006/main" xmlns:r="http://schemas.openxmlformats.org/officeDocument/2006/relationships" xmlns:p="http://schemas.openxmlformats.org/presentationml/2006/main">
+  <p:cSld>
+    <p:spTree>
+      <p:nvGrpSpPr>
+        <p:cNvPr id="1" name=""/>
+        <p:cNvGrpSpPr/>
+        <p:nvPr/>
+      </p:nvGrpSpPr>
+      <p:grpSpPr>
+        <a:xfrm>
+          <a:off x="0" y="0"/>
+          <a:ext cx="0" cy="0"/>
+          <a:chOff x="0" y="0"/>
+          <a:chExt cx="0" cy="0"/>
+        </a:xfrm>
+      </p:grpSpPr>
+      <p:sp>
+        <p:nvSpPr>
+          <p:cNvPr id="2" name="Title 1">
+            <a:extLst>
+              <a:ext uri="{FF2B5EF4-FFF2-40B4-BE49-F238E27FC236}">
+                <a16:creationId xmlns:a16="http://schemas.microsoft.com/office/drawing/2014/main" id="{DF7165CA-2277-45E2-AD19-DF2979E3D6D1}"/>
+              </a:ext>
+            </a:extLst>
+          </p:cNvPr>
+          <p:cNvSpPr>
+            <a:spLocks noGrp="1"/>
+          </p:cNvSpPr>
+          <p:nvPr>
+            <p:ph type="title"/>
+          </p:nvPr>
+        </p:nvSpPr>
+        <p:spPr/>
+        <p:txBody>
+          <a:bodyPr/>
+          <a:lstStyle/>
+          <a:p>
+            <a:r>
+              <a:rPr lang="ru-RU" dirty="0"/>
+              <a:t>Как это работает</a:t>
+            </a:r>
+            <a:endParaRPr lang="en-US" dirty="0"/>
+          </a:p>
+        </p:txBody>
+      </p:sp>
+      <p:sp>
+        <p:nvSpPr>
+          <p:cNvPr id="3" name="Content Placeholder 2">
+            <a:extLst>
+              <a:ext uri="{FF2B5EF4-FFF2-40B4-BE49-F238E27FC236}">
+                <a16:creationId xmlns:a16="http://schemas.microsoft.com/office/drawing/2014/main" id="{5A98389A-0DD7-4CD7-BAC8-18ADDD5847BC}"/>
+              </a:ext>
+            </a:extLst>
+          </p:cNvPr>
+          <p:cNvSpPr>
+            <a:spLocks noGrp="1"/>
+          </p:cNvSpPr>
+          <p:nvPr>
+            <p:ph idx="1"/>
+          </p:nvPr>
+        </p:nvSpPr>
+        <p:spPr/>
+        <p:txBody>
+          <a:bodyPr/>
+          <a:lstStyle/>
+          <a:p>
+            <a:r>
+              <a:rPr lang="en-US" dirty="0" err="1"/>
+              <a:t>SuppressionManager</a:t>
+            </a:r>
+            <a:endParaRPr lang="en-US" dirty="0"/>
+          </a:p>
+        </p:txBody>
+      </p:sp>
+    </p:spTree>
+    <p:extLst>
+      <p:ext uri="{BB962C8B-B14F-4D97-AF65-F5344CB8AC3E}">
+        <p14:creationId xmlns:p14="http://schemas.microsoft.com/office/powerpoint/2010/main" val="1590061056"/>
+      </p:ext>
+    </p:extLst>
+  </p:cSld>
+  <p:clrMapOvr>
+    <a:masterClrMapping/>
+  </p:clrMapOvr>
+</p:sld>
+</file>
+
+<file path=ppt/slides/slide26.xml><?xml version="1.0" encoding="utf-8"?>
+<p:sld xmlns:a="http://schemas.openxmlformats.org/drawingml/2006/main" xmlns:r="http://schemas.openxmlformats.org/officeDocument/2006/relationships" xmlns:p="http://schemas.openxmlformats.org/presentationml/2006/main">
+  <p:cSld>
+    <p:spTree>
+      <p:nvGrpSpPr>
+        <p:cNvPr id="1" name=""/>
+        <p:cNvGrpSpPr/>
+        <p:nvPr/>
+      </p:nvGrpSpPr>
+      <p:grpSpPr>
+        <a:xfrm>
+          <a:off x="0" y="0"/>
+          <a:ext cx="0" cy="0"/>
+          <a:chOff x="0" y="0"/>
+          <a:chExt cx="0" cy="0"/>
+        </a:xfrm>
+      </p:grpSpPr>
+      <p:sp>
+        <p:nvSpPr>
+          <p:cNvPr id="2" name="Title 1">
+            <a:extLst>
+              <a:ext uri="{FF2B5EF4-FFF2-40B4-BE49-F238E27FC236}">
+                <a16:creationId xmlns:a16="http://schemas.microsoft.com/office/drawing/2014/main" id="{953F69DB-39AF-41BB-8A36-A1B926AE36A1}"/>
+              </a:ext>
+            </a:extLst>
+          </p:cNvPr>
+          <p:cNvSpPr>
+            <a:spLocks noGrp="1"/>
+          </p:cNvSpPr>
+          <p:nvPr>
+            <p:ph type="title"/>
+          </p:nvPr>
+        </p:nvSpPr>
+        <p:spPr/>
+        <p:txBody>
+          <a:bodyPr/>
+          <a:lstStyle/>
+          <a:p>
+            <a:r>
+              <a:rPr lang="ru-RU" dirty="0"/>
+              <a:t>Использование</a:t>
+            </a:r>
+            <a:endParaRPr lang="en-US" dirty="0"/>
+          </a:p>
+        </p:txBody>
+      </p:sp>
+      <p:pic>
+        <p:nvPicPr>
+          <p:cNvPr id="4" name="Content Placeholder 3">
+            <a:extLst>
+              <a:ext uri="{FF2B5EF4-FFF2-40B4-BE49-F238E27FC236}">
+                <a16:creationId xmlns:a16="http://schemas.microsoft.com/office/drawing/2014/main" id="{A2AB45FF-0B98-4BE3-9BB0-B0444ACBFB94}"/>
+              </a:ext>
+            </a:extLst>
+          </p:cNvPr>
+          <p:cNvPicPr>
+            <a:picLocks noGrp="1" noChangeAspect="1"/>
+          </p:cNvPicPr>
+          <p:nvPr>
+            <p:ph idx="1"/>
+          </p:nvPr>
+        </p:nvPicPr>
+        <p:blipFill>
+          <a:blip r:embed="rId2"/>
+          <a:stretch>
+            <a:fillRect/>
+          </a:stretch>
+        </p:blipFill>
+        <p:spPr>
+          <a:xfrm>
+            <a:off x="838200" y="1690688"/>
+            <a:ext cx="7343775" cy="1495425"/>
+          </a:xfrm>
+          <a:prstGeom prst="rect">
+            <a:avLst/>
+          </a:prstGeom>
+        </p:spPr>
+      </p:pic>
+    </p:spTree>
+    <p:extLst>
+      <p:ext uri="{BB962C8B-B14F-4D97-AF65-F5344CB8AC3E}">
+        <p14:creationId xmlns:p14="http://schemas.microsoft.com/office/powerpoint/2010/main" val="375331600"/>
+      </p:ext>
+    </p:extLst>
+  </p:cSld>
+  <p:clrMapOvr>
+    <a:masterClrMapping/>
+  </p:clrMapOvr>
+</p:sld>
+</file>
+
+<file path=ppt/slides/slide27.xml><?xml version="1.0" encoding="utf-8"?>
+<p:sld xmlns:a="http://schemas.openxmlformats.org/drawingml/2006/main" xmlns:r="http://schemas.openxmlformats.org/officeDocument/2006/relationships" xmlns:p="http://schemas.openxmlformats.org/presentationml/2006/main">
+  <p:cSld>
+    <p:spTree>
+      <p:nvGrpSpPr>
+        <p:cNvPr id="1" name=""/>
+        <p:cNvGrpSpPr/>
+        <p:nvPr/>
+      </p:nvGrpSpPr>
+      <p:grpSpPr>
+        <a:xfrm>
+          <a:off x="0" y="0"/>
+          <a:ext cx="0" cy="0"/>
+          <a:chOff x="0" y="0"/>
+          <a:chExt cx="0" cy="0"/>
+        </a:xfrm>
+      </p:grpSpPr>
+      <p:sp>
+        <p:nvSpPr>
+          <p:cNvPr id="2" name="Title 1">
+            <a:extLst>
+              <a:ext uri="{FF2B5EF4-FFF2-40B4-BE49-F238E27FC236}">
+                <a16:creationId xmlns:a16="http://schemas.microsoft.com/office/drawing/2014/main" id="{FF46EB20-0258-4146-A5FD-065DD2142A49}"/>
+              </a:ext>
+            </a:extLst>
+          </p:cNvPr>
+          <p:cNvSpPr>
+            <a:spLocks noGrp="1"/>
+          </p:cNvSpPr>
+          <p:nvPr>
+            <p:ph type="title"/>
+          </p:nvPr>
+        </p:nvSpPr>
+        <p:spPr/>
+        <p:txBody>
+          <a:bodyPr/>
+          <a:lstStyle/>
+          <a:p>
+            <a:r>
+              <a:rPr lang="ru-RU" dirty="0"/>
+              <a:t>Использование</a:t>
+            </a:r>
+            <a:endParaRPr lang="en-US" dirty="0"/>
+          </a:p>
+        </p:txBody>
+      </p:sp>
+      <p:pic>
+        <p:nvPicPr>
+          <p:cNvPr id="4" name="Content Placeholder 3">
+            <a:extLst>
+              <a:ext uri="{FF2B5EF4-FFF2-40B4-BE49-F238E27FC236}">
+                <a16:creationId xmlns:a16="http://schemas.microsoft.com/office/drawing/2014/main" id="{042ED1E5-1B34-47ED-8209-3E5C6AD4F998}"/>
+              </a:ext>
+            </a:extLst>
+          </p:cNvPr>
+          <p:cNvPicPr>
+            <a:picLocks noGrp="1" noChangeAspect="1"/>
+          </p:cNvPicPr>
+          <p:nvPr>
+            <p:ph idx="1"/>
+          </p:nvPr>
+        </p:nvPicPr>
+        <p:blipFill>
+          <a:blip r:embed="rId2"/>
+          <a:stretch>
+            <a:fillRect/>
+          </a:stretch>
+        </p:blipFill>
+        <p:spPr>
+          <a:xfrm>
+            <a:off x="838200" y="1778904"/>
+            <a:ext cx="10515600" cy="1469351"/>
+          </a:xfrm>
+          <a:prstGeom prst="rect">
+            <a:avLst/>
+          </a:prstGeom>
+        </p:spPr>
+      </p:pic>
+    </p:spTree>
+    <p:extLst>
+      <p:ext uri="{BB962C8B-B14F-4D97-AF65-F5344CB8AC3E}">
+        <p14:creationId xmlns:p14="http://schemas.microsoft.com/office/powerpoint/2010/main" val="898861401"/>
+      </p:ext>
+    </p:extLst>
+  </p:cSld>
+  <p:clrMapOvr>
+    <a:masterClrMapping/>
+  </p:clrMapOvr>
+</p:sld>
+</file>
+
+<file path=ppt/slides/slide28.xml><?xml version="1.0" encoding="utf-8"?>
+<p:sld xmlns:a="http://schemas.openxmlformats.org/drawingml/2006/main" xmlns:r="http://schemas.openxmlformats.org/officeDocument/2006/relationships" xmlns:p="http://schemas.openxmlformats.org/presentationml/2006/main">
+  <p:cSld>
+    <p:spTree>
+      <p:nvGrpSpPr>
+        <p:cNvPr id="1" name=""/>
+        <p:cNvGrpSpPr/>
+        <p:nvPr/>
+      </p:nvGrpSpPr>
+      <p:grpSpPr>
+        <a:xfrm>
+          <a:off x="0" y="0"/>
+          <a:ext cx="0" cy="0"/>
+          <a:chOff x="0" y="0"/>
+          <a:chExt cx="0" cy="0"/>
+        </a:xfrm>
+      </p:grpSpPr>
+      <p:sp>
+        <p:nvSpPr>
+          <p:cNvPr id="2" name="Title 1">
+            <a:extLst>
+              <a:ext uri="{FF2B5EF4-FFF2-40B4-BE49-F238E27FC236}">
+                <a16:creationId xmlns:a16="http://schemas.microsoft.com/office/drawing/2014/main" id="{83F52B2A-AC1C-4ABE-AC9E-80C5F8F30CC9}"/>
+              </a:ext>
+            </a:extLst>
+          </p:cNvPr>
+          <p:cNvSpPr>
+            <a:spLocks noGrp="1"/>
+          </p:cNvSpPr>
+          <p:nvPr>
+            <p:ph type="title"/>
+          </p:nvPr>
+        </p:nvSpPr>
+        <p:spPr/>
+        <p:txBody>
+          <a:bodyPr/>
+          <a:lstStyle/>
+          <a:p>
+            <a:r>
+              <a:rPr lang="en-US" dirty="0" err="1"/>
+              <a:t>ReportDiagnosticWithSuppressionCheck</a:t>
+            </a:r>
+            <a:endParaRPr lang="en-US" dirty="0"/>
+          </a:p>
+        </p:txBody>
+      </p:sp>
+      <p:pic>
+        <p:nvPicPr>
+          <p:cNvPr id="4" name="Content Placeholder 3">
+            <a:extLst>
+              <a:ext uri="{FF2B5EF4-FFF2-40B4-BE49-F238E27FC236}">
+                <a16:creationId xmlns:a16="http://schemas.microsoft.com/office/drawing/2014/main" id="{42083E4D-758F-4E5B-9821-791E83C23A56}"/>
+              </a:ext>
+            </a:extLst>
+          </p:cNvPr>
+          <p:cNvPicPr>
+            <a:picLocks noGrp="1" noChangeAspect="1"/>
+          </p:cNvPicPr>
+          <p:nvPr>
+            <p:ph idx="1"/>
+          </p:nvPr>
+        </p:nvPicPr>
+        <p:blipFill>
+          <a:blip r:embed="rId2"/>
+          <a:stretch>
+            <a:fillRect/>
+          </a:stretch>
+        </p:blipFill>
+        <p:spPr>
+          <a:xfrm>
+            <a:off x="891904" y="1825625"/>
+            <a:ext cx="10408192" cy="4351338"/>
+          </a:xfrm>
+          <a:prstGeom prst="rect">
+            <a:avLst/>
+          </a:prstGeom>
+        </p:spPr>
+      </p:pic>
+    </p:spTree>
+    <p:extLst>
+      <p:ext uri="{BB962C8B-B14F-4D97-AF65-F5344CB8AC3E}">
+        <p14:creationId xmlns:p14="http://schemas.microsoft.com/office/powerpoint/2010/main" val="3435851213"/>
+      </p:ext>
+    </p:extLst>
+  </p:cSld>
+  <p:clrMapOvr>
+    <a:masterClrMapping/>
+  </p:clrMapOvr>
+</p:sld>
+</file>
+
+<file path=ppt/slides/slide29.xml><?xml version="1.0" encoding="utf-8"?>
+<p:sld xmlns:a="http://schemas.openxmlformats.org/drawingml/2006/main" xmlns:r="http://schemas.openxmlformats.org/officeDocument/2006/relationships" xmlns:p="http://schemas.openxmlformats.org/presentationml/2006/main">
+  <p:cSld>
+    <p:spTree>
+      <p:nvGrpSpPr>
+        <p:cNvPr id="1" name=""/>
+        <p:cNvGrpSpPr/>
+        <p:nvPr/>
+      </p:nvGrpSpPr>
+      <p:grpSpPr>
+        <a:xfrm>
+          <a:off x="0" y="0"/>
+          <a:ext cx="0" cy="0"/>
+          <a:chOff x="0" y="0"/>
+          <a:chExt cx="0" cy="0"/>
+        </a:xfrm>
+      </p:grpSpPr>
+      <p:sp>
+        <p:nvSpPr>
+          <p:cNvPr id="2" name="Title 1">
+            <a:extLst>
+              <a:ext uri="{FF2B5EF4-FFF2-40B4-BE49-F238E27FC236}">
+                <a16:creationId xmlns:a16="http://schemas.microsoft.com/office/drawing/2014/main" id="{5EE5DD45-C56F-43D2-B1EA-1CB8F8B89C72}"/>
+              </a:ext>
+            </a:extLst>
+          </p:cNvPr>
+          <p:cNvSpPr>
+            <a:spLocks noGrp="1"/>
+          </p:cNvSpPr>
+          <p:nvPr>
+            <p:ph type="title"/>
+          </p:nvPr>
+        </p:nvSpPr>
+        <p:spPr/>
+        <p:txBody>
+          <a:bodyPr/>
+          <a:lstStyle/>
+          <a:p>
+            <a:r>
+              <a:rPr lang="en-US" dirty="0" err="1"/>
+              <a:t>ReportDiagnosticWithSuppressionCheck</a:t>
+            </a:r>
+            <a:endParaRPr lang="en-US" dirty="0"/>
+          </a:p>
+        </p:txBody>
+      </p:sp>
+      <p:sp>
+        <p:nvSpPr>
+          <p:cNvPr id="3" name="Content Placeholder 2">
+            <a:extLst>
+              <a:ext uri="{FF2B5EF4-FFF2-40B4-BE49-F238E27FC236}">
+                <a16:creationId xmlns:a16="http://schemas.microsoft.com/office/drawing/2014/main" id="{B00C6A4A-348C-4D60-9F41-D43161B2A18E}"/>
+              </a:ext>
+            </a:extLst>
+          </p:cNvPr>
+          <p:cNvSpPr>
+            <a:spLocks noGrp="1"/>
+          </p:cNvSpPr>
+          <p:nvPr>
+            <p:ph idx="1"/>
+          </p:nvPr>
+        </p:nvSpPr>
+        <p:spPr/>
+        <p:txBody>
+          <a:bodyPr/>
+          <a:lstStyle/>
+          <a:p>
+            <a:r>
+              <a:rPr lang="ru-RU" dirty="0"/>
+              <a:t>Проверяет, что текущее место в коде не находится в </a:t>
+            </a:r>
+            <a:r>
+              <a:rPr lang="en-US" dirty="0"/>
+              <a:t>suppression </a:t>
+            </a:r>
+            <a:r>
+              <a:rPr lang="ru-RU" dirty="0"/>
+              <a:t>файле</a:t>
+            </a:r>
+          </a:p>
+          <a:p>
+            <a:r>
+              <a:rPr lang="ru-RU" dirty="0"/>
+              <a:t>Проверяет, есть ли </a:t>
+            </a:r>
+            <a:r>
+              <a:rPr lang="en-US" dirty="0"/>
+              <a:t>suppression code comment </a:t>
+            </a:r>
+            <a:r>
+              <a:rPr lang="ru-RU" dirty="0"/>
+              <a:t>над текущей нодой</a:t>
+            </a:r>
+          </a:p>
+          <a:p>
+            <a:r>
+              <a:rPr lang="ru-RU" dirty="0"/>
+              <a:t>Если нет, то вызывает стандартный метод </a:t>
+            </a:r>
+            <a:r>
+              <a:rPr lang="en-US" dirty="0" err="1"/>
+              <a:t>ReportDiagnostic</a:t>
+            </a:r>
+            <a:endParaRPr lang="en-US" dirty="0"/>
+          </a:p>
+        </p:txBody>
+      </p:sp>
+    </p:spTree>
+    <p:extLst>
+      <p:ext uri="{BB962C8B-B14F-4D97-AF65-F5344CB8AC3E}">
+        <p14:creationId xmlns:p14="http://schemas.microsoft.com/office/powerpoint/2010/main" val="754901573"/>
+      </p:ext>
+    </p:extLst>
+  </p:cSld>
+  <p:clrMapOvr>
+    <a:masterClrMapping/>
+  </p:clrMapOvr>
+</p:sld>
+</file>
+
+<file path=ppt/slides/slide3.xml><?xml version="1.0" encoding="utf-8"?>
+<p:sld xmlns:a="http://schemas.openxmlformats.org/drawingml/2006/main" xmlns:r="http://schemas.openxmlformats.org/officeDocument/2006/relationships" xmlns:p="http://schemas.openxmlformats.org/presentationml/2006/main">
+  <p:cSld>
+    <p:spTree>
+      <p:nvGrpSpPr>
+        <p:cNvPr id="1" name=""/>
+        <p:cNvGrpSpPr/>
+        <p:nvPr/>
+      </p:nvGrpSpPr>
+      <p:grpSpPr>
+        <a:xfrm>
+          <a:off x="0" y="0"/>
+          <a:ext cx="0" cy="0"/>
+          <a:chOff x="0" y="0"/>
+          <a:chExt cx="0" cy="0"/>
+        </a:xfrm>
+      </p:grpSpPr>
+      <p:sp>
+        <p:nvSpPr>
+          <p:cNvPr id="2" name="Title 1">
+            <a:extLst>
+              <a:ext uri="{FF2B5EF4-FFF2-40B4-BE49-F238E27FC236}">
+                <a16:creationId xmlns:a16="http://schemas.microsoft.com/office/drawing/2014/main" id="{E638989E-154F-4D06-8710-CE82CF72048A}"/>
+              </a:ext>
+            </a:extLst>
+          </p:cNvPr>
+          <p:cNvSpPr>
+            <a:spLocks noGrp="1"/>
+          </p:cNvSpPr>
+          <p:nvPr>
+            <p:ph type="title"/>
+          </p:nvPr>
+        </p:nvSpPr>
+        <p:spPr/>
+        <p:txBody>
+          <a:bodyPr/>
+          <a:lstStyle/>
+          <a:p>
+            <a:r>
+              <a:rPr lang="ru-RU" dirty="0"/>
+              <a:t>Чем раньше, тем лучше</a:t>
+            </a:r>
+            <a:endParaRPr lang="en-US" dirty="0"/>
+          </a:p>
+        </p:txBody>
+      </p:sp>
+      <p:pic>
+        <p:nvPicPr>
+          <p:cNvPr id="6" name="Content Placeholder 5" descr="A close up of a logo&#10;&#10;Description automatically generated">
+            <a:extLst>
+              <a:ext uri="{FF2B5EF4-FFF2-40B4-BE49-F238E27FC236}">
+                <a16:creationId xmlns:a16="http://schemas.microsoft.com/office/drawing/2014/main" id="{876BC374-F196-411F-AC49-5E9BE3254FA5}"/>
+              </a:ext>
+            </a:extLst>
+          </p:cNvPr>
+          <p:cNvPicPr>
+            <a:picLocks noGrp="1" noChangeAspect="1"/>
+          </p:cNvPicPr>
+          <p:nvPr>
+            <p:ph idx="1"/>
+          </p:nvPr>
+        </p:nvPicPr>
+        <p:blipFill>
+          <a:blip r:embed="rId2">
+            <a:extLst>
+              <a:ext uri="{28A0092B-C50C-407E-A947-70E740481C1C}">
+                <a14:useLocalDpi xmlns:a14="http://schemas.microsoft.com/office/drawing/2010/main" val="0"/>
+              </a:ext>
+            </a:extLst>
+          </a:blip>
+          <a:stretch>
+            <a:fillRect/>
+          </a:stretch>
+        </p:blipFill>
+        <p:spPr>
+          <a:xfrm>
+            <a:off x="838199" y="1690688"/>
+            <a:ext cx="7664245" cy="4786274"/>
+          </a:xfrm>
+        </p:spPr>
+      </p:pic>
+      <p:sp>
+        <p:nvSpPr>
+          <p:cNvPr id="7" name="TextBox 6">
+            <a:extLst>
+              <a:ext uri="{FF2B5EF4-FFF2-40B4-BE49-F238E27FC236}">
+                <a16:creationId xmlns:a16="http://schemas.microsoft.com/office/drawing/2014/main" id="{3AE36800-5F92-476A-B626-A17B4D2E37E0}"/>
+              </a:ext>
+            </a:extLst>
+          </p:cNvPr>
+          <p:cNvSpPr txBox="1"/>
+          <p:nvPr/>
+        </p:nvSpPr>
+        <p:spPr>
+          <a:xfrm>
+            <a:off x="1128252" y="6233613"/>
+            <a:ext cx="2155847" cy="369332"/>
+          </a:xfrm>
+          <a:prstGeom prst="rect">
+            <a:avLst/>
+          </a:prstGeom>
+          <a:noFill/>
+        </p:spPr>
+        <p:txBody>
+          <a:bodyPr wrap="none" rtlCol="0">
+            <a:spAutoFit/>
+          </a:bodyPr>
+          <a:lstStyle/>
+          <a:p>
+            <a:r>
+              <a:rPr lang="en-US" dirty="0"/>
+              <a:t>© 2013, Ulf Eriksson</a:t>
+            </a:r>
+          </a:p>
+        </p:txBody>
+      </p:sp>
+    </p:spTree>
+    <p:extLst>
+      <p:ext uri="{BB962C8B-B14F-4D97-AF65-F5344CB8AC3E}">
+        <p14:creationId xmlns:p14="http://schemas.microsoft.com/office/powerpoint/2010/main" val="2927567195"/>
+      </p:ext>
+    </p:extLst>
+  </p:cSld>
+  <p:clrMapOvr>
+    <a:masterClrMapping/>
+  </p:clrMapOvr>
+</p:sld>
+</file>
+
+<file path=ppt/slides/slide30.xml><?xml version="1.0" encoding="utf-8"?>
+<p:sld xmlns:a="http://schemas.openxmlformats.org/drawingml/2006/main" xmlns:r="http://schemas.openxmlformats.org/officeDocument/2006/relationships" xmlns:p="http://schemas.openxmlformats.org/presentationml/2006/main">
+  <p:cSld>
+    <p:spTree>
+      <p:nvGrpSpPr>
+        <p:cNvPr id="1" name=""/>
+        <p:cNvGrpSpPr/>
+        <p:nvPr/>
+      </p:nvGrpSpPr>
+      <p:grpSpPr>
+        <a:xfrm>
+          <a:off x="0" y="0"/>
+          <a:ext cx="0" cy="0"/>
+          <a:chOff x="0" y="0"/>
+          <a:chExt cx="0" cy="0"/>
+        </a:xfrm>
+      </p:grpSpPr>
+      <p:sp>
+        <p:nvSpPr>
+          <p:cNvPr id="2" name="Title 1">
+            <a:extLst>
+              <a:ext uri="{FF2B5EF4-FFF2-40B4-BE49-F238E27FC236}">
+                <a16:creationId xmlns:a16="http://schemas.microsoft.com/office/drawing/2014/main" id="{007084CD-8DDA-42B6-B1AD-5644844E69DE}"/>
+              </a:ext>
+            </a:extLst>
+          </p:cNvPr>
+          <p:cNvSpPr>
+            <a:spLocks noGrp="1"/>
+          </p:cNvSpPr>
+          <p:nvPr>
+            <p:ph type="title"/>
+          </p:nvPr>
+        </p:nvSpPr>
+        <p:spPr/>
+        <p:txBody>
+          <a:bodyPr/>
+          <a:lstStyle/>
+          <a:p>
+            <a:r>
+              <a:rPr lang="en-US" dirty="0"/>
+              <a:t>Suppression File	</a:t>
+            </a:r>
+          </a:p>
+        </p:txBody>
+      </p:sp>
+      <p:sp>
+        <p:nvSpPr>
+          <p:cNvPr id="3" name="Content Placeholder 2">
+            <a:extLst>
+              <a:ext uri="{FF2B5EF4-FFF2-40B4-BE49-F238E27FC236}">
+                <a16:creationId xmlns:a16="http://schemas.microsoft.com/office/drawing/2014/main" id="{FAD9C38F-ED23-4D1B-8FD7-DBCD29CC5ACA}"/>
+              </a:ext>
+            </a:extLst>
+          </p:cNvPr>
+          <p:cNvSpPr>
+            <a:spLocks noGrp="1"/>
+          </p:cNvSpPr>
+          <p:nvPr>
+            <p:ph idx="1"/>
+          </p:nvPr>
+        </p:nvSpPr>
+        <p:spPr/>
+        <p:txBody>
+          <a:bodyPr/>
+          <a:lstStyle/>
+          <a:p>
+            <a:pPr marL="0" indent="0">
+              <a:buNone/>
+            </a:pPr>
+            <a:r>
+              <a:rPr lang="ru-RU" dirty="0"/>
+              <a:t>Каждый элемент содержит информацию о трёх вещах:</a:t>
+            </a:r>
+          </a:p>
+          <a:p>
+            <a:r>
+              <a:rPr lang="en-US" b="1" dirty="0"/>
+              <a:t>ID</a:t>
+            </a:r>
+            <a:r>
+              <a:rPr lang="en-US" dirty="0"/>
+              <a:t> </a:t>
+            </a:r>
+            <a:r>
+              <a:rPr lang="ru-RU" dirty="0"/>
+              <a:t>диагностики</a:t>
+            </a:r>
+          </a:p>
+          <a:p>
+            <a:r>
+              <a:rPr lang="en-US" b="1" dirty="0"/>
+              <a:t>Symbol</a:t>
+            </a:r>
+            <a:r>
+              <a:rPr lang="ru-RU" dirty="0"/>
+              <a:t>, где диагностика была найдена</a:t>
+            </a:r>
+          </a:p>
+          <a:p>
+            <a:r>
+              <a:rPr lang="en-US" b="1" dirty="0" err="1"/>
+              <a:t>SyntaxNode</a:t>
+            </a:r>
+            <a:r>
+              <a:rPr lang="en-US" dirty="0"/>
+              <a:t>, </a:t>
+            </a:r>
+            <a:r>
+              <a:rPr lang="ru-RU" dirty="0"/>
+              <a:t>на которой диагностика была найдена</a:t>
+            </a:r>
+            <a:endParaRPr lang="en-US" dirty="0"/>
+          </a:p>
+        </p:txBody>
+      </p:sp>
+      <p:pic>
+        <p:nvPicPr>
+          <p:cNvPr id="4" name="Content Placeholder 3">
+            <a:extLst>
+              <a:ext uri="{FF2B5EF4-FFF2-40B4-BE49-F238E27FC236}">
+                <a16:creationId xmlns:a16="http://schemas.microsoft.com/office/drawing/2014/main" id="{76E0F493-4D97-4C0E-BE7A-AD09E4A80616}"/>
+              </a:ext>
+            </a:extLst>
+          </p:cNvPr>
+          <p:cNvPicPr>
+            <a:picLocks noChangeAspect="1"/>
+          </p:cNvPicPr>
+          <p:nvPr/>
+        </p:nvPicPr>
+        <p:blipFill>
+          <a:blip r:embed="rId2"/>
+          <a:stretch>
+            <a:fillRect/>
+          </a:stretch>
+        </p:blipFill>
+        <p:spPr>
+          <a:xfrm>
+            <a:off x="1237343" y="4001294"/>
+            <a:ext cx="7134225" cy="1809750"/>
+          </a:xfrm>
+          <a:prstGeom prst="rect">
+            <a:avLst/>
+          </a:prstGeom>
+        </p:spPr>
+      </p:pic>
+    </p:spTree>
+    <p:extLst>
+      <p:ext uri="{BB962C8B-B14F-4D97-AF65-F5344CB8AC3E}">
+        <p14:creationId xmlns:p14="http://schemas.microsoft.com/office/powerpoint/2010/main" val="47633630"/>
+      </p:ext>
+    </p:extLst>
+  </p:cSld>
+  <p:clrMapOvr>
+    <a:masterClrMapping/>
+  </p:clrMapOvr>
+</p:sld>
+</file>
+
+<file path=ppt/slides/slide31.xml><?xml version="1.0" encoding="utf-8"?>
+<p:sld xmlns:a="http://schemas.openxmlformats.org/drawingml/2006/main" xmlns:r="http://schemas.openxmlformats.org/officeDocument/2006/relationships" xmlns:p="http://schemas.openxmlformats.org/presentationml/2006/main">
+  <p:cSld>
+    <p:spTree>
+      <p:nvGrpSpPr>
+        <p:cNvPr id="1" name=""/>
+        <p:cNvGrpSpPr/>
+        <p:nvPr/>
+      </p:nvGrpSpPr>
+      <p:grpSpPr>
+        <a:xfrm>
+          <a:off x="0" y="0"/>
+          <a:ext cx="0" cy="0"/>
+          <a:chOff x="0" y="0"/>
+          <a:chExt cx="0" cy="0"/>
+        </a:xfrm>
+      </p:grpSpPr>
+      <p:sp>
+        <p:nvSpPr>
+          <p:cNvPr id="2" name="Title 1">
+            <a:extLst>
+              <a:ext uri="{FF2B5EF4-FFF2-40B4-BE49-F238E27FC236}">
+                <a16:creationId xmlns:a16="http://schemas.microsoft.com/office/drawing/2014/main" id="{1C60170E-8014-44C4-AC38-E1C003E3AB63}"/>
+              </a:ext>
+            </a:extLst>
+          </p:cNvPr>
+          <p:cNvSpPr>
+            <a:spLocks noGrp="1"/>
+          </p:cNvSpPr>
+          <p:nvPr>
+            <p:ph type="title"/>
+          </p:nvPr>
+        </p:nvSpPr>
+        <p:spPr/>
+        <p:txBody>
+          <a:bodyPr/>
+          <a:lstStyle/>
+          <a:p>
+            <a:r>
+              <a:rPr lang="en-US" dirty="0"/>
+              <a:t>Suppression File</a:t>
+            </a:r>
+          </a:p>
+        </p:txBody>
+      </p:sp>
+      <p:pic>
+        <p:nvPicPr>
+          <p:cNvPr id="5" name="Content Placeholder 4" descr="A screenshot of a cell phone&#10;&#10;Description automatically generated">
+            <a:extLst>
+              <a:ext uri="{FF2B5EF4-FFF2-40B4-BE49-F238E27FC236}">
+                <a16:creationId xmlns:a16="http://schemas.microsoft.com/office/drawing/2014/main" id="{2A1C9A22-006B-408E-BDF1-790F0A50E249}"/>
+              </a:ext>
+            </a:extLst>
+          </p:cNvPr>
+          <p:cNvPicPr>
+            <a:picLocks noGrp="1" noChangeAspect="1"/>
+          </p:cNvPicPr>
+          <p:nvPr>
+            <p:ph idx="1"/>
+          </p:nvPr>
+        </p:nvPicPr>
+        <p:blipFill>
+          <a:blip r:embed="rId2">
+            <a:extLst>
+              <a:ext uri="{28A0092B-C50C-407E-A947-70E740481C1C}">
+                <a14:useLocalDpi xmlns:a14="http://schemas.microsoft.com/office/drawing/2010/main" val="0"/>
+              </a:ext>
+            </a:extLst>
+          </a:blip>
+          <a:stretch>
+            <a:fillRect/>
+          </a:stretch>
+        </p:blipFill>
+        <p:spPr>
+          <a:xfrm>
+            <a:off x="838200" y="2567966"/>
+            <a:ext cx="10515600" cy="2866655"/>
+          </a:xfrm>
+        </p:spPr>
+      </p:pic>
+    </p:spTree>
+    <p:extLst>
+      <p:ext uri="{BB962C8B-B14F-4D97-AF65-F5344CB8AC3E}">
+        <p14:creationId xmlns:p14="http://schemas.microsoft.com/office/powerpoint/2010/main" val="3046319758"/>
+      </p:ext>
+    </p:extLst>
+  </p:cSld>
+  <p:clrMapOvr>
+    <a:masterClrMapping/>
+  </p:clrMapOvr>
+</p:sld>
+</file>
+
+<file path=ppt/slides/slide32.xml><?xml version="1.0" encoding="utf-8"?>
+<p:sld xmlns:a="http://schemas.openxmlformats.org/drawingml/2006/main" xmlns:r="http://schemas.openxmlformats.org/officeDocument/2006/relationships" xmlns:p="http://schemas.openxmlformats.org/presentationml/2006/main">
+  <p:cSld>
+    <p:spTree>
+      <p:nvGrpSpPr>
+        <p:cNvPr id="1" name=""/>
+        <p:cNvGrpSpPr/>
+        <p:nvPr/>
+      </p:nvGrpSpPr>
+      <p:grpSpPr>
+        <a:xfrm>
+          <a:off x="0" y="0"/>
+          <a:ext cx="0" cy="0"/>
+          <a:chOff x="0" y="0"/>
+          <a:chExt cx="0" cy="0"/>
+        </a:xfrm>
+      </p:grpSpPr>
+      <p:sp>
+        <p:nvSpPr>
+          <p:cNvPr id="2" name="Title 1">
+            <a:extLst>
+              <a:ext uri="{FF2B5EF4-FFF2-40B4-BE49-F238E27FC236}">
+                <a16:creationId xmlns:a16="http://schemas.microsoft.com/office/drawing/2014/main" id="{9316C3C2-C78E-4C85-9119-5FEF6A02BF5E}"/>
+              </a:ext>
+            </a:extLst>
+          </p:cNvPr>
+          <p:cNvSpPr>
+            <a:spLocks noGrp="1"/>
+          </p:cNvSpPr>
+          <p:nvPr>
+            <p:ph type="title"/>
+          </p:nvPr>
+        </p:nvSpPr>
+        <p:spPr/>
+        <p:txBody>
+          <a:bodyPr/>
+          <a:lstStyle/>
+          <a:p>
+            <a:r>
+              <a:rPr lang="en-US" dirty="0"/>
+              <a:t>Suppression File</a:t>
+            </a:r>
+          </a:p>
+        </p:txBody>
+      </p:sp>
+      <p:pic>
+        <p:nvPicPr>
+          <p:cNvPr id="5" name="Content Placeholder 4" descr="A screenshot of a computer&#10;&#10;Description automatically generated">
+            <a:extLst>
+              <a:ext uri="{FF2B5EF4-FFF2-40B4-BE49-F238E27FC236}">
+                <a16:creationId xmlns:a16="http://schemas.microsoft.com/office/drawing/2014/main" id="{5BFA3E35-DFAE-4A37-A763-CE4F6C8DA2C5}"/>
+              </a:ext>
+            </a:extLst>
+          </p:cNvPr>
+          <p:cNvPicPr>
+            <a:picLocks noGrp="1" noChangeAspect="1"/>
+          </p:cNvPicPr>
+          <p:nvPr>
+            <p:ph idx="1"/>
+          </p:nvPr>
+        </p:nvPicPr>
+        <p:blipFill>
+          <a:blip r:embed="rId2">
+            <a:extLst>
+              <a:ext uri="{28A0092B-C50C-407E-A947-70E740481C1C}">
+                <a14:useLocalDpi xmlns:a14="http://schemas.microsoft.com/office/drawing/2010/main" val="0"/>
+              </a:ext>
+            </a:extLst>
+          </a:blip>
+          <a:stretch>
+            <a:fillRect/>
+          </a:stretch>
+        </p:blipFill>
+        <p:spPr>
+          <a:xfrm>
+            <a:off x="891143" y="1449541"/>
+            <a:ext cx="9233625" cy="5027998"/>
+          </a:xfrm>
+        </p:spPr>
+      </p:pic>
+    </p:spTree>
+    <p:extLst>
+      <p:ext uri="{BB962C8B-B14F-4D97-AF65-F5344CB8AC3E}">
+        <p14:creationId xmlns:p14="http://schemas.microsoft.com/office/powerpoint/2010/main" val="3303313903"/>
+      </p:ext>
+    </p:extLst>
+  </p:cSld>
+  <p:clrMapOvr>
+    <a:masterClrMapping/>
+  </p:clrMapOvr>
+</p:sld>
+</file>
+
 <file path=ppt/slides/slide33.xml><?xml version="1.0" encoding="utf-8"?>
 <p:sld xmlns:a="http://schemas.openxmlformats.org/drawingml/2006/main" xmlns:r="http://schemas.openxmlformats.org/officeDocument/2006/relationships" xmlns:p="http://schemas.openxmlformats.org/presentationml/2006/main">
   <p:cSld>
@@ -7126,6 +7058,676 @@
           <p:cNvPr id="2" name="Title 1">
             <a:extLst>
               <a:ext uri="{FF2B5EF4-FFF2-40B4-BE49-F238E27FC236}">
+                <a16:creationId xmlns:a16="http://schemas.microsoft.com/office/drawing/2014/main" id="{8D42088D-6DAE-4D37-B644-3421A3D3453C}"/>
+              </a:ext>
+            </a:extLst>
+          </p:cNvPr>
+          <p:cNvSpPr>
+            <a:spLocks noGrp="1"/>
+          </p:cNvSpPr>
+          <p:nvPr>
+            <p:ph type="title"/>
+          </p:nvPr>
+        </p:nvSpPr>
+        <p:spPr/>
+        <p:txBody>
+          <a:bodyPr/>
+          <a:lstStyle/>
+          <a:p>
+            <a:r>
+              <a:rPr lang="en-US" dirty="0"/>
+              <a:t>Suppression File: Workspace API</a:t>
+            </a:r>
+          </a:p>
+        </p:txBody>
+      </p:sp>
+      <p:sp>
+        <p:nvSpPr>
+          <p:cNvPr id="3" name="Content Placeholder 2">
+            <a:extLst>
+              <a:ext uri="{FF2B5EF4-FFF2-40B4-BE49-F238E27FC236}">
+                <a16:creationId xmlns:a16="http://schemas.microsoft.com/office/drawing/2014/main" id="{82443F83-E3B0-4798-AB2B-62CD75D1FAF4}"/>
+              </a:ext>
+            </a:extLst>
+          </p:cNvPr>
+          <p:cNvSpPr>
+            <a:spLocks noGrp="1"/>
+          </p:cNvSpPr>
+          <p:nvPr>
+            <p:ph idx="1"/>
+          </p:nvPr>
+        </p:nvSpPr>
+        <p:spPr/>
+        <p:txBody>
+          <a:bodyPr/>
+          <a:lstStyle/>
+          <a:p>
+            <a:pPr marL="0" indent="0">
+              <a:buNone/>
+            </a:pPr>
+            <a:r>
+              <a:rPr lang="en-US" dirty="0" err="1">
+                <a:latin typeface="Consolas" panose="020B0609020204030204" pitchFamily="49" charset="0"/>
+              </a:rPr>
+              <a:t>workspace.CurrentSolution.Projects</a:t>
+            </a:r>
+            <a:endParaRPr lang="en-US" dirty="0">
+              <a:latin typeface="Consolas" panose="020B0609020204030204" pitchFamily="49" charset="0"/>
+            </a:endParaRPr>
+          </a:p>
+          <a:p>
+            <a:pPr marL="0" indent="0">
+              <a:buNone/>
+            </a:pPr>
+            <a:r>
+              <a:rPr lang="en-US" dirty="0">
+                <a:latin typeface="Consolas" panose="020B0609020204030204" pitchFamily="49" charset="0"/>
+              </a:rPr>
+              <a:t>	.</a:t>
+            </a:r>
+            <a:r>
+              <a:rPr lang="en-US" dirty="0" err="1">
+                <a:latin typeface="Consolas" panose="020B0609020204030204" pitchFamily="49" charset="0"/>
+              </a:rPr>
+              <a:t>SelectMany</a:t>
+            </a:r>
+            <a:r>
+              <a:rPr lang="en-US" dirty="0">
+                <a:latin typeface="Consolas" panose="020B0609020204030204" pitchFamily="49" charset="0"/>
+              </a:rPr>
+              <a:t>(p =&gt; </a:t>
+            </a:r>
+            <a:r>
+              <a:rPr lang="en-US" dirty="0" err="1">
+                <a:latin typeface="Consolas" panose="020B0609020204030204" pitchFamily="49" charset="0"/>
+              </a:rPr>
+              <a:t>p.AdditionalDocuments</a:t>
+            </a:r>
+            <a:r>
+              <a:rPr lang="en-US" dirty="0">
+                <a:latin typeface="Consolas" panose="020B0609020204030204" pitchFamily="49" charset="0"/>
+              </a:rPr>
+              <a:t>)</a:t>
+            </a:r>
+          </a:p>
+          <a:p>
+            <a:pPr marL="0" indent="0">
+              <a:buNone/>
+            </a:pPr>
+            <a:r>
+              <a:rPr lang="en-US" dirty="0">
+                <a:latin typeface="Consolas" panose="020B0609020204030204" pitchFamily="49" charset="0"/>
+              </a:rPr>
+              <a:t>	.Where(d =&gt; </a:t>
+            </a:r>
+            <a:r>
+              <a:rPr lang="en-US" dirty="0" err="1">
+                <a:latin typeface="Consolas" panose="020B0609020204030204" pitchFamily="49" charset="0"/>
+              </a:rPr>
+              <a:t>d.Name.ToLower</a:t>
+            </a:r>
+            <a:r>
+              <a:rPr lang="en-US" dirty="0">
+                <a:latin typeface="Consolas" panose="020B0609020204030204" pitchFamily="49" charset="0"/>
+              </a:rPr>
+              <a:t>()</a:t>
+            </a:r>
+          </a:p>
+          <a:p>
+            <a:pPr marL="0" indent="0">
+              <a:buNone/>
+            </a:pPr>
+            <a:r>
+              <a:rPr lang="en-US" dirty="0">
+                <a:latin typeface="Consolas" panose="020B0609020204030204" pitchFamily="49" charset="0"/>
+              </a:rPr>
+              <a:t>		.</a:t>
+            </a:r>
+            <a:r>
+              <a:rPr lang="en-US" dirty="0" err="1">
+                <a:latin typeface="Consolas" panose="020B0609020204030204" pitchFamily="49" charset="0"/>
+              </a:rPr>
+              <a:t>EndsWith</a:t>
+            </a:r>
+            <a:r>
+              <a:rPr lang="en-US" dirty="0">
+                <a:latin typeface="Consolas" panose="020B0609020204030204" pitchFamily="49" charset="0"/>
+              </a:rPr>
+              <a:t>(“.</a:t>
+            </a:r>
+            <a:r>
+              <a:rPr lang="en-US" dirty="0" err="1">
+                <a:latin typeface="Consolas" panose="020B0609020204030204" pitchFamily="49" charset="0"/>
+              </a:rPr>
+              <a:t>acuminator</a:t>
+            </a:r>
+            <a:r>
+              <a:rPr lang="en-US" dirty="0">
+                <a:latin typeface="Consolas" panose="020B0609020204030204" pitchFamily="49" charset="0"/>
+              </a:rPr>
+              <a:t>”))</a:t>
+            </a:r>
+          </a:p>
+        </p:txBody>
+      </p:sp>
+    </p:spTree>
+    <p:extLst>
+      <p:ext uri="{BB962C8B-B14F-4D97-AF65-F5344CB8AC3E}">
+        <p14:creationId xmlns:p14="http://schemas.microsoft.com/office/powerpoint/2010/main" val="3412827683"/>
+      </p:ext>
+    </p:extLst>
+  </p:cSld>
+  <p:clrMapOvr>
+    <a:masterClrMapping/>
+  </p:clrMapOvr>
+</p:sld>
+</file>
+
+<file path=ppt/slides/slide34.xml><?xml version="1.0" encoding="utf-8"?>
+<p:sld xmlns:a="http://schemas.openxmlformats.org/drawingml/2006/main" xmlns:r="http://schemas.openxmlformats.org/officeDocument/2006/relationships" xmlns:p="http://schemas.openxmlformats.org/presentationml/2006/main">
+  <p:cSld>
+    <p:spTree>
+      <p:nvGrpSpPr>
+        <p:cNvPr id="1" name=""/>
+        <p:cNvGrpSpPr/>
+        <p:nvPr/>
+      </p:nvGrpSpPr>
+      <p:grpSpPr>
+        <a:xfrm>
+          <a:off x="0" y="0"/>
+          <a:ext cx="0" cy="0"/>
+          <a:chOff x="0" y="0"/>
+          <a:chExt cx="0" cy="0"/>
+        </a:xfrm>
+      </p:grpSpPr>
+      <p:sp>
+        <p:nvSpPr>
+          <p:cNvPr id="2" name="Title 1">
+            <a:extLst>
+              <a:ext uri="{FF2B5EF4-FFF2-40B4-BE49-F238E27FC236}">
+                <a16:creationId xmlns:a16="http://schemas.microsoft.com/office/drawing/2014/main" id="{C9D333C9-2CFB-4D0C-8CFF-8119D71D17F6}"/>
+              </a:ext>
+            </a:extLst>
+          </p:cNvPr>
+          <p:cNvSpPr>
+            <a:spLocks noGrp="1"/>
+          </p:cNvSpPr>
+          <p:nvPr>
+            <p:ph type="title"/>
+          </p:nvPr>
+        </p:nvSpPr>
+        <p:spPr/>
+        <p:txBody>
+          <a:bodyPr/>
+          <a:lstStyle/>
+          <a:p>
+            <a:r>
+              <a:rPr lang="en-US" dirty="0"/>
+              <a:t>Code Comments</a:t>
+            </a:r>
+          </a:p>
+        </p:txBody>
+      </p:sp>
+      <p:sp>
+        <p:nvSpPr>
+          <p:cNvPr id="3" name="Content Placeholder 2">
+            <a:extLst>
+              <a:ext uri="{FF2B5EF4-FFF2-40B4-BE49-F238E27FC236}">
+                <a16:creationId xmlns:a16="http://schemas.microsoft.com/office/drawing/2014/main" id="{230D1E1A-E884-44E0-A355-D020C79E1930}"/>
+              </a:ext>
+            </a:extLst>
+          </p:cNvPr>
+          <p:cNvSpPr>
+            <a:spLocks noGrp="1"/>
+          </p:cNvSpPr>
+          <p:nvPr>
+            <p:ph idx="1"/>
+          </p:nvPr>
+        </p:nvSpPr>
+        <p:spPr/>
+        <p:txBody>
+          <a:bodyPr/>
+          <a:lstStyle/>
+          <a:p>
+            <a:r>
+              <a:rPr lang="en-US" dirty="0" err="1"/>
+              <a:t>SuppressionManager</a:t>
+            </a:r>
+            <a:r>
+              <a:rPr lang="ru-RU" dirty="0"/>
+              <a:t> идёт вверх по дереву от текущей ноды в поисках комментария определённого формата</a:t>
+            </a:r>
+          </a:p>
+          <a:p>
+            <a:r>
+              <a:rPr lang="ru-RU" dirty="0"/>
+              <a:t>Проверяется </a:t>
+            </a:r>
+            <a:r>
+              <a:rPr lang="en-US" dirty="0"/>
+              <a:t>trivia</a:t>
+            </a:r>
+            <a:r>
+              <a:rPr lang="ru-RU" dirty="0"/>
+              <a:t> каждой ноды</a:t>
+            </a:r>
+            <a:endParaRPr lang="en-US" dirty="0"/>
+          </a:p>
+        </p:txBody>
+      </p:sp>
+    </p:spTree>
+    <p:extLst>
+      <p:ext uri="{BB962C8B-B14F-4D97-AF65-F5344CB8AC3E}">
+        <p14:creationId xmlns:p14="http://schemas.microsoft.com/office/powerpoint/2010/main" val="1576407643"/>
+      </p:ext>
+    </p:extLst>
+  </p:cSld>
+  <p:clrMapOvr>
+    <a:masterClrMapping/>
+  </p:clrMapOvr>
+</p:sld>
+</file>
+
+<file path=ppt/slides/slide35.xml><?xml version="1.0" encoding="utf-8"?>
+<p:sld xmlns:a="http://schemas.openxmlformats.org/drawingml/2006/main" xmlns:r="http://schemas.openxmlformats.org/officeDocument/2006/relationships" xmlns:p="http://schemas.openxmlformats.org/presentationml/2006/main">
+  <p:cSld>
+    <p:spTree>
+      <p:nvGrpSpPr>
+        <p:cNvPr id="1" name=""/>
+        <p:cNvGrpSpPr/>
+        <p:nvPr/>
+      </p:nvGrpSpPr>
+      <p:grpSpPr>
+        <a:xfrm>
+          <a:off x="0" y="0"/>
+          <a:ext cx="0" cy="0"/>
+          <a:chOff x="0" y="0"/>
+          <a:chExt cx="0" cy="0"/>
+        </a:xfrm>
+      </p:grpSpPr>
+      <p:sp>
+        <p:nvSpPr>
+          <p:cNvPr id="2" name="Title 1">
+            <a:extLst>
+              <a:ext uri="{FF2B5EF4-FFF2-40B4-BE49-F238E27FC236}">
+                <a16:creationId xmlns:a16="http://schemas.microsoft.com/office/drawing/2014/main" id="{2A268B54-532F-4209-96AB-23F212C41A12}"/>
+              </a:ext>
+            </a:extLst>
+          </p:cNvPr>
+          <p:cNvSpPr>
+            <a:spLocks noGrp="1"/>
+          </p:cNvSpPr>
+          <p:nvPr>
+            <p:ph type="title"/>
+          </p:nvPr>
+        </p:nvSpPr>
+        <p:spPr/>
+        <p:txBody>
+          <a:bodyPr/>
+          <a:lstStyle/>
+          <a:p>
+            <a:r>
+              <a:rPr lang="en-US" dirty="0"/>
+              <a:t>Code Comments</a:t>
+            </a:r>
+          </a:p>
+        </p:txBody>
+      </p:sp>
+      <p:pic>
+        <p:nvPicPr>
+          <p:cNvPr id="9" name="Content Placeholder 8" descr="A screenshot of a cell phone&#10;&#10;Description automatically generated">
+            <a:extLst>
+              <a:ext uri="{FF2B5EF4-FFF2-40B4-BE49-F238E27FC236}">
+                <a16:creationId xmlns:a16="http://schemas.microsoft.com/office/drawing/2014/main" id="{85D02EA5-2354-4A67-8BBB-ED18005AFF06}"/>
+              </a:ext>
+            </a:extLst>
+          </p:cNvPr>
+          <p:cNvPicPr>
+            <a:picLocks noGrp="1" noChangeAspect="1"/>
+          </p:cNvPicPr>
+          <p:nvPr>
+            <p:ph idx="1"/>
+          </p:nvPr>
+        </p:nvPicPr>
+        <p:blipFill>
+          <a:blip r:embed="rId2">
+            <a:extLst>
+              <a:ext uri="{28A0092B-C50C-407E-A947-70E740481C1C}">
+                <a14:useLocalDpi xmlns:a14="http://schemas.microsoft.com/office/drawing/2010/main" val="0"/>
+              </a:ext>
+            </a:extLst>
+          </a:blip>
+          <a:stretch>
+            <a:fillRect/>
+          </a:stretch>
+        </p:blipFill>
+        <p:spPr>
+          <a:xfrm>
+            <a:off x="838200" y="2567966"/>
+            <a:ext cx="10515600" cy="2866655"/>
+          </a:xfrm>
+        </p:spPr>
+      </p:pic>
+    </p:spTree>
+    <p:extLst>
+      <p:ext uri="{BB962C8B-B14F-4D97-AF65-F5344CB8AC3E}">
+        <p14:creationId xmlns:p14="http://schemas.microsoft.com/office/powerpoint/2010/main" val="1070184147"/>
+      </p:ext>
+    </p:extLst>
+  </p:cSld>
+  <p:clrMapOvr>
+    <a:masterClrMapping/>
+  </p:clrMapOvr>
+</p:sld>
+</file>
+
+<file path=ppt/slides/slide36.xml><?xml version="1.0" encoding="utf-8"?>
+<p:sld xmlns:a="http://schemas.openxmlformats.org/drawingml/2006/main" xmlns:r="http://schemas.openxmlformats.org/officeDocument/2006/relationships" xmlns:p="http://schemas.openxmlformats.org/presentationml/2006/main">
+  <p:cSld>
+    <p:spTree>
+      <p:nvGrpSpPr>
+        <p:cNvPr id="1" name=""/>
+        <p:cNvGrpSpPr/>
+        <p:nvPr/>
+      </p:nvGrpSpPr>
+      <p:grpSpPr>
+        <a:xfrm>
+          <a:off x="0" y="0"/>
+          <a:ext cx="0" cy="0"/>
+          <a:chOff x="0" y="0"/>
+          <a:chExt cx="0" cy="0"/>
+        </a:xfrm>
+      </p:grpSpPr>
+      <p:sp>
+        <p:nvSpPr>
+          <p:cNvPr id="2" name="Title 1">
+            <a:extLst>
+              <a:ext uri="{FF2B5EF4-FFF2-40B4-BE49-F238E27FC236}">
+                <a16:creationId xmlns:a16="http://schemas.microsoft.com/office/drawing/2014/main" id="{A8442675-C04A-42A7-876C-6F5C8DEFBD08}"/>
+              </a:ext>
+            </a:extLst>
+          </p:cNvPr>
+          <p:cNvSpPr>
+            <a:spLocks noGrp="1"/>
+          </p:cNvSpPr>
+          <p:nvPr>
+            <p:ph type="title"/>
+          </p:nvPr>
+        </p:nvSpPr>
+        <p:spPr/>
+        <p:txBody>
+          <a:bodyPr/>
+          <a:lstStyle/>
+          <a:p>
+            <a:r>
+              <a:rPr lang="ru-RU" dirty="0"/>
+              <a:t>Проблемы с производительностью</a:t>
+            </a:r>
+            <a:endParaRPr lang="en-US" dirty="0"/>
+          </a:p>
+        </p:txBody>
+      </p:sp>
+      <p:sp>
+        <p:nvSpPr>
+          <p:cNvPr id="3" name="Content Placeholder 2">
+            <a:extLst>
+              <a:ext uri="{FF2B5EF4-FFF2-40B4-BE49-F238E27FC236}">
+                <a16:creationId xmlns:a16="http://schemas.microsoft.com/office/drawing/2014/main" id="{473F7712-9E0B-4EE7-B1E7-7764E790A21D}"/>
+              </a:ext>
+            </a:extLst>
+          </p:cNvPr>
+          <p:cNvSpPr>
+            <a:spLocks noGrp="1"/>
+          </p:cNvSpPr>
+          <p:nvPr>
+            <p:ph idx="1"/>
+          </p:nvPr>
+        </p:nvSpPr>
+        <p:spPr/>
+        <p:txBody>
+          <a:bodyPr/>
+          <a:lstStyle/>
+          <a:p>
+            <a:r>
+              <a:rPr lang="ru-RU" dirty="0"/>
+              <a:t>Много анализаторов, проверяющих одни и те же места в коде</a:t>
+            </a:r>
+          </a:p>
+          <a:p>
+            <a:r>
+              <a:rPr lang="ru-RU" dirty="0"/>
+              <a:t>Одна и та же семантическая информация о ваших типах собирается по много раз</a:t>
+            </a:r>
+            <a:endParaRPr lang="en-US" dirty="0"/>
+          </a:p>
+        </p:txBody>
+      </p:sp>
+    </p:spTree>
+    <p:extLst>
+      <p:ext uri="{BB962C8B-B14F-4D97-AF65-F5344CB8AC3E}">
+        <p14:creationId xmlns:p14="http://schemas.microsoft.com/office/powerpoint/2010/main" val="2093276500"/>
+      </p:ext>
+    </p:extLst>
+  </p:cSld>
+  <p:clrMapOvr>
+    <a:masterClrMapping/>
+  </p:clrMapOvr>
+</p:sld>
+</file>
+
+<file path=ppt/slides/slide37.xml><?xml version="1.0" encoding="utf-8"?>
+<p:sld xmlns:a="http://schemas.openxmlformats.org/drawingml/2006/main" xmlns:r="http://schemas.openxmlformats.org/officeDocument/2006/relationships" xmlns:p="http://schemas.openxmlformats.org/presentationml/2006/main">
+  <p:cSld>
+    <p:spTree>
+      <p:nvGrpSpPr>
+        <p:cNvPr id="1" name=""/>
+        <p:cNvGrpSpPr/>
+        <p:nvPr/>
+      </p:nvGrpSpPr>
+      <p:grpSpPr>
+        <a:xfrm>
+          <a:off x="0" y="0"/>
+          <a:ext cx="0" cy="0"/>
+          <a:chOff x="0" y="0"/>
+          <a:chExt cx="0" cy="0"/>
+        </a:xfrm>
+      </p:grpSpPr>
+      <p:sp>
+        <p:nvSpPr>
+          <p:cNvPr id="2" name="Title 1">
+            <a:extLst>
+              <a:ext uri="{FF2B5EF4-FFF2-40B4-BE49-F238E27FC236}">
+                <a16:creationId xmlns:a16="http://schemas.microsoft.com/office/drawing/2014/main" id="{EEF3F4B3-9219-4226-B70F-9AF96A99BB98}"/>
+              </a:ext>
+            </a:extLst>
+          </p:cNvPr>
+          <p:cNvSpPr>
+            <a:spLocks noGrp="1"/>
+          </p:cNvSpPr>
+          <p:nvPr>
+            <p:ph type="title"/>
+          </p:nvPr>
+        </p:nvSpPr>
+        <p:spPr/>
+        <p:txBody>
+          <a:bodyPr/>
+          <a:lstStyle/>
+          <a:p>
+            <a:r>
+              <a:rPr lang="ru-RU" dirty="0"/>
+              <a:t>Собственные семантические модели</a:t>
+            </a:r>
+            <a:endParaRPr lang="en-US" dirty="0"/>
+          </a:p>
+        </p:txBody>
+      </p:sp>
+      <p:sp>
+        <p:nvSpPr>
+          <p:cNvPr id="3" name="Content Placeholder 2">
+            <a:extLst>
+              <a:ext uri="{FF2B5EF4-FFF2-40B4-BE49-F238E27FC236}">
+                <a16:creationId xmlns:a16="http://schemas.microsoft.com/office/drawing/2014/main" id="{51C75AC7-D3DC-49E1-A96F-6EC625CE50E5}"/>
+              </a:ext>
+            </a:extLst>
+          </p:cNvPr>
+          <p:cNvSpPr>
+            <a:spLocks noGrp="1"/>
+          </p:cNvSpPr>
+          <p:nvPr>
+            <p:ph idx="1"/>
+          </p:nvPr>
+        </p:nvSpPr>
+        <p:spPr/>
+        <p:txBody>
+          <a:bodyPr/>
+          <a:lstStyle/>
+          <a:p>
+            <a:r>
+              <a:rPr lang="ru-RU" dirty="0"/>
+              <a:t>Один родительский анализатор, который строит семантическую модель определённой сущности</a:t>
+            </a:r>
+          </a:p>
+          <a:p>
+            <a:r>
+              <a:rPr lang="ru-RU" dirty="0"/>
+              <a:t>Запускает несколько дочерних анализаторов, передавая им семантическую модель</a:t>
+            </a:r>
+            <a:endParaRPr lang="en-US" dirty="0"/>
+          </a:p>
+        </p:txBody>
+      </p:sp>
+    </p:spTree>
+    <p:extLst>
+      <p:ext uri="{BB962C8B-B14F-4D97-AF65-F5344CB8AC3E}">
+        <p14:creationId xmlns:p14="http://schemas.microsoft.com/office/powerpoint/2010/main" val="1020240243"/>
+      </p:ext>
+    </p:extLst>
+  </p:cSld>
+  <p:clrMapOvr>
+    <a:masterClrMapping/>
+  </p:clrMapOvr>
+</p:sld>
+</file>
+
+<file path=ppt/slides/slide38.xml><?xml version="1.0" encoding="utf-8"?>
+<p:sld xmlns:a="http://schemas.openxmlformats.org/drawingml/2006/main" xmlns:r="http://schemas.openxmlformats.org/officeDocument/2006/relationships" xmlns:p="http://schemas.openxmlformats.org/presentationml/2006/main">
+  <p:cSld>
+    <p:spTree>
+      <p:nvGrpSpPr>
+        <p:cNvPr id="1" name=""/>
+        <p:cNvGrpSpPr/>
+        <p:nvPr/>
+      </p:nvGrpSpPr>
+      <p:grpSpPr>
+        <a:xfrm>
+          <a:off x="0" y="0"/>
+          <a:ext cx="0" cy="0"/>
+          <a:chOff x="0" y="0"/>
+          <a:chExt cx="0" cy="0"/>
+        </a:xfrm>
+      </p:grpSpPr>
+      <p:sp>
+        <p:nvSpPr>
+          <p:cNvPr id="2" name="Title 1">
+            <a:extLst>
+              <a:ext uri="{FF2B5EF4-FFF2-40B4-BE49-F238E27FC236}">
+                <a16:creationId xmlns:a16="http://schemas.microsoft.com/office/drawing/2014/main" id="{8F9281C0-3396-4677-A552-F4E2ED6DA669}"/>
+              </a:ext>
+            </a:extLst>
+          </p:cNvPr>
+          <p:cNvSpPr>
+            <a:spLocks noGrp="1"/>
+          </p:cNvSpPr>
+          <p:nvPr>
+            <p:ph type="title"/>
+          </p:nvPr>
+        </p:nvSpPr>
+        <p:spPr/>
+        <p:txBody>
+          <a:bodyPr/>
+          <a:lstStyle/>
+          <a:p>
+            <a:r>
+              <a:rPr lang="ru-RU" dirty="0"/>
+              <a:t>Пример: </a:t>
+            </a:r>
+            <a:r>
+              <a:rPr lang="en-US" dirty="0"/>
+              <a:t>Web API Controller</a:t>
+            </a:r>
+          </a:p>
+        </p:txBody>
+      </p:sp>
+      <p:pic>
+        <p:nvPicPr>
+          <p:cNvPr id="5" name="Content Placeholder 4">
+            <a:extLst>
+              <a:ext uri="{FF2B5EF4-FFF2-40B4-BE49-F238E27FC236}">
+                <a16:creationId xmlns:a16="http://schemas.microsoft.com/office/drawing/2014/main" id="{A613BD63-88AC-4387-886D-25F47E4E4300}"/>
+              </a:ext>
+            </a:extLst>
+          </p:cNvPr>
+          <p:cNvPicPr>
+            <a:picLocks noGrp="1" noChangeAspect="1"/>
+          </p:cNvPicPr>
+          <p:nvPr>
+            <p:ph idx="1"/>
+          </p:nvPr>
+        </p:nvPicPr>
+        <p:blipFill>
+          <a:blip r:embed="rId2">
+            <a:extLst>
+              <a:ext uri="{28A0092B-C50C-407E-A947-70E740481C1C}">
+                <a14:useLocalDpi xmlns:a14="http://schemas.microsoft.com/office/drawing/2010/main" val="0"/>
+              </a:ext>
+            </a:extLst>
+          </a:blip>
+          <a:stretch>
+            <a:fillRect/>
+          </a:stretch>
+        </p:blipFill>
+        <p:spPr>
+          <a:xfrm>
+            <a:off x="1907256" y="1825625"/>
+            <a:ext cx="8377487" cy="4351338"/>
+          </a:xfrm>
+        </p:spPr>
+      </p:pic>
+    </p:spTree>
+    <p:extLst>
+      <p:ext uri="{BB962C8B-B14F-4D97-AF65-F5344CB8AC3E}">
+        <p14:creationId xmlns:p14="http://schemas.microsoft.com/office/powerpoint/2010/main" val="1216235658"/>
+      </p:ext>
+    </p:extLst>
+  </p:cSld>
+  <p:clrMapOvr>
+    <a:masterClrMapping/>
+  </p:clrMapOvr>
+</p:sld>
+</file>
+
+<file path=ppt/slides/slide39.xml><?xml version="1.0" encoding="utf-8"?>
+<p:sld xmlns:a="http://schemas.openxmlformats.org/drawingml/2006/main" xmlns:r="http://schemas.openxmlformats.org/officeDocument/2006/relationships" xmlns:p="http://schemas.openxmlformats.org/presentationml/2006/main">
+  <p:cSld>
+    <p:spTree>
+      <p:nvGrpSpPr>
+        <p:cNvPr id="1" name=""/>
+        <p:cNvGrpSpPr/>
+        <p:nvPr/>
+      </p:nvGrpSpPr>
+      <p:grpSpPr>
+        <a:xfrm>
+          <a:off x="0" y="0"/>
+          <a:ext cx="0" cy="0"/>
+          <a:chOff x="0" y="0"/>
+          <a:chExt cx="0" cy="0"/>
+        </a:xfrm>
+      </p:grpSpPr>
+      <p:sp>
+        <p:nvSpPr>
+          <p:cNvPr id="2" name="Title 1">
+            <a:extLst>
+              <a:ext uri="{FF2B5EF4-FFF2-40B4-BE49-F238E27FC236}">
                 <a16:creationId xmlns:a16="http://schemas.microsoft.com/office/drawing/2014/main" id="{7840AAEC-9F2F-45EA-9923-2AE536DA1C8A}"/>
               </a:ext>
             </a:extLst>
@@ -7168,7 +7770,9 @@
         </p:nvSpPr>
         <p:spPr/>
         <p:txBody>
-          <a:bodyPr/>
+          <a:bodyPr>
+            <a:normAutofit/>
+          </a:bodyPr>
           <a:lstStyle/>
           <a:p>
             <a:pPr marL="0" lvl="0" indent="0" defTabSz="685800">
@@ -7185,7 +7789,7 @@
               <a:buNone/>
             </a:pPr>
             <a:r>
-              <a:rPr lang="en-US" sz="1400" b="1" dirty="0">
+              <a:rPr lang="en-US" sz="2000" b="1" dirty="0">
                 <a:solidFill>
                   <a:srgbClr val="000033">
                     <a:lumMod val="50000"/>
@@ -7194,10 +7798,19 @@
                 </a:solidFill>
                 <a:latin typeface="Consolas" panose="020B0609020204030204" pitchFamily="49" charset="0"/>
               </a:rPr>
-              <a:t>protected virtual void</a:t>
-            </a:r>
-            <a:r>
-              <a:rPr lang="en-US" sz="1400" dirty="0">
+              <a:t>public </a:t>
+            </a:r>
+            <a:r>
+              <a:rPr lang="en-US" sz="2000" dirty="0">
+                <a:solidFill>
+                  <a:srgbClr val="2B91AF"/>
+                </a:solidFill>
+                <a:latin typeface="Consolas" panose="020B0609020204030204" pitchFamily="49" charset="0"/>
+              </a:rPr>
+              <a:t>IHttpActionResult</a:t>
+            </a:r>
+            <a:r>
+              <a:rPr lang="en-US" sz="2000" dirty="0">
                 <a:solidFill>
                   <a:srgbClr val="000033">
                     <a:lumMod val="50000"/>
@@ -7209,13 +7822,34 @@
               <a:t> </a:t>
             </a:r>
             <a:r>
-              <a:rPr lang="en-US" sz="1400" dirty="0">
+              <a:rPr lang="en-US" sz="2000" dirty="0">
                 <a:solidFill>
                   <a:srgbClr val="000000"/>
                 </a:solidFill>
                 <a:latin typeface="Consolas" panose="020B0609020204030204" pitchFamily="49" charset="0"/>
               </a:rPr>
-              <a:t>Foo()</a:t>
+              <a:t>Post(</a:t>
+            </a:r>
+            <a:r>
+              <a:rPr lang="en-US" sz="2000" b="1" dirty="0">
+                <a:solidFill>
+                  <a:srgbClr val="000033">
+                    <a:lumMod val="50000"/>
+                    <a:lumOff val="50000"/>
+                  </a:srgbClr>
+                </a:solidFill>
+                <a:latin typeface="Consolas" panose="020B0609020204030204" pitchFamily="49" charset="0"/>
+              </a:rPr>
+              <a:t>string</a:t>
+            </a:r>
+            <a:r>
+              <a:rPr lang="en-US" sz="2000" dirty="0">
+                <a:solidFill>
+                  <a:srgbClr val="000000"/>
+                </a:solidFill>
+                <a:latin typeface="Consolas" panose="020B0609020204030204" pitchFamily="49" charset="0"/>
+              </a:rPr>
+              <a:t> value)</a:t>
             </a:r>
           </a:p>
           <a:p>
@@ -7233,7 +7867,7 @@
               <a:buNone/>
             </a:pPr>
             <a:r>
-              <a:rPr lang="en-US" sz="1400" dirty="0">
+              <a:rPr lang="en-US" sz="2000" dirty="0">
                 <a:solidFill>
                   <a:srgbClr val="000000"/>
                 </a:solidFill>
@@ -7257,7 +7891,7 @@
               <a:buNone/>
             </a:pPr>
             <a:r>
-              <a:rPr lang="en-US" sz="1400" dirty="0">
+              <a:rPr lang="en-US" sz="2000" dirty="0">
                 <a:solidFill>
                   <a:srgbClr val="000000"/>
                 </a:solidFill>
@@ -7281,13 +7915,13 @@
               <a:buNone/>
             </a:pPr>
             <a:r>
-              <a:rPr lang="en-US" sz="1400" dirty="0">
+              <a:rPr lang="en-US" sz="2000" dirty="0">
                 <a:solidFill>
                   <a:srgbClr val="000000"/>
                 </a:solidFill>
                 <a:latin typeface="Consolas" panose="020B0609020204030204" pitchFamily="49" charset="0"/>
               </a:rPr>
-              <a:t>}</a:t>
+              <a:t>    return NoContent();</a:t>
             </a:r>
           </a:p>
           <a:p>
@@ -7304,12 +7938,15 @@
               <a:buSzPct val="90000"/>
               <a:buNone/>
             </a:pPr>
-            <a:endParaRPr lang="en-US" sz="1400" dirty="0">
-              <a:solidFill>
-                <a:srgbClr val="000000"/>
-              </a:solidFill>
-              <a:latin typeface="Consolas" panose="020B0609020204030204" pitchFamily="49" charset="0"/>
-            </a:endParaRPr>
+            <a:r>
+              <a:rPr lang="en-US" sz="2000" dirty="0">
+                <a:solidFill>
+                  <a:srgbClr val="000000"/>
+                </a:solidFill>
+                <a:latin typeface="Consolas" panose="020B0609020204030204" pitchFamily="49" charset="0"/>
+              </a:rPr>
+              <a:t>}</a:t>
+            </a:r>
           </a:p>
           <a:p>
             <a:pPr marL="0" lvl="0" indent="0" defTabSz="685800">
@@ -7325,27 +7962,12 @@
               <a:buSzPct val="90000"/>
               <a:buNone/>
             </a:pPr>
-            <a:r>
-              <a:rPr lang="en-US" sz="1400" b="1" dirty="0">
-                <a:solidFill>
-                  <a:srgbClr val="000033">
-                    <a:lumMod val="50000"/>
-                    <a:lumOff val="50000"/>
-                  </a:srgbClr>
-                </a:solidFill>
-                <a:latin typeface="Consolas" panose="020B0609020204030204" pitchFamily="49" charset="0"/>
-              </a:rPr>
-              <a:t>private void</a:t>
-            </a:r>
-            <a:r>
-              <a:rPr lang="en-US" sz="1400" dirty="0">
-                <a:solidFill>
-                  <a:srgbClr val="000000"/>
-                </a:solidFill>
-                <a:latin typeface="Consolas" panose="020B0609020204030204" pitchFamily="49" charset="0"/>
-              </a:rPr>
-              <a:t> DoSomething()</a:t>
-            </a:r>
+            <a:endParaRPr lang="en-US" sz="2000" dirty="0">
+              <a:solidFill>
+                <a:srgbClr val="000000"/>
+              </a:solidFill>
+              <a:latin typeface="Consolas" panose="020B0609020204030204" pitchFamily="49" charset="0"/>
+            </a:endParaRPr>
           </a:p>
           <a:p>
             <a:pPr marL="0" lvl="0" indent="0" defTabSz="685800">
@@ -7362,13 +7984,25 @@
               <a:buNone/>
             </a:pPr>
             <a:r>
-              <a:rPr lang="en-US" sz="1400" dirty="0">
+              <a:rPr lang="en-US" sz="2000" b="1" dirty="0">
+                <a:solidFill>
+                  <a:srgbClr val="000033">
+                    <a:lumMod val="50000"/>
+                    <a:lumOff val="50000"/>
+                  </a:srgbClr>
+                </a:solidFill>
+                <a:latin typeface="Consolas" panose="020B0609020204030204" pitchFamily="49" charset="0"/>
+              </a:rPr>
+              <a:t>private void</a:t>
+            </a:r>
+            <a:r>
+              <a:rPr lang="en-US" sz="2000" dirty="0">
                 <a:solidFill>
                   <a:srgbClr val="000000"/>
                 </a:solidFill>
                 <a:latin typeface="Consolas" panose="020B0609020204030204" pitchFamily="49" charset="0"/>
               </a:rPr>
-              <a:t>{</a:t>
+              <a:t> DoSomething()</a:t>
             </a:r>
           </a:p>
           <a:p>
@@ -7386,52 +8020,13 @@
               <a:buNone/>
             </a:pPr>
             <a:r>
-              <a:rPr lang="en-US" sz="1400" dirty="0">
+              <a:rPr lang="en-US" sz="2000" dirty="0">
                 <a:solidFill>
                   <a:srgbClr val="000000"/>
                 </a:solidFill>
                 <a:latin typeface="Consolas" panose="020B0609020204030204" pitchFamily="49" charset="0"/>
               </a:rPr>
-              <a:t>    </a:t>
-            </a:r>
-            <a:r>
-              <a:rPr lang="en-US" sz="1400" b="1" dirty="0">
-                <a:solidFill>
-                  <a:srgbClr val="000033">
-                    <a:lumMod val="50000"/>
-                    <a:lumOff val="50000"/>
-                  </a:srgbClr>
-                </a:solidFill>
-                <a:latin typeface="Consolas" panose="020B0609020204030204" pitchFamily="49" charset="0"/>
-              </a:rPr>
-              <a:t>var</a:t>
-            </a:r>
-            <a:r>
-              <a:rPr lang="en-US" sz="1400" dirty="0">
-                <a:solidFill>
-                  <a:srgbClr val="000000"/>
-                </a:solidFill>
-                <a:latin typeface="Consolas" panose="020B0609020204030204" pitchFamily="49" charset="0"/>
-              </a:rPr>
-              <a:t> temp = </a:t>
-            </a:r>
-            <a:r>
-              <a:rPr lang="en-US" sz="1400" b="1" i="1" dirty="0" err="1">
-                <a:solidFill>
-                  <a:srgbClr val="000000"/>
-                </a:solidFill>
-                <a:latin typeface="Consolas" panose="020B0609020204030204" pitchFamily="49" charset="0"/>
-              </a:rPr>
-              <a:t>DoSomethingBad</a:t>
-            </a:r>
-            <a:r>
-              <a:rPr lang="en-US" sz="1400" b="1" i="1" dirty="0">
-                <a:solidFill>
-                  <a:srgbClr val="000000"/>
-                </a:solidFill>
-                <a:latin typeface="Consolas" panose="020B0609020204030204" pitchFamily="49" charset="0"/>
-              </a:rPr>
-              <a:t>();</a:t>
+              <a:t>{</a:t>
             </a:r>
           </a:p>
           <a:p>
@@ -7449,13 +8044,43 @@
               <a:buNone/>
             </a:pPr>
             <a:r>
-              <a:rPr lang="en-US" sz="1400" dirty="0">
+              <a:rPr lang="en-US" sz="2000" dirty="0">
                 <a:solidFill>
                   <a:srgbClr val="000000"/>
                 </a:solidFill>
                 <a:latin typeface="Consolas" panose="020B0609020204030204" pitchFamily="49" charset="0"/>
               </a:rPr>
-              <a:t>    ...</a:t>
+              <a:t>    </a:t>
+            </a:r>
+            <a:r>
+              <a:rPr lang="en-US" sz="2000" b="1" dirty="0">
+                <a:solidFill>
+                  <a:srgbClr val="000033">
+                    <a:lumMod val="50000"/>
+                    <a:lumOff val="50000"/>
+                  </a:srgbClr>
+                </a:solidFill>
+                <a:latin typeface="Consolas" panose="020B0609020204030204" pitchFamily="49" charset="0"/>
+              </a:rPr>
+              <a:t>var</a:t>
+            </a:r>
+            <a:r>
+              <a:rPr lang="en-US" sz="2000" dirty="0">
+                <a:solidFill>
+                  <a:srgbClr val="000000"/>
+                </a:solidFill>
+                <a:latin typeface="Consolas" panose="020B0609020204030204" pitchFamily="49" charset="0"/>
+              </a:rPr>
+              <a:t> temp = </a:t>
+            </a:r>
+            <a:r>
+              <a:rPr lang="en-US" sz="2000" b="1" i="1" dirty="0">
+                <a:solidFill>
+                  <a:srgbClr val="000000"/>
+                </a:solidFill>
+                <a:latin typeface="Consolas" panose="020B0609020204030204" pitchFamily="49" charset="0"/>
+              </a:rPr>
+              <a:t>DoSomethingBad();</a:t>
             </a:r>
           </a:p>
           <a:p>
@@ -7473,7 +8098,31 @@
               <a:buNone/>
             </a:pPr>
             <a:r>
-              <a:rPr lang="en-US" sz="1400" dirty="0">
+              <a:rPr lang="en-US" sz="2000" dirty="0">
+                <a:solidFill>
+                  <a:srgbClr val="000000"/>
+                </a:solidFill>
+                <a:latin typeface="Consolas" panose="020B0609020204030204" pitchFamily="49" charset="0"/>
+              </a:rPr>
+              <a:t>    ...</a:t>
+            </a:r>
+          </a:p>
+          <a:p>
+            <a:pPr marL="0" lvl="0" indent="0" defTabSz="685800">
+              <a:lnSpc>
+                <a:spcPct val="100000"/>
+              </a:lnSpc>
+              <a:spcBef>
+                <a:spcPts val="200"/>
+              </a:spcBef>
+              <a:spcAft>
+                <a:spcPts val="200"/>
+              </a:spcAft>
+              <a:buSzPct val="90000"/>
+              <a:buNone/>
+            </a:pPr>
+            <a:r>
+              <a:rPr lang="en-US" sz="2000" dirty="0">
                 <a:solidFill>
                   <a:srgbClr val="000000"/>
                 </a:solidFill>
@@ -7500,8 +8149,8 @@
         </p:nvCxnSpPr>
         <p:spPr>
           <a:xfrm>
-            <a:off x="1315537" y="2667906"/>
-            <a:ext cx="1355092" cy="0"/>
+            <a:off x="1475194" y="2936420"/>
+            <a:ext cx="1971949" cy="0"/>
           </a:xfrm>
           <a:prstGeom prst="line">
             <a:avLst/>
@@ -7540,7 +8189,7 @@
 </p:sld>
 </file>
 
-<file path=ppt/slides/slide34.xml><?xml version="1.0" encoding="utf-8"?>
+<file path=ppt/slides/slide4.xml><?xml version="1.0" encoding="utf-8"?>
 <p:sld xmlns:a="http://schemas.openxmlformats.org/drawingml/2006/main" xmlns:r="http://schemas.openxmlformats.org/officeDocument/2006/relationships" xmlns:p="http://schemas.openxmlformats.org/presentationml/2006/main">
   <p:cSld>
     <p:spTree>
@@ -7562,7 +8211,7 @@
           <p:cNvPr id="2" name="Title 1">
             <a:extLst>
               <a:ext uri="{FF2B5EF4-FFF2-40B4-BE49-F238E27FC236}">
-                <a16:creationId xmlns:a16="http://schemas.microsoft.com/office/drawing/2014/main" id="{3AA3F5E7-9F92-43F9-A8C6-13328F165CE6}"/>
+                <a16:creationId xmlns:a16="http://schemas.microsoft.com/office/drawing/2014/main" id="{A72D9AF2-672A-46F1-B789-7FF2B1B6D8AF}"/>
               </a:ext>
             </a:extLst>
           </p:cNvPr>
@@ -7580,51 +8229,51 @@
           <a:p>
             <a:r>
               <a:rPr lang="ru-RU" dirty="0"/>
-              <a:t>Рекурсивный анализ кода</a:t>
+              <a:t>Чем раньше, тем лучше</a:t>
             </a:r>
             <a:endParaRPr lang="en-US" dirty="0"/>
           </a:p>
         </p:txBody>
       </p:sp>
-      <p:sp>
-        <p:nvSpPr>
-          <p:cNvPr id="3" name="Content Placeholder 2">
-            <a:extLst>
-              <a:ext uri="{FF2B5EF4-FFF2-40B4-BE49-F238E27FC236}">
-                <a16:creationId xmlns:a16="http://schemas.microsoft.com/office/drawing/2014/main" id="{0CB609AB-B545-400D-8F92-7A847DBEE0D9}"/>
-              </a:ext>
-            </a:extLst>
-          </p:cNvPr>
-          <p:cNvSpPr>
-            <a:spLocks noGrp="1"/>
-          </p:cNvSpPr>
+      <p:pic>
+        <p:nvPicPr>
+          <p:cNvPr id="5" name="Content Placeholder 4" descr="A close up of text on a white background&#10;&#10;Description automatically generated">
+            <a:extLst>
+              <a:ext uri="{FF2B5EF4-FFF2-40B4-BE49-F238E27FC236}">
+                <a16:creationId xmlns:a16="http://schemas.microsoft.com/office/drawing/2014/main" id="{7309D91D-EB12-4745-80B9-CCF94360FA9E}"/>
+              </a:ext>
+            </a:extLst>
+          </p:cNvPr>
+          <p:cNvPicPr>
+            <a:picLocks noGrp="1" noChangeAspect="1"/>
+          </p:cNvPicPr>
           <p:nvPr>
             <p:ph idx="1"/>
           </p:nvPr>
-        </p:nvSpPr>
-        <p:spPr/>
-        <p:txBody>
-          <a:bodyPr/>
-          <a:lstStyle/>
-          <a:p>
-            <a:r>
-              <a:rPr lang="ru-RU" dirty="0"/>
-              <a:t>Недоступен «из коробки», требует самостоятельной реализации</a:t>
-            </a:r>
-          </a:p>
-          <a:p>
-            <a:r>
-              <a:rPr lang="ru-RU" dirty="0"/>
-              <a:t>Сильно ухудшает производительность</a:t>
-            </a:r>
-            <a:endParaRPr lang="en-US" dirty="0"/>
-          </a:p>
-        </p:txBody>
-      </p:sp>
+        </p:nvPicPr>
+        <p:blipFill>
+          <a:blip r:embed="rId2">
+            <a:extLst>
+              <a:ext uri="{28A0092B-C50C-407E-A947-70E740481C1C}">
+                <a14:useLocalDpi xmlns:a14="http://schemas.microsoft.com/office/drawing/2010/main" val="0"/>
+              </a:ext>
+            </a:extLst>
+          </a:blip>
+          <a:stretch>
+            <a:fillRect/>
+          </a:stretch>
+        </p:blipFill>
+        <p:spPr>
+          <a:xfrm>
+            <a:off x="838199" y="1690687"/>
+            <a:ext cx="6587613" cy="4931299"/>
+          </a:xfrm>
+        </p:spPr>
+      </p:pic>
     </p:spTree>
     <p:extLst>
       <p:ext uri="{BB962C8B-B14F-4D97-AF65-F5344CB8AC3E}">
-        <p14:creationId xmlns:p14="http://schemas.microsoft.com/office/powerpoint/2010/main" val="3200689769"/>
+        <p14:creationId xmlns:p14="http://schemas.microsoft.com/office/powerpoint/2010/main" val="3778002687"/>
       </p:ext>
     </p:extLst>
   </p:cSld>
@@ -7634,7 +8283,7 @@
 </p:sld>
 </file>
 
-<file path=ppt/slides/slide35.xml><?xml version="1.0" encoding="utf-8"?>
+<file path=ppt/slides/slide40.xml><?xml version="1.0" encoding="utf-8"?>
 <p:sld xmlns:a="http://schemas.openxmlformats.org/drawingml/2006/main" xmlns:r="http://schemas.openxmlformats.org/officeDocument/2006/relationships" xmlns:p="http://schemas.openxmlformats.org/presentationml/2006/main">
   <p:cSld>
     <p:spTree>
@@ -7656,7 +8305,7 @@
           <p:cNvPr id="2" name="Title 1">
             <a:extLst>
               <a:ext uri="{FF2B5EF4-FFF2-40B4-BE49-F238E27FC236}">
-                <a16:creationId xmlns:a16="http://schemas.microsoft.com/office/drawing/2014/main" id="{55677633-EAA9-4315-BF90-02EF4B93D978}"/>
+                <a16:creationId xmlns:a16="http://schemas.microsoft.com/office/drawing/2014/main" id="{3AA3F5E7-9F92-43F9-A8C6-13328F165CE6}"/>
               </a:ext>
             </a:extLst>
           </p:cNvPr>
@@ -7674,12 +8323,9 @@
           <a:p>
             <a:r>
               <a:rPr lang="ru-RU" dirty="0"/>
-              <a:t>Интеграция с </a:t>
-            </a:r>
-            <a:r>
-              <a:rPr lang="en-US" dirty="0"/>
-              <a:t>CI/CD</a:t>
-            </a:r>
+              <a:t>Рекурсивный анализ кода</a:t>
+            </a:r>
+            <a:endParaRPr lang="en-US" dirty="0"/>
           </a:p>
         </p:txBody>
       </p:sp>
@@ -7688,7 +8334,7 @@
           <p:cNvPr id="3" name="Content Placeholder 2">
             <a:extLst>
               <a:ext uri="{FF2B5EF4-FFF2-40B4-BE49-F238E27FC236}">
-                <a16:creationId xmlns:a16="http://schemas.microsoft.com/office/drawing/2014/main" id="{174782A9-B83B-4D57-91D1-CB2EDA0731BA}"/>
+                <a16:creationId xmlns:a16="http://schemas.microsoft.com/office/drawing/2014/main" id="{0CB609AB-B545-400D-8F92-7A847DBEE0D9}"/>
               </a:ext>
             </a:extLst>
           </p:cNvPr>
@@ -7705,30 +8351,20 @@
           <a:lstStyle/>
           <a:p>
             <a:r>
-              <a:rPr lang="en-US" dirty="0" err="1"/>
-              <a:t>xUnit</a:t>
-            </a:r>
-            <a:r>
-              <a:rPr lang="en-US" dirty="0"/>
-              <a:t>-</a:t>
-            </a:r>
-            <a:r>
-              <a:rPr lang="ru-RU" dirty="0"/>
-              <a:t>тест, запускающий все анализаторы на кодовой базе</a:t>
-            </a:r>
-          </a:p>
-          <a:p>
-            <a:r>
-              <a:rPr lang="en-US" dirty="0" err="1"/>
-              <a:t>TheoryAttribute</a:t>
-            </a:r>
-            <a:r>
-              <a:rPr lang="en-US" dirty="0"/>
-              <a:t> </a:t>
-            </a:r>
-            <a:r>
-              <a:rPr lang="ru-RU" dirty="0"/>
-              <a:t>со списком анализаторов / проектов</a:t>
+              <a:rPr lang="ru-RU" dirty="0"/>
+              <a:t>Недоступен «из коробки», требует самостоятельной реализации</a:t>
+            </a:r>
+          </a:p>
+          <a:p>
+            <a:r>
+              <a:rPr lang="ru-RU" dirty="0"/>
+              <a:t>Сильно ухудшает производительность</a:t>
+            </a:r>
+          </a:p>
+          <a:p>
+            <a:r>
+              <a:rPr lang="ru-RU" dirty="0"/>
+              <a:t>Требуется репортить диагностику на той ноде, с которой начался анализ</a:t>
             </a:r>
           </a:p>
         </p:txBody>
@@ -7736,7 +8372,7 @@
     </p:spTree>
     <p:extLst>
       <p:ext uri="{BB962C8B-B14F-4D97-AF65-F5344CB8AC3E}">
-        <p14:creationId xmlns:p14="http://schemas.microsoft.com/office/powerpoint/2010/main" val="1824495443"/>
+        <p14:creationId xmlns:p14="http://schemas.microsoft.com/office/powerpoint/2010/main" val="3200689769"/>
       </p:ext>
     </p:extLst>
   </p:cSld>
@@ -7746,7 +8382,7 @@
 </p:sld>
 </file>
 
-<file path=ppt/slides/slide36.xml><?xml version="1.0" encoding="utf-8"?>
+<file path=ppt/slides/slide41.xml><?xml version="1.0" encoding="utf-8"?>
 <p:sld xmlns:a="http://schemas.openxmlformats.org/drawingml/2006/main" xmlns:r="http://schemas.openxmlformats.org/officeDocument/2006/relationships" xmlns:p="http://schemas.openxmlformats.org/presentationml/2006/main">
   <p:cSld>
     <p:spTree>
@@ -7768,6 +8404,757 @@
           <p:cNvPr id="2" name="Title 1">
             <a:extLst>
               <a:ext uri="{FF2B5EF4-FFF2-40B4-BE49-F238E27FC236}">
+                <a16:creationId xmlns:a16="http://schemas.microsoft.com/office/drawing/2014/main" id="{D9A79517-CBA8-4E3A-834D-B4D78770DDD8}"/>
+              </a:ext>
+            </a:extLst>
+          </p:cNvPr>
+          <p:cNvSpPr>
+            <a:spLocks noGrp="1"/>
+          </p:cNvSpPr>
+          <p:nvPr>
+            <p:ph type="title"/>
+          </p:nvPr>
+        </p:nvSpPr>
+        <p:spPr/>
+        <p:txBody>
+          <a:bodyPr/>
+          <a:lstStyle/>
+          <a:p>
+            <a:r>
+              <a:rPr lang="ru-RU" dirty="0"/>
+              <a:t>Как это работает</a:t>
+            </a:r>
+            <a:endParaRPr lang="en-US" dirty="0"/>
+          </a:p>
+        </p:txBody>
+      </p:sp>
+      <p:sp>
+        <p:nvSpPr>
+          <p:cNvPr id="3" name="Content Placeholder 2">
+            <a:extLst>
+              <a:ext uri="{FF2B5EF4-FFF2-40B4-BE49-F238E27FC236}">
+                <a16:creationId xmlns:a16="http://schemas.microsoft.com/office/drawing/2014/main" id="{C09D4ACE-622C-4DC1-BDF0-9746E206CDBB}"/>
+              </a:ext>
+            </a:extLst>
+          </p:cNvPr>
+          <p:cNvSpPr>
+            <a:spLocks noGrp="1"/>
+          </p:cNvSpPr>
+          <p:nvPr>
+            <p:ph idx="1"/>
+          </p:nvPr>
+        </p:nvSpPr>
+        <p:spPr/>
+        <p:txBody>
+          <a:bodyPr/>
+          <a:lstStyle/>
+          <a:p>
+            <a:r>
+              <a:rPr lang="en-US" dirty="0"/>
+              <a:t>Visitor </a:t>
+            </a:r>
+            <a:r>
+              <a:rPr lang="ru-RU" dirty="0"/>
+              <a:t>для синтаксического дерева на основе </a:t>
+            </a:r>
+            <a:r>
+              <a:rPr lang="en-US" dirty="0" err="1"/>
+              <a:t>CSharpSyntaxWalker</a:t>
+            </a:r>
+            <a:endParaRPr lang="en-US" dirty="0"/>
+          </a:p>
+          <a:p>
+            <a:r>
+              <a:rPr lang="ru-RU" dirty="0"/>
+              <a:t>«Заходит» внутрь любых вызовов методов и обращений к свойствам</a:t>
+            </a:r>
+          </a:p>
+          <a:p>
+            <a:r>
+              <a:rPr lang="ru-RU" dirty="0"/>
+              <a:t>Хранит стек посещённых синтаксических нод</a:t>
+            </a:r>
+          </a:p>
+          <a:p>
+            <a:r>
+              <a:rPr lang="ru-RU" dirty="0"/>
+              <a:t>Репортит диагностику не на текущую анализируемую ноду, а на оригинальную, с которой начался анализ </a:t>
+            </a:r>
+            <a:endParaRPr lang="en-US" dirty="0"/>
+          </a:p>
+        </p:txBody>
+      </p:sp>
+    </p:spTree>
+    <p:extLst>
+      <p:ext uri="{BB962C8B-B14F-4D97-AF65-F5344CB8AC3E}">
+        <p14:creationId xmlns:p14="http://schemas.microsoft.com/office/powerpoint/2010/main" val="258304107"/>
+      </p:ext>
+    </p:extLst>
+  </p:cSld>
+  <p:clrMapOvr>
+    <a:masterClrMapping/>
+  </p:clrMapOvr>
+</p:sld>
+</file>
+
+<file path=ppt/slides/slide42.xml><?xml version="1.0" encoding="utf-8"?>
+<p:sld xmlns:a="http://schemas.openxmlformats.org/drawingml/2006/main" xmlns:r="http://schemas.openxmlformats.org/officeDocument/2006/relationships" xmlns:p="http://schemas.openxmlformats.org/presentationml/2006/main">
+  <p:cSld>
+    <p:spTree>
+      <p:nvGrpSpPr>
+        <p:cNvPr id="1" name=""/>
+        <p:cNvGrpSpPr/>
+        <p:nvPr/>
+      </p:nvGrpSpPr>
+      <p:grpSpPr>
+        <a:xfrm>
+          <a:off x="0" y="0"/>
+          <a:ext cx="0" cy="0"/>
+          <a:chOff x="0" y="0"/>
+          <a:chExt cx="0" cy="0"/>
+        </a:xfrm>
+      </p:grpSpPr>
+      <p:sp>
+        <p:nvSpPr>
+          <p:cNvPr id="2" name="Title 1">
+            <a:extLst>
+              <a:ext uri="{FF2B5EF4-FFF2-40B4-BE49-F238E27FC236}">
+                <a16:creationId xmlns:a16="http://schemas.microsoft.com/office/drawing/2014/main" id="{BC977ACE-1E58-4994-9157-400AB3321252}"/>
+              </a:ext>
+            </a:extLst>
+          </p:cNvPr>
+          <p:cNvSpPr>
+            <a:spLocks noGrp="1"/>
+          </p:cNvSpPr>
+          <p:nvPr>
+            <p:ph type="title"/>
+          </p:nvPr>
+        </p:nvSpPr>
+        <p:spPr/>
+        <p:txBody>
+          <a:bodyPr/>
+          <a:lstStyle/>
+          <a:p>
+            <a:r>
+              <a:rPr lang="ru-RU" dirty="0"/>
+              <a:t>Как тестировать </a:t>
+            </a:r>
+            <a:r>
+              <a:rPr lang="en-US" dirty="0"/>
+              <a:t>analyzers</a:t>
+            </a:r>
+            <a:r>
+              <a:rPr lang="ru-RU" dirty="0"/>
+              <a:t> и </a:t>
+            </a:r>
+            <a:r>
+              <a:rPr lang="en-US" dirty="0"/>
+              <a:t>code fixes</a:t>
+            </a:r>
+          </a:p>
+        </p:txBody>
+      </p:sp>
+      <p:sp>
+        <p:nvSpPr>
+          <p:cNvPr id="3" name="Content Placeholder 2">
+            <a:extLst>
+              <a:ext uri="{FF2B5EF4-FFF2-40B4-BE49-F238E27FC236}">
+                <a16:creationId xmlns:a16="http://schemas.microsoft.com/office/drawing/2014/main" id="{61FDDD97-186F-462C-AD9F-FB309CC6C938}"/>
+              </a:ext>
+            </a:extLst>
+          </p:cNvPr>
+          <p:cNvSpPr>
+            <a:spLocks noGrp="1"/>
+          </p:cNvSpPr>
+          <p:nvPr>
+            <p:ph idx="1"/>
+          </p:nvPr>
+        </p:nvSpPr>
+        <p:spPr/>
+        <p:txBody>
+          <a:bodyPr/>
+          <a:lstStyle/>
+          <a:p>
+            <a:r>
+              <a:rPr lang="en-US" dirty="0"/>
+              <a:t>Test-Driven Development</a:t>
+            </a:r>
+            <a:endParaRPr lang="ru-RU" dirty="0"/>
+          </a:p>
+          <a:p>
+            <a:r>
+              <a:rPr lang="ru-RU" dirty="0"/>
+              <a:t>Стандартный </a:t>
+            </a:r>
+            <a:r>
+              <a:rPr lang="en-US" dirty="0"/>
+              <a:t>project</a:t>
+            </a:r>
+            <a:r>
+              <a:rPr lang="ru-RU" dirty="0"/>
+              <a:t> </a:t>
+            </a:r>
+            <a:r>
+              <a:rPr lang="en-US" dirty="0"/>
+              <a:t>template </a:t>
+            </a:r>
+            <a:r>
+              <a:rPr lang="ru-RU" dirty="0"/>
+              <a:t>использует </a:t>
+            </a:r>
+            <a:r>
+              <a:rPr lang="en-US" dirty="0" err="1"/>
+              <a:t>MSTest</a:t>
+            </a:r>
+            <a:endParaRPr lang="ru-RU" dirty="0"/>
+          </a:p>
+          <a:p>
+            <a:r>
+              <a:rPr lang="en-US" dirty="0" err="1"/>
+              <a:t>xUnit</a:t>
+            </a:r>
+            <a:r>
+              <a:rPr lang="en-US" dirty="0"/>
+              <a:t>-based </a:t>
+            </a:r>
+            <a:r>
+              <a:rPr lang="ru-RU" dirty="0"/>
+              <a:t>версия тестового фреймворка доступна в </a:t>
+            </a:r>
+            <a:r>
+              <a:rPr lang="en-US" dirty="0"/>
+              <a:t>open source</a:t>
+            </a:r>
+          </a:p>
+          <a:p>
+            <a:r>
+              <a:rPr lang="ru-RU" dirty="0"/>
+              <a:t>Тестовый фреймворк:</a:t>
+            </a:r>
+          </a:p>
+          <a:p>
+            <a:pPr lvl="1"/>
+            <a:r>
+              <a:rPr lang="ru-RU" dirty="0"/>
+              <a:t>Создаёт новый </a:t>
+            </a:r>
+            <a:r>
+              <a:rPr lang="en-US" dirty="0"/>
+              <a:t>VS solution </a:t>
+            </a:r>
+            <a:r>
+              <a:rPr lang="ru-RU" dirty="0"/>
+              <a:t>и </a:t>
+            </a:r>
+            <a:r>
+              <a:rPr lang="en-US" dirty="0"/>
+              <a:t>project </a:t>
+            </a:r>
+            <a:r>
+              <a:rPr lang="ru-RU" dirty="0"/>
+              <a:t>«на лету»</a:t>
+            </a:r>
+          </a:p>
+          <a:p>
+            <a:pPr lvl="1"/>
+            <a:r>
+              <a:rPr lang="ru-RU" dirty="0"/>
+              <a:t>Добавляет к нему нужные </a:t>
+            </a:r>
+            <a:r>
+              <a:rPr lang="en-US" dirty="0"/>
+              <a:t>references (</a:t>
+            </a:r>
+            <a:r>
+              <a:rPr lang="en-US" dirty="0" err="1"/>
+              <a:t>mscorlib</a:t>
+            </a:r>
+            <a:r>
+              <a:rPr lang="en-US" dirty="0"/>
+              <a:t>, etc.)</a:t>
+            </a:r>
+          </a:p>
+          <a:p>
+            <a:pPr lvl="1"/>
+            <a:r>
+              <a:rPr lang="ru-RU" dirty="0"/>
+              <a:t>Применяет анализатор и собирает полученные диагностики</a:t>
+            </a:r>
+          </a:p>
+          <a:p>
+            <a:pPr lvl="1"/>
+            <a:r>
+              <a:rPr lang="ru-RU" dirty="0"/>
+              <a:t>Применяет к каждой диагностике </a:t>
+            </a:r>
+            <a:r>
+              <a:rPr lang="en-US" dirty="0"/>
+              <a:t>code fix </a:t>
+            </a:r>
+            <a:r>
+              <a:rPr lang="ru-RU" dirty="0"/>
+              <a:t>и проверяет его</a:t>
+            </a:r>
+          </a:p>
+          <a:p>
+            <a:r>
+              <a:rPr lang="ru-RU" dirty="0"/>
+              <a:t>Большое количество как позитивных, так и негативных тестов</a:t>
+            </a:r>
+          </a:p>
+        </p:txBody>
+      </p:sp>
+    </p:spTree>
+    <p:extLst>
+      <p:ext uri="{BB962C8B-B14F-4D97-AF65-F5344CB8AC3E}">
+        <p14:creationId xmlns:p14="http://schemas.microsoft.com/office/powerpoint/2010/main" val="1444767230"/>
+      </p:ext>
+    </p:extLst>
+  </p:cSld>
+  <p:clrMapOvr>
+    <a:masterClrMapping/>
+  </p:clrMapOvr>
+</p:sld>
+</file>
+
+<file path=ppt/slides/slide43.xml><?xml version="1.0" encoding="utf-8"?>
+<p:sld xmlns:a="http://schemas.openxmlformats.org/drawingml/2006/main" xmlns:r="http://schemas.openxmlformats.org/officeDocument/2006/relationships" xmlns:p="http://schemas.openxmlformats.org/presentationml/2006/main">
+  <p:cSld>
+    <p:spTree>
+      <p:nvGrpSpPr>
+        <p:cNvPr id="1" name=""/>
+        <p:cNvGrpSpPr/>
+        <p:nvPr/>
+      </p:nvGrpSpPr>
+      <p:grpSpPr>
+        <a:xfrm>
+          <a:off x="0" y="0"/>
+          <a:ext cx="0" cy="0"/>
+          <a:chOff x="0" y="0"/>
+          <a:chExt cx="0" cy="0"/>
+        </a:xfrm>
+      </p:grpSpPr>
+      <p:sp>
+        <p:nvSpPr>
+          <p:cNvPr id="2" name="Title 1">
+            <a:extLst>
+              <a:ext uri="{FF2B5EF4-FFF2-40B4-BE49-F238E27FC236}">
+                <a16:creationId xmlns:a16="http://schemas.microsoft.com/office/drawing/2014/main" id="{BC977ACE-1E58-4994-9157-400AB3321252}"/>
+              </a:ext>
+            </a:extLst>
+          </p:cNvPr>
+          <p:cNvSpPr>
+            <a:spLocks noGrp="1"/>
+          </p:cNvSpPr>
+          <p:nvPr>
+            <p:ph type="title"/>
+          </p:nvPr>
+        </p:nvSpPr>
+        <p:spPr/>
+        <p:txBody>
+          <a:bodyPr/>
+          <a:lstStyle/>
+          <a:p>
+            <a:r>
+              <a:rPr lang="ru-RU" dirty="0"/>
+              <a:t>Как тестировать </a:t>
+            </a:r>
+            <a:r>
+              <a:rPr lang="en-US" dirty="0"/>
+              <a:t>analyzers</a:t>
+            </a:r>
+            <a:r>
+              <a:rPr lang="ru-RU" dirty="0"/>
+              <a:t> и </a:t>
+            </a:r>
+            <a:r>
+              <a:rPr lang="en-US" dirty="0"/>
+              <a:t>code fixes</a:t>
+            </a:r>
+          </a:p>
+        </p:txBody>
+      </p:sp>
+      <p:pic>
+        <p:nvPicPr>
+          <p:cNvPr id="5" name="Content Placeholder 4" descr="A screenshot of a cell phone&#10;&#10;Description automatically generated">
+            <a:extLst>
+              <a:ext uri="{FF2B5EF4-FFF2-40B4-BE49-F238E27FC236}">
+                <a16:creationId xmlns:a16="http://schemas.microsoft.com/office/drawing/2014/main" id="{7BA4059B-49A7-4461-AD41-C95CA2CFC347}"/>
+              </a:ext>
+            </a:extLst>
+          </p:cNvPr>
+          <p:cNvPicPr>
+            <a:picLocks noGrp="1" noChangeAspect="1"/>
+          </p:cNvPicPr>
+          <p:nvPr>
+            <p:ph idx="1"/>
+          </p:nvPr>
+        </p:nvPicPr>
+        <p:blipFill>
+          <a:blip r:embed="rId2">
+            <a:extLst>
+              <a:ext uri="{28A0092B-C50C-407E-A947-70E740481C1C}">
+                <a14:useLocalDpi xmlns:a14="http://schemas.microsoft.com/office/drawing/2010/main" val="0"/>
+              </a:ext>
+            </a:extLst>
+          </a:blip>
+          <a:stretch>
+            <a:fillRect/>
+          </a:stretch>
+        </p:blipFill>
+        <p:spPr>
+          <a:xfrm>
+            <a:off x="838200" y="1540566"/>
+            <a:ext cx="10738026" cy="3101008"/>
+          </a:xfrm>
+        </p:spPr>
+      </p:pic>
+    </p:spTree>
+    <p:extLst>
+      <p:ext uri="{BB962C8B-B14F-4D97-AF65-F5344CB8AC3E}">
+        <p14:creationId xmlns:p14="http://schemas.microsoft.com/office/powerpoint/2010/main" val="701315772"/>
+      </p:ext>
+    </p:extLst>
+  </p:cSld>
+  <p:clrMapOvr>
+    <a:masterClrMapping/>
+  </p:clrMapOvr>
+</p:sld>
+</file>
+
+<file path=ppt/slides/slide44.xml><?xml version="1.0" encoding="utf-8"?>
+<p:sld xmlns:a="http://schemas.openxmlformats.org/drawingml/2006/main" xmlns:r="http://schemas.openxmlformats.org/officeDocument/2006/relationships" xmlns:p="http://schemas.openxmlformats.org/presentationml/2006/main">
+  <p:cSld>
+    <p:spTree>
+      <p:nvGrpSpPr>
+        <p:cNvPr id="1" name=""/>
+        <p:cNvGrpSpPr/>
+        <p:nvPr/>
+      </p:nvGrpSpPr>
+      <p:grpSpPr>
+        <a:xfrm>
+          <a:off x="0" y="0"/>
+          <a:ext cx="0" cy="0"/>
+          <a:chOff x="0" y="0"/>
+          <a:chExt cx="0" cy="0"/>
+        </a:xfrm>
+      </p:grpSpPr>
+      <p:sp>
+        <p:nvSpPr>
+          <p:cNvPr id="2" name="Title 1">
+            <a:extLst>
+              <a:ext uri="{FF2B5EF4-FFF2-40B4-BE49-F238E27FC236}">
+                <a16:creationId xmlns:a16="http://schemas.microsoft.com/office/drawing/2014/main" id="{8496C0DF-A6B4-48BE-9073-561B3FE6923C}"/>
+              </a:ext>
+            </a:extLst>
+          </p:cNvPr>
+          <p:cNvSpPr>
+            <a:spLocks noGrp="1"/>
+          </p:cNvSpPr>
+          <p:nvPr>
+            <p:ph type="title"/>
+          </p:nvPr>
+        </p:nvSpPr>
+        <p:spPr/>
+        <p:txBody>
+          <a:bodyPr/>
+          <a:lstStyle/>
+          <a:p>
+            <a:r>
+              <a:rPr lang="ru-RU" dirty="0"/>
+              <a:t>Способы поставки анализаторов</a:t>
+            </a:r>
+            <a:endParaRPr lang="en-US" dirty="0"/>
+          </a:p>
+        </p:txBody>
+      </p:sp>
+      <p:sp>
+        <p:nvSpPr>
+          <p:cNvPr id="3" name="Content Placeholder 2">
+            <a:extLst>
+              <a:ext uri="{FF2B5EF4-FFF2-40B4-BE49-F238E27FC236}">
+                <a16:creationId xmlns:a16="http://schemas.microsoft.com/office/drawing/2014/main" id="{5FB6D868-01BD-4878-AF9E-0DB8FFF9833D}"/>
+              </a:ext>
+            </a:extLst>
+          </p:cNvPr>
+          <p:cNvSpPr>
+            <a:spLocks noGrp="1"/>
+          </p:cNvSpPr>
+          <p:nvPr>
+            <p:ph idx="1"/>
+          </p:nvPr>
+        </p:nvSpPr>
+        <p:spPr/>
+        <p:txBody>
+          <a:bodyPr/>
+          <a:lstStyle/>
+          <a:p>
+            <a:r>
+              <a:rPr lang="en-US" dirty="0"/>
+              <a:t>VSIX (Visual Studio Extension)</a:t>
+            </a:r>
+            <a:endParaRPr lang="ru-RU" dirty="0"/>
+          </a:p>
+          <a:p>
+            <a:r>
+              <a:rPr lang="en-US" dirty="0"/>
+              <a:t>NuGet package</a:t>
+            </a:r>
+            <a:endParaRPr lang="ru-RU" dirty="0"/>
+          </a:p>
+          <a:p>
+            <a:endParaRPr lang="en-US" dirty="0"/>
+          </a:p>
+        </p:txBody>
+      </p:sp>
+    </p:spTree>
+    <p:extLst>
+      <p:ext uri="{BB962C8B-B14F-4D97-AF65-F5344CB8AC3E}">
+        <p14:creationId xmlns:p14="http://schemas.microsoft.com/office/powerpoint/2010/main" val="1356067302"/>
+      </p:ext>
+    </p:extLst>
+  </p:cSld>
+  <p:clrMapOvr>
+    <a:masterClrMapping/>
+  </p:clrMapOvr>
+</p:sld>
+</file>
+
+<file path=ppt/slides/slide45.xml><?xml version="1.0" encoding="utf-8"?>
+<p:sld xmlns:a="http://schemas.openxmlformats.org/drawingml/2006/main" xmlns:r="http://schemas.openxmlformats.org/officeDocument/2006/relationships" xmlns:p="http://schemas.openxmlformats.org/presentationml/2006/main">
+  <p:cSld>
+    <p:spTree>
+      <p:nvGrpSpPr>
+        <p:cNvPr id="1" name=""/>
+        <p:cNvGrpSpPr/>
+        <p:nvPr/>
+      </p:nvGrpSpPr>
+      <p:grpSpPr>
+        <a:xfrm>
+          <a:off x="0" y="0"/>
+          <a:ext cx="0" cy="0"/>
+          <a:chOff x="0" y="0"/>
+          <a:chExt cx="0" cy="0"/>
+        </a:xfrm>
+      </p:grpSpPr>
+      <p:sp>
+        <p:nvSpPr>
+          <p:cNvPr id="2" name="Title 1">
+            <a:extLst>
+              <a:ext uri="{FF2B5EF4-FFF2-40B4-BE49-F238E27FC236}">
+                <a16:creationId xmlns:a16="http://schemas.microsoft.com/office/drawing/2014/main" id="{55677633-EAA9-4315-BF90-02EF4B93D978}"/>
+              </a:ext>
+            </a:extLst>
+          </p:cNvPr>
+          <p:cNvSpPr>
+            <a:spLocks noGrp="1"/>
+          </p:cNvSpPr>
+          <p:nvPr>
+            <p:ph type="title"/>
+          </p:nvPr>
+        </p:nvSpPr>
+        <p:spPr/>
+        <p:txBody>
+          <a:bodyPr/>
+          <a:lstStyle/>
+          <a:p>
+            <a:r>
+              <a:rPr lang="ru-RU" dirty="0"/>
+              <a:t>Интеграция с </a:t>
+            </a:r>
+            <a:r>
+              <a:rPr lang="en-US" dirty="0"/>
+              <a:t>CI/CD</a:t>
+            </a:r>
+          </a:p>
+        </p:txBody>
+      </p:sp>
+      <p:sp>
+        <p:nvSpPr>
+          <p:cNvPr id="3" name="Content Placeholder 2">
+            <a:extLst>
+              <a:ext uri="{FF2B5EF4-FFF2-40B4-BE49-F238E27FC236}">
+                <a16:creationId xmlns:a16="http://schemas.microsoft.com/office/drawing/2014/main" id="{174782A9-B83B-4D57-91D1-CB2EDA0731BA}"/>
+              </a:ext>
+            </a:extLst>
+          </p:cNvPr>
+          <p:cNvSpPr>
+            <a:spLocks noGrp="1"/>
+          </p:cNvSpPr>
+          <p:nvPr>
+            <p:ph idx="1"/>
+          </p:nvPr>
+        </p:nvSpPr>
+        <p:spPr/>
+        <p:txBody>
+          <a:bodyPr/>
+          <a:lstStyle/>
+          <a:p>
+            <a:r>
+              <a:rPr lang="en-US" dirty="0" err="1"/>
+              <a:t>xUnit</a:t>
+            </a:r>
+            <a:r>
+              <a:rPr lang="en-US" dirty="0"/>
+              <a:t>-</a:t>
+            </a:r>
+            <a:r>
+              <a:rPr lang="ru-RU" dirty="0"/>
+              <a:t>тест, запускающий все анализаторы на кодовой базе (</a:t>
+            </a:r>
+            <a:r>
+              <a:rPr lang="en-US" dirty="0" err="1"/>
+              <a:t>TheoryAttribute</a:t>
+            </a:r>
+            <a:r>
+              <a:rPr lang="en-US" dirty="0"/>
+              <a:t> </a:t>
+            </a:r>
+            <a:r>
+              <a:rPr lang="ru-RU" dirty="0"/>
+              <a:t>со списком анализаторов / проектов)</a:t>
+            </a:r>
+          </a:p>
+          <a:p>
+            <a:r>
+              <a:rPr lang="ru-RU" dirty="0"/>
+              <a:t>Консольное приложение</a:t>
+            </a:r>
+          </a:p>
+        </p:txBody>
+      </p:sp>
+    </p:spTree>
+    <p:extLst>
+      <p:ext uri="{BB962C8B-B14F-4D97-AF65-F5344CB8AC3E}">
+        <p14:creationId xmlns:p14="http://schemas.microsoft.com/office/powerpoint/2010/main" val="1824495443"/>
+      </p:ext>
+    </p:extLst>
+  </p:cSld>
+  <p:clrMapOvr>
+    <a:masterClrMapping/>
+  </p:clrMapOvr>
+</p:sld>
+</file>
+
+<file path=ppt/slides/slide46.xml><?xml version="1.0" encoding="utf-8"?>
+<p:sld xmlns:a="http://schemas.openxmlformats.org/drawingml/2006/main" xmlns:r="http://schemas.openxmlformats.org/officeDocument/2006/relationships" xmlns:p="http://schemas.openxmlformats.org/presentationml/2006/main">
+  <p:cSld>
+    <p:spTree>
+      <p:nvGrpSpPr>
+        <p:cNvPr id="1" name=""/>
+        <p:cNvGrpSpPr/>
+        <p:nvPr/>
+      </p:nvGrpSpPr>
+      <p:grpSpPr>
+        <a:xfrm>
+          <a:off x="0" y="0"/>
+          <a:ext cx="0" cy="0"/>
+          <a:chOff x="0" y="0"/>
+          <a:chExt cx="0" cy="0"/>
+        </a:xfrm>
+      </p:grpSpPr>
+      <p:sp>
+        <p:nvSpPr>
+          <p:cNvPr id="2" name="Title 1">
+            <a:extLst>
+              <a:ext uri="{FF2B5EF4-FFF2-40B4-BE49-F238E27FC236}">
+                <a16:creationId xmlns:a16="http://schemas.microsoft.com/office/drawing/2014/main" id="{8560991F-891D-471A-8709-F04F2E0CB146}"/>
+              </a:ext>
+            </a:extLst>
+          </p:cNvPr>
+          <p:cNvSpPr>
+            <a:spLocks noGrp="1"/>
+          </p:cNvSpPr>
+          <p:nvPr>
+            <p:ph type="title"/>
+          </p:nvPr>
+        </p:nvSpPr>
+        <p:spPr/>
+        <p:txBody>
+          <a:bodyPr/>
+          <a:lstStyle/>
+          <a:p>
+            <a:r>
+              <a:rPr lang="ru-RU" dirty="0"/>
+              <a:t>Запуск анализаторов «извне» </a:t>
+            </a:r>
+            <a:r>
+              <a:rPr lang="en-US" dirty="0"/>
+              <a:t>Visual Studio</a:t>
+            </a:r>
+          </a:p>
+        </p:txBody>
+      </p:sp>
+      <p:pic>
+        <p:nvPicPr>
+          <p:cNvPr id="5" name="Content Placeholder 4" descr="A screenshot of a computer screen&#10;&#10;Description automatically generated">
+            <a:extLst>
+              <a:ext uri="{FF2B5EF4-FFF2-40B4-BE49-F238E27FC236}">
+                <a16:creationId xmlns:a16="http://schemas.microsoft.com/office/drawing/2014/main" id="{6B50AD1F-AD42-4EBF-AD7C-D8865ACE5DEC}"/>
+              </a:ext>
+            </a:extLst>
+          </p:cNvPr>
+          <p:cNvPicPr>
+            <a:picLocks noGrp="1" noChangeAspect="1"/>
+          </p:cNvPicPr>
+          <p:nvPr>
+            <p:ph idx="1"/>
+          </p:nvPr>
+        </p:nvPicPr>
+        <p:blipFill>
+          <a:blip r:embed="rId2">
+            <a:extLst>
+              <a:ext uri="{28A0092B-C50C-407E-A947-70E740481C1C}">
+                <a14:useLocalDpi xmlns:a14="http://schemas.microsoft.com/office/drawing/2010/main" val="0"/>
+              </a:ext>
+            </a:extLst>
+          </a:blip>
+          <a:stretch>
+            <a:fillRect/>
+          </a:stretch>
+        </p:blipFill>
+        <p:spPr>
+          <a:xfrm>
+            <a:off x="838200" y="1721856"/>
+            <a:ext cx="10193110" cy="3414288"/>
+          </a:xfrm>
+        </p:spPr>
+      </p:pic>
+    </p:spTree>
+    <p:extLst>
+      <p:ext uri="{BB962C8B-B14F-4D97-AF65-F5344CB8AC3E}">
+        <p14:creationId xmlns:p14="http://schemas.microsoft.com/office/powerpoint/2010/main" val="4279200929"/>
+      </p:ext>
+    </p:extLst>
+  </p:cSld>
+  <p:clrMapOvr>
+    <a:masterClrMapping/>
+  </p:clrMapOvr>
+</p:sld>
+</file>
+
+<file path=ppt/slides/slide47.xml><?xml version="1.0" encoding="utf-8"?>
+<p:sld xmlns:a="http://schemas.openxmlformats.org/drawingml/2006/main" xmlns:r="http://schemas.openxmlformats.org/officeDocument/2006/relationships" xmlns:p="http://schemas.openxmlformats.org/presentationml/2006/main">
+  <p:cSld>
+    <p:spTree>
+      <p:nvGrpSpPr>
+        <p:cNvPr id="1" name=""/>
+        <p:cNvGrpSpPr/>
+        <p:nvPr/>
+      </p:nvGrpSpPr>
+      <p:grpSpPr>
+        <a:xfrm>
+          <a:off x="0" y="0"/>
+          <a:ext cx="0" cy="0"/>
+          <a:chOff x="0" y="0"/>
+          <a:chExt cx="0" cy="0"/>
+        </a:xfrm>
+      </p:grpSpPr>
+      <p:sp>
+        <p:nvSpPr>
+          <p:cNvPr id="2" name="Title 1">
+            <a:extLst>
+              <a:ext uri="{FF2B5EF4-FFF2-40B4-BE49-F238E27FC236}">
                 <a16:creationId xmlns:a16="http://schemas.microsoft.com/office/drawing/2014/main" id="{B979A6FD-18E9-42DA-9EF2-190B7154347D}"/>
               </a:ext>
             </a:extLst>
@@ -7879,7 +9266,7 @@
 </p:sld>
 </file>
 
-<file path=ppt/slides/slide37.xml><?xml version="1.0" encoding="utf-8"?>
+<file path=ppt/slides/slide48.xml><?xml version="1.0" encoding="utf-8"?>
 <p:sld xmlns:a="http://schemas.openxmlformats.org/drawingml/2006/main" xmlns:r="http://schemas.openxmlformats.org/officeDocument/2006/relationships" xmlns:p="http://schemas.openxmlformats.org/presentationml/2006/main">
   <p:cSld>
     <p:spTree>
@@ -8315,7 +9702,7 @@
 </p:sld>
 </file>
 
-<file path=ppt/slides/slide38.xml><?xml version="1.0" encoding="utf-8"?>
+<file path=ppt/slides/slide49.xml><?xml version="1.0" encoding="utf-8"?>
 <p:sld xmlns:a="http://schemas.openxmlformats.org/drawingml/2006/main" xmlns:r="http://schemas.openxmlformats.org/officeDocument/2006/relationships" xmlns:p="http://schemas.openxmlformats.org/presentationml/2006/main">
   <p:cSld>
     <p:spTree>
@@ -8480,7 +9867,7 @@
 </p:sld>
 </file>
 
-<file path=ppt/slides/slide39.xml><?xml version="1.0" encoding="utf-8"?>
+<file path=ppt/slides/slide5.xml><?xml version="1.0" encoding="utf-8"?>
 <p:sld xmlns:a="http://schemas.openxmlformats.org/drawingml/2006/main" xmlns:r="http://schemas.openxmlformats.org/officeDocument/2006/relationships" xmlns:p="http://schemas.openxmlformats.org/presentationml/2006/main">
   <p:cSld>
     <p:spTree>
@@ -8502,7 +9889,7 @@
           <p:cNvPr id="2" name="Title 1">
             <a:extLst>
               <a:ext uri="{FF2B5EF4-FFF2-40B4-BE49-F238E27FC236}">
-                <a16:creationId xmlns:a16="http://schemas.microsoft.com/office/drawing/2014/main" id="{FE75A6D2-A1B5-42F1-9CC5-5A81195D8AFB}"/>
+                <a16:creationId xmlns:a16="http://schemas.microsoft.com/office/drawing/2014/main" id="{E6E3EB1F-698E-43E4-91BC-5C67A7F8771B}"/>
               </a:ext>
             </a:extLst>
           </p:cNvPr>
@@ -8520,103 +9907,73 @@
           <a:p>
             <a:r>
               <a:rPr lang="ru-RU" dirty="0"/>
-              <a:t>Подводные камни: </a:t>
+              <a:t>Статический анализ кода – зачем?</a:t>
+            </a:r>
+            <a:endParaRPr lang="en-US" dirty="0"/>
+          </a:p>
+        </p:txBody>
+      </p:sp>
+      <p:sp>
+        <p:nvSpPr>
+          <p:cNvPr id="3" name="Content Placeholder 2">
+            <a:extLst>
+              <a:ext uri="{FF2B5EF4-FFF2-40B4-BE49-F238E27FC236}">
+                <a16:creationId xmlns:a16="http://schemas.microsoft.com/office/drawing/2014/main" id="{2165929C-9BBF-41B1-9AE8-9EC66A074D51}"/>
+              </a:ext>
+            </a:extLst>
+          </p:cNvPr>
+          <p:cNvSpPr>
+            <a:spLocks noGrp="1"/>
+          </p:cNvSpPr>
+          <p:nvPr>
+            <p:ph idx="1"/>
+          </p:nvPr>
+        </p:nvSpPr>
+        <p:spPr/>
+        <p:txBody>
+          <a:bodyPr/>
+          <a:lstStyle/>
+          <a:p>
+            <a:r>
+              <a:rPr lang="ru-RU" dirty="0"/>
+              <a:t>Чем раньше найден баг — тем дешевле</a:t>
+            </a:r>
+          </a:p>
+          <a:p>
+            <a:r>
+              <a:rPr lang="ru-RU" dirty="0"/>
+              <a:t>Ошибки заметны ещё на этапе написания кода в </a:t>
             </a:r>
             <a:r>
               <a:rPr lang="en-US" dirty="0"/>
-              <a:t>Dependency Injection</a:t>
-            </a:r>
-          </a:p>
-        </p:txBody>
-      </p:sp>
-      <p:sp>
-        <p:nvSpPr>
-          <p:cNvPr id="3" name="Content Placeholder 2">
-            <a:extLst>
-              <a:ext uri="{FF2B5EF4-FFF2-40B4-BE49-F238E27FC236}">
-                <a16:creationId xmlns:a16="http://schemas.microsoft.com/office/drawing/2014/main" id="{1B3F3B1B-82EC-4E78-A6FB-A474EFA4F699}"/>
-              </a:ext>
-            </a:extLst>
-          </p:cNvPr>
-          <p:cNvSpPr>
-            <a:spLocks noGrp="1"/>
-          </p:cNvSpPr>
-          <p:nvPr>
-            <p:ph idx="1"/>
-          </p:nvPr>
-        </p:nvSpPr>
-        <p:spPr/>
-        <p:txBody>
-          <a:bodyPr/>
-          <a:lstStyle/>
-          <a:p>
-            <a:r>
-              <a:rPr lang="ru-RU" dirty="0"/>
-              <a:t>Зачем нам здесь </a:t>
-            </a:r>
-            <a:r>
-              <a:rPr lang="en-US" dirty="0"/>
-              <a:t>Dependency Injection? </a:t>
-            </a:r>
-            <a:r>
-              <a:rPr lang="ru-RU" dirty="0"/>
-              <a:t>Ответ прост: настройки анализатора (динамический уровень </a:t>
-            </a:r>
-            <a:r>
-              <a:rPr lang="en-US" dirty="0"/>
-              <a:t>severity</a:t>
-            </a:r>
-            <a:r>
-              <a:rPr lang="ru-RU" dirty="0"/>
-              <a:t> и т.п.)</a:t>
-            </a:r>
-            <a:endParaRPr lang="en-US" dirty="0"/>
-          </a:p>
-          <a:p>
-            <a:r>
-              <a:rPr lang="ru-RU" dirty="0"/>
-              <a:t>Мы не контролируем создание </a:t>
-            </a:r>
-            <a:r>
-              <a:rPr lang="en-US" dirty="0"/>
-              <a:t>analyzer </a:t>
-            </a:r>
-            <a:r>
-              <a:rPr lang="ru-RU" dirty="0"/>
-              <a:t>и </a:t>
-            </a:r>
-            <a:r>
-              <a:rPr lang="en-US" dirty="0"/>
-              <a:t>code fix</a:t>
-            </a:r>
-            <a:endParaRPr lang="ru-RU" dirty="0"/>
-          </a:p>
-          <a:p>
+              <a:t>IDE</a:t>
+            </a:r>
+          </a:p>
+          <a:p>
+            <a:r>
+              <a:rPr lang="ru-RU" dirty="0"/>
+              <a:t>Распознаются сложные паттерны, незаметные человеку</a:t>
+            </a:r>
+          </a:p>
+          <a:p>
+            <a:r>
+              <a:rPr lang="ru-RU" dirty="0"/>
+              <a:t>Анализируется вся кодовая база (полное покрытие кода)</a:t>
+            </a:r>
+          </a:p>
+          <a:p>
+            <a:r>
+              <a:rPr lang="ru-RU" dirty="0"/>
+              <a:t>У статических анализаторов не «замыливается» глаз (типично для ошибок «</a:t>
+            </a:r>
             <a:r>
               <a:rPr lang="en-US" dirty="0" err="1"/>
-              <a:t>CommonServiceLocator</a:t>
-            </a:r>
-            <a:r>
-              <a:rPr lang="en-US" dirty="0"/>
-              <a:t> + popular DI framework</a:t>
-            </a:r>
-            <a:r>
-              <a:rPr lang="ru-RU" dirty="0"/>
-              <a:t> </a:t>
-            </a:r>
-            <a:r>
-              <a:rPr lang="en-US" dirty="0"/>
-              <a:t>= DLL Hell</a:t>
-            </a:r>
-          </a:p>
-          <a:p>
-            <a:r>
-              <a:rPr lang="en-US" dirty="0"/>
-              <a:t>Custom Service Locator</a:t>
-            </a:r>
-            <a:endParaRPr lang="ru-RU" dirty="0"/>
-          </a:p>
-          <a:p>
+              <a:t>copy&amp;paste</a:t>
+            </a:r>
+            <a:r>
+              <a:rPr lang="ru-RU" dirty="0"/>
+              <a:t>»)</a:t>
+            </a:r>
             <a:endParaRPr lang="en-US" dirty="0"/>
           </a:p>
         </p:txBody>
@@ -8624,7 +9981,7 @@
     </p:spTree>
     <p:extLst>
       <p:ext uri="{BB962C8B-B14F-4D97-AF65-F5344CB8AC3E}">
-        <p14:creationId xmlns:p14="http://schemas.microsoft.com/office/powerpoint/2010/main" val="80546273"/>
+        <p14:creationId xmlns:p14="http://schemas.microsoft.com/office/powerpoint/2010/main" val="4261859556"/>
       </p:ext>
     </p:extLst>
   </p:cSld>
@@ -8634,7 +9991,7 @@
 </p:sld>
 </file>
 
-<file path=ppt/slides/slide4.xml><?xml version="1.0" encoding="utf-8"?>
+<file path=ppt/slides/slide50.xml><?xml version="1.0" encoding="utf-8"?>
 <p:sld xmlns:a="http://schemas.openxmlformats.org/drawingml/2006/main" xmlns:r="http://schemas.openxmlformats.org/officeDocument/2006/relationships" xmlns:p="http://schemas.openxmlformats.org/presentationml/2006/main">
   <p:cSld>
     <p:spTree>
@@ -8656,7 +10013,7 @@
           <p:cNvPr id="2" name="Title 1">
             <a:extLst>
               <a:ext uri="{FF2B5EF4-FFF2-40B4-BE49-F238E27FC236}">
-                <a16:creationId xmlns:a16="http://schemas.microsoft.com/office/drawing/2014/main" id="{284F46F4-3626-4F5A-B528-EA736D6C47E4}"/>
+                <a16:creationId xmlns:a16="http://schemas.microsoft.com/office/drawing/2014/main" id="{FE75A6D2-A1B5-42F1-9CC5-5A81195D8AFB}"/>
               </a:ext>
             </a:extLst>
           </p:cNvPr>
@@ -8674,50 +10031,111 @@
           <a:p>
             <a:r>
               <a:rPr lang="ru-RU" dirty="0"/>
-              <a:t>Каждый разработчик сталкивался с этим…</a:t>
+              <a:t>Подводные камни: </a:t>
+            </a:r>
+            <a:r>
+              <a:rPr lang="en-US" dirty="0"/>
+              <a:t>Dependency Injection</a:t>
+            </a:r>
+          </a:p>
+        </p:txBody>
+      </p:sp>
+      <p:sp>
+        <p:nvSpPr>
+          <p:cNvPr id="3" name="Content Placeholder 2">
+            <a:extLst>
+              <a:ext uri="{FF2B5EF4-FFF2-40B4-BE49-F238E27FC236}">
+                <a16:creationId xmlns:a16="http://schemas.microsoft.com/office/drawing/2014/main" id="{1B3F3B1B-82EC-4E78-A6FB-A474EFA4F699}"/>
+              </a:ext>
+            </a:extLst>
+          </p:cNvPr>
+          <p:cNvSpPr>
+            <a:spLocks noGrp="1"/>
+          </p:cNvSpPr>
+          <p:nvPr>
+            <p:ph idx="1"/>
+          </p:nvPr>
+        </p:nvSpPr>
+        <p:spPr/>
+        <p:txBody>
+          <a:bodyPr/>
+          <a:lstStyle/>
+          <a:p>
+            <a:r>
+              <a:rPr lang="ru-RU" dirty="0"/>
+              <a:t>Зачем нам здесь </a:t>
+            </a:r>
+            <a:r>
+              <a:rPr lang="en-US" dirty="0"/>
+              <a:t>Dependency Injection? </a:t>
+            </a:r>
+            <a:r>
+              <a:rPr lang="ru-RU" dirty="0"/>
+              <a:t>Ответ прост: настройки анализатора (динамический уровень </a:t>
+            </a:r>
+            <a:r>
+              <a:rPr lang="en-US" dirty="0"/>
+              <a:t>severity</a:t>
+            </a:r>
+            <a:r>
+              <a:rPr lang="ru-RU" dirty="0"/>
+              <a:t> и т.п.)</a:t>
             </a:r>
             <a:endParaRPr lang="en-US" dirty="0"/>
           </a:p>
-        </p:txBody>
-      </p:sp>
-      <p:pic>
-        <p:nvPicPr>
-          <p:cNvPr id="5" name="Content Placeholder 4">
-            <a:extLst>
-              <a:ext uri="{FF2B5EF4-FFF2-40B4-BE49-F238E27FC236}">
-                <a16:creationId xmlns:a16="http://schemas.microsoft.com/office/drawing/2014/main" id="{BBFC36D3-3814-42C7-B761-2C637AB436FB}"/>
-              </a:ext>
-            </a:extLst>
-          </p:cNvPr>
-          <p:cNvPicPr>
-            <a:picLocks noGrp="1" noChangeAspect="1"/>
-          </p:cNvPicPr>
-          <p:nvPr>
-            <p:ph idx="1"/>
-          </p:nvPr>
-        </p:nvPicPr>
-        <p:blipFill>
-          <a:blip r:embed="rId2">
-            <a:extLst>
-              <a:ext uri="{28A0092B-C50C-407E-A947-70E740481C1C}">
-                <a14:useLocalDpi xmlns:a14="http://schemas.microsoft.com/office/drawing/2010/main" val="0"/>
-              </a:ext>
-            </a:extLst>
-          </a:blip>
-          <a:srcRect/>
-          <a:stretch/>
-        </p:blipFill>
-        <p:spPr>
-          <a:xfrm>
-            <a:off x="2431837" y="1940664"/>
-            <a:ext cx="7328325" cy="4532421"/>
-          </a:xfrm>
-        </p:spPr>
-      </p:pic>
+          <a:p>
+            <a:r>
+              <a:rPr lang="ru-RU" dirty="0"/>
+              <a:t>Мы не контролируем создание </a:t>
+            </a:r>
+            <a:r>
+              <a:rPr lang="en-US" dirty="0"/>
+              <a:t>analyzer </a:t>
+            </a:r>
+            <a:r>
+              <a:rPr lang="ru-RU" dirty="0"/>
+              <a:t>и </a:t>
+            </a:r>
+            <a:r>
+              <a:rPr lang="en-US" dirty="0"/>
+              <a:t>code fix</a:t>
+            </a:r>
+            <a:endParaRPr lang="ru-RU" dirty="0"/>
+          </a:p>
+          <a:p>
+            <a:r>
+              <a:rPr lang="en-US" dirty="0" err="1"/>
+              <a:t>CommonServiceLocator</a:t>
+            </a:r>
+            <a:r>
+              <a:rPr lang="en-US" dirty="0"/>
+              <a:t> + popular DI framework</a:t>
+            </a:r>
+            <a:r>
+              <a:rPr lang="ru-RU" dirty="0"/>
+              <a:t> </a:t>
+            </a:r>
+            <a:r>
+              <a:rPr lang="en-US" dirty="0"/>
+              <a:t>= DLL Hell</a:t>
+            </a:r>
+          </a:p>
+          <a:p>
+            <a:r>
+              <a:rPr lang="en-US" dirty="0"/>
+              <a:t>Custom Service Locator</a:t>
+            </a:r>
+            <a:endParaRPr lang="ru-RU" dirty="0"/>
+          </a:p>
+          <a:p>
+            <a:endParaRPr lang="en-US" dirty="0"/>
+          </a:p>
+        </p:txBody>
+      </p:sp>
     </p:spTree>
     <p:extLst>
       <p:ext uri="{BB962C8B-B14F-4D97-AF65-F5344CB8AC3E}">
-        <p14:creationId xmlns:p14="http://schemas.microsoft.com/office/powerpoint/2010/main" val="1645897264"/>
+        <p14:creationId xmlns:p14="http://schemas.microsoft.com/office/powerpoint/2010/main" val="80546273"/>
       </p:ext>
     </p:extLst>
   </p:cSld>
@@ -8727,7 +10145,239 @@
 </p:sld>
 </file>
 
-<file path=ppt/slides/slide40.xml><?xml version="1.0" encoding="utf-8"?>
+<file path=ppt/slides/slide51.xml><?xml version="1.0" encoding="utf-8"?>
+<p:sld xmlns:a="http://schemas.openxmlformats.org/drawingml/2006/main" xmlns:r="http://schemas.openxmlformats.org/officeDocument/2006/relationships" xmlns:p="http://schemas.openxmlformats.org/presentationml/2006/main">
+  <p:cSld>
+    <p:spTree>
+      <p:nvGrpSpPr>
+        <p:cNvPr id="1" name=""/>
+        <p:cNvGrpSpPr/>
+        <p:nvPr/>
+      </p:nvGrpSpPr>
+      <p:grpSpPr>
+        <a:xfrm>
+          <a:off x="0" y="0"/>
+          <a:ext cx="0" cy="0"/>
+          <a:chOff x="0" y="0"/>
+          <a:chExt cx="0" cy="0"/>
+        </a:xfrm>
+      </p:grpSpPr>
+      <p:sp>
+        <p:nvSpPr>
+          <p:cNvPr id="2" name="Title 1">
+            <a:extLst>
+              <a:ext uri="{FF2B5EF4-FFF2-40B4-BE49-F238E27FC236}">
+                <a16:creationId xmlns:a16="http://schemas.microsoft.com/office/drawing/2014/main" id="{823512E2-8127-4720-B0BB-D979BE1AD904}"/>
+              </a:ext>
+            </a:extLst>
+          </p:cNvPr>
+          <p:cNvSpPr>
+            <a:spLocks noGrp="1"/>
+          </p:cNvSpPr>
+          <p:nvPr>
+            <p:ph type="title"/>
+          </p:nvPr>
+        </p:nvSpPr>
+        <p:spPr/>
+        <p:txBody>
+          <a:bodyPr/>
+          <a:lstStyle/>
+          <a:p>
+            <a:r>
+              <a:rPr lang="ru-RU" dirty="0"/>
+              <a:t>Что ещё можно делать с помощью </a:t>
+            </a:r>
+            <a:r>
+              <a:rPr lang="en-US" dirty="0"/>
+              <a:t>Roslyn?</a:t>
+            </a:r>
+          </a:p>
+        </p:txBody>
+      </p:sp>
+      <p:sp>
+        <p:nvSpPr>
+          <p:cNvPr id="3" name="Content Placeholder 2">
+            <a:extLst>
+              <a:ext uri="{FF2B5EF4-FFF2-40B4-BE49-F238E27FC236}">
+                <a16:creationId xmlns:a16="http://schemas.microsoft.com/office/drawing/2014/main" id="{251A260A-F254-4F1D-8C42-E9F2D06F5EE3}"/>
+              </a:ext>
+            </a:extLst>
+          </p:cNvPr>
+          <p:cNvSpPr>
+            <a:spLocks noGrp="1"/>
+          </p:cNvSpPr>
+          <p:nvPr>
+            <p:ph idx="1"/>
+          </p:nvPr>
+        </p:nvSpPr>
+        <p:spPr/>
+        <p:txBody>
+          <a:bodyPr/>
+          <a:lstStyle/>
+          <a:p>
+            <a:r>
+              <a:rPr lang="ru-RU" dirty="0"/>
+              <a:t>Рефакторинги</a:t>
+            </a:r>
+          </a:p>
+          <a:p>
+            <a:r>
+              <a:rPr lang="ru-RU" dirty="0"/>
+              <a:t>Массовое изменение кода в случае обновления </a:t>
+            </a:r>
+            <a:r>
+              <a:rPr lang="en-US" dirty="0"/>
+              <a:t>API</a:t>
+            </a:r>
+            <a:endParaRPr lang="ru-RU" dirty="0"/>
+          </a:p>
+          <a:p>
+            <a:r>
+              <a:rPr lang="ru-RU" dirty="0"/>
+              <a:t>Расширения </a:t>
+            </a:r>
+            <a:r>
+              <a:rPr lang="en-US" dirty="0"/>
+              <a:t>IntelliSense</a:t>
+            </a:r>
+            <a:r>
+              <a:rPr lang="ru-RU" dirty="0"/>
+              <a:t> (например, для </a:t>
+            </a:r>
+            <a:r>
+              <a:rPr lang="en-US" dirty="0"/>
+              <a:t>DSL</a:t>
+            </a:r>
+            <a:r>
+              <a:rPr lang="ru-RU" dirty="0"/>
+              <a:t>)</a:t>
+            </a:r>
+            <a:endParaRPr lang="en-US" dirty="0"/>
+          </a:p>
+          <a:p>
+            <a:r>
+              <a:rPr lang="ru-RU" dirty="0"/>
+              <a:t>Подсветка синтаксиса</a:t>
+            </a:r>
+          </a:p>
+          <a:p>
+            <a:r>
+              <a:rPr lang="ru-RU" dirty="0"/>
+              <a:t>Навигация по коду</a:t>
+            </a:r>
+            <a:endParaRPr lang="en-US" dirty="0"/>
+          </a:p>
+        </p:txBody>
+      </p:sp>
+    </p:spTree>
+    <p:extLst>
+      <p:ext uri="{BB962C8B-B14F-4D97-AF65-F5344CB8AC3E}">
+        <p14:creationId xmlns:p14="http://schemas.microsoft.com/office/powerpoint/2010/main" val="2593586819"/>
+      </p:ext>
+    </p:extLst>
+  </p:cSld>
+  <p:clrMapOvr>
+    <a:masterClrMapping/>
+  </p:clrMapOvr>
+</p:sld>
+</file>
+
+<file path=ppt/slides/slide52.xml><?xml version="1.0" encoding="utf-8"?>
+<p:sld xmlns:a="http://schemas.openxmlformats.org/drawingml/2006/main" xmlns:r="http://schemas.openxmlformats.org/officeDocument/2006/relationships" xmlns:p="http://schemas.openxmlformats.org/presentationml/2006/main">
+  <p:cSld>
+    <p:spTree>
+      <p:nvGrpSpPr>
+        <p:cNvPr id="1" name=""/>
+        <p:cNvGrpSpPr/>
+        <p:nvPr/>
+      </p:nvGrpSpPr>
+      <p:grpSpPr>
+        <a:xfrm>
+          <a:off x="0" y="0"/>
+          <a:ext cx="0" cy="0"/>
+          <a:chOff x="0" y="0"/>
+          <a:chExt cx="0" cy="0"/>
+        </a:xfrm>
+      </p:grpSpPr>
+      <p:sp>
+        <p:nvSpPr>
+          <p:cNvPr id="2" name="Title 1">
+            <a:extLst>
+              <a:ext uri="{FF2B5EF4-FFF2-40B4-BE49-F238E27FC236}">
+                <a16:creationId xmlns:a16="http://schemas.microsoft.com/office/drawing/2014/main" id="{0F91ECAA-8311-402F-9DC4-9861CEBC2DCD}"/>
+              </a:ext>
+            </a:extLst>
+          </p:cNvPr>
+          <p:cNvSpPr>
+            <a:spLocks noGrp="1"/>
+          </p:cNvSpPr>
+          <p:nvPr>
+            <p:ph type="title"/>
+          </p:nvPr>
+        </p:nvSpPr>
+        <p:spPr>
+          <a:xfrm>
+            <a:off x="838200" y="365125"/>
+            <a:ext cx="10515600" cy="1325563"/>
+          </a:xfrm>
+        </p:spPr>
+        <p:txBody>
+          <a:bodyPr/>
+          <a:lstStyle/>
+          <a:p>
+            <a:r>
+              <a:rPr lang="ru-RU" dirty="0"/>
+              <a:t>Реализуем свой </a:t>
+            </a:r>
+            <a:r>
+              <a:rPr lang="en-US" dirty="0"/>
+              <a:t>IntelliSense</a:t>
+            </a:r>
+          </a:p>
+        </p:txBody>
+      </p:sp>
+      <p:sp>
+        <p:nvSpPr>
+          <p:cNvPr id="3" name="Content Placeholder 2">
+            <a:extLst>
+              <a:ext uri="{FF2B5EF4-FFF2-40B4-BE49-F238E27FC236}">
+                <a16:creationId xmlns:a16="http://schemas.microsoft.com/office/drawing/2014/main" id="{F7004781-E53E-41C2-85F9-FE340772F4C2}"/>
+              </a:ext>
+            </a:extLst>
+          </p:cNvPr>
+          <p:cNvSpPr>
+            <a:spLocks noGrp="1"/>
+          </p:cNvSpPr>
+          <p:nvPr>
+            <p:ph idx="1"/>
+          </p:nvPr>
+        </p:nvSpPr>
+        <p:spPr/>
+        <p:txBody>
+          <a:bodyPr/>
+          <a:lstStyle/>
+          <a:p>
+            <a:r>
+              <a:rPr lang="en-US" dirty="0"/>
+              <a:t>SQL IntelliSense for Dapper queries</a:t>
+            </a:r>
+          </a:p>
+        </p:txBody>
+      </p:sp>
+    </p:spTree>
+    <p:extLst>
+      <p:ext uri="{BB962C8B-B14F-4D97-AF65-F5344CB8AC3E}">
+        <p14:creationId xmlns:p14="http://schemas.microsoft.com/office/powerpoint/2010/main" val="2286029866"/>
+      </p:ext>
+    </p:extLst>
+  </p:cSld>
+  <p:clrMapOvr>
+    <a:masterClrMapping/>
+  </p:clrMapOvr>
+</p:sld>
+</file>
+
+<file path=ppt/slides/slide53.xml><?xml version="1.0" encoding="utf-8"?>
 <p:sld xmlns:a="http://schemas.openxmlformats.org/drawingml/2006/main" xmlns:r="http://schemas.openxmlformats.org/officeDocument/2006/relationships" xmlns:p="http://schemas.openxmlformats.org/presentationml/2006/main">
   <p:cSld>
     <p:spTree>
@@ -8942,424 +10592,6 @@
 </p:sld>
 </file>
 
-<file path=ppt/slides/slide41.xml><?xml version="1.0" encoding="utf-8"?>
-<p:sld xmlns:a="http://schemas.openxmlformats.org/drawingml/2006/main" xmlns:r="http://schemas.openxmlformats.org/officeDocument/2006/relationships" xmlns:p="http://schemas.openxmlformats.org/presentationml/2006/main">
-  <p:cSld>
-    <p:spTree>
-      <p:nvGrpSpPr>
-        <p:cNvPr id="1" name=""/>
-        <p:cNvGrpSpPr/>
-        <p:nvPr/>
-      </p:nvGrpSpPr>
-      <p:grpSpPr>
-        <a:xfrm>
-          <a:off x="0" y="0"/>
-          <a:ext cx="0" cy="0"/>
-          <a:chOff x="0" y="0"/>
-          <a:chExt cx="0" cy="0"/>
-        </a:xfrm>
-      </p:grpSpPr>
-      <p:sp>
-        <p:nvSpPr>
-          <p:cNvPr id="2" name="Title 1">
-            <a:extLst>
-              <a:ext uri="{FF2B5EF4-FFF2-40B4-BE49-F238E27FC236}">
-                <a16:creationId xmlns:a16="http://schemas.microsoft.com/office/drawing/2014/main" id="{8BC34041-32A2-4032-A27B-573C12D68D44}"/>
-              </a:ext>
-            </a:extLst>
-          </p:cNvPr>
-          <p:cNvSpPr>
-            <a:spLocks noGrp="1"/>
-          </p:cNvSpPr>
-          <p:nvPr>
-            <p:ph type="title"/>
-          </p:nvPr>
-        </p:nvSpPr>
-        <p:spPr/>
-        <p:txBody>
-          <a:bodyPr/>
-          <a:lstStyle/>
-          <a:p>
-            <a:r>
-              <a:rPr lang="ru-RU" dirty="0"/>
-              <a:t>Что «под капотом»?</a:t>
-            </a:r>
-            <a:endParaRPr lang="en-US" dirty="0"/>
-          </a:p>
-        </p:txBody>
-      </p:sp>
-      <p:sp>
-        <p:nvSpPr>
-          <p:cNvPr id="3" name="Content Placeholder 2">
-            <a:extLst>
-              <a:ext uri="{FF2B5EF4-FFF2-40B4-BE49-F238E27FC236}">
-                <a16:creationId xmlns:a16="http://schemas.microsoft.com/office/drawing/2014/main" id="{2A6C90C1-F95C-452A-A1D2-42E7BF4903C1}"/>
-              </a:ext>
-            </a:extLst>
-          </p:cNvPr>
-          <p:cNvSpPr>
-            <a:spLocks noGrp="1"/>
-          </p:cNvSpPr>
-          <p:nvPr>
-            <p:ph idx="1"/>
-          </p:nvPr>
-        </p:nvSpPr>
-        <p:spPr/>
-        <p:txBody>
-          <a:bodyPr/>
-          <a:lstStyle/>
-          <a:p>
-            <a:r>
-              <a:rPr lang="en-US" dirty="0"/>
-              <a:t>Immutable structures</a:t>
-            </a:r>
-          </a:p>
-          <a:p>
-            <a:r>
-              <a:rPr lang="en-US" dirty="0"/>
-              <a:t>Red-green trees</a:t>
-            </a:r>
-          </a:p>
-        </p:txBody>
-      </p:sp>
-    </p:spTree>
-    <p:extLst>
-      <p:ext uri="{BB962C8B-B14F-4D97-AF65-F5344CB8AC3E}">
-        <p14:creationId xmlns:p14="http://schemas.microsoft.com/office/powerpoint/2010/main" val="1577366170"/>
-      </p:ext>
-    </p:extLst>
-  </p:cSld>
-  <p:clrMapOvr>
-    <a:masterClrMapping/>
-  </p:clrMapOvr>
-</p:sld>
-</file>
-
-<file path=ppt/slides/slide42.xml><?xml version="1.0" encoding="utf-8"?>
-<p:sld xmlns:a="http://schemas.openxmlformats.org/drawingml/2006/main" xmlns:r="http://schemas.openxmlformats.org/officeDocument/2006/relationships" xmlns:p="http://schemas.openxmlformats.org/presentationml/2006/main">
-  <p:cSld>
-    <p:spTree>
-      <p:nvGrpSpPr>
-        <p:cNvPr id="1" name=""/>
-        <p:cNvGrpSpPr/>
-        <p:nvPr/>
-      </p:nvGrpSpPr>
-      <p:grpSpPr>
-        <a:xfrm>
-          <a:off x="0" y="0"/>
-          <a:ext cx="0" cy="0"/>
-          <a:chOff x="0" y="0"/>
-          <a:chExt cx="0" cy="0"/>
-        </a:xfrm>
-      </p:grpSpPr>
-      <p:sp>
-        <p:nvSpPr>
-          <p:cNvPr id="2" name="Title 1">
-            <a:extLst>
-              <a:ext uri="{FF2B5EF4-FFF2-40B4-BE49-F238E27FC236}">
-                <a16:creationId xmlns:a16="http://schemas.microsoft.com/office/drawing/2014/main" id="{823512E2-8127-4720-B0BB-D979BE1AD904}"/>
-              </a:ext>
-            </a:extLst>
-          </p:cNvPr>
-          <p:cNvSpPr>
-            <a:spLocks noGrp="1"/>
-          </p:cNvSpPr>
-          <p:nvPr>
-            <p:ph type="title"/>
-          </p:nvPr>
-        </p:nvSpPr>
-        <p:spPr/>
-        <p:txBody>
-          <a:bodyPr/>
-          <a:lstStyle/>
-          <a:p>
-            <a:r>
-              <a:rPr lang="ru-RU" dirty="0"/>
-              <a:t>Что ещё можно делать с помощью </a:t>
-            </a:r>
-            <a:r>
-              <a:rPr lang="en-US" dirty="0"/>
-              <a:t>Roslyn?</a:t>
-            </a:r>
-          </a:p>
-        </p:txBody>
-      </p:sp>
-      <p:sp>
-        <p:nvSpPr>
-          <p:cNvPr id="3" name="Content Placeholder 2">
-            <a:extLst>
-              <a:ext uri="{FF2B5EF4-FFF2-40B4-BE49-F238E27FC236}">
-                <a16:creationId xmlns:a16="http://schemas.microsoft.com/office/drawing/2014/main" id="{251A260A-F254-4F1D-8C42-E9F2D06F5EE3}"/>
-              </a:ext>
-            </a:extLst>
-          </p:cNvPr>
-          <p:cNvSpPr>
-            <a:spLocks noGrp="1"/>
-          </p:cNvSpPr>
-          <p:nvPr>
-            <p:ph idx="1"/>
-          </p:nvPr>
-        </p:nvSpPr>
-        <p:spPr/>
-        <p:txBody>
-          <a:bodyPr/>
-          <a:lstStyle/>
-          <a:p>
-            <a:r>
-              <a:rPr lang="ru-RU" dirty="0"/>
-              <a:t>Рефакторинги</a:t>
-            </a:r>
-          </a:p>
-          <a:p>
-            <a:r>
-              <a:rPr lang="ru-RU" dirty="0"/>
-              <a:t>Массовое изменение кода в случае обновления </a:t>
-            </a:r>
-            <a:r>
-              <a:rPr lang="en-US" dirty="0"/>
-              <a:t>API</a:t>
-            </a:r>
-            <a:endParaRPr lang="ru-RU" dirty="0"/>
-          </a:p>
-          <a:p>
-            <a:r>
-              <a:rPr lang="ru-RU" dirty="0"/>
-              <a:t>Расширения </a:t>
-            </a:r>
-            <a:r>
-              <a:rPr lang="en-US" dirty="0"/>
-              <a:t>IntelliSense</a:t>
-            </a:r>
-            <a:r>
-              <a:rPr lang="ru-RU" dirty="0"/>
-              <a:t> (например, для </a:t>
-            </a:r>
-            <a:r>
-              <a:rPr lang="en-US" dirty="0"/>
-              <a:t>DSL</a:t>
-            </a:r>
-            <a:r>
-              <a:rPr lang="ru-RU" dirty="0"/>
-              <a:t>)</a:t>
-            </a:r>
-            <a:endParaRPr lang="en-US" dirty="0"/>
-          </a:p>
-          <a:p>
-            <a:r>
-              <a:rPr lang="ru-RU" dirty="0"/>
-              <a:t>Подсветка синтаксиса</a:t>
-            </a:r>
-          </a:p>
-          <a:p>
-            <a:r>
-              <a:rPr lang="ru-RU" dirty="0"/>
-              <a:t>Навигация по коду</a:t>
-            </a:r>
-            <a:endParaRPr lang="en-US" dirty="0"/>
-          </a:p>
-        </p:txBody>
-      </p:sp>
-    </p:spTree>
-    <p:extLst>
-      <p:ext uri="{BB962C8B-B14F-4D97-AF65-F5344CB8AC3E}">
-        <p14:creationId xmlns:p14="http://schemas.microsoft.com/office/powerpoint/2010/main" val="2593586819"/>
-      </p:ext>
-    </p:extLst>
-  </p:cSld>
-  <p:clrMapOvr>
-    <a:masterClrMapping/>
-  </p:clrMapOvr>
-</p:sld>
-</file>
-
-<file path=ppt/slides/slide43.xml><?xml version="1.0" encoding="utf-8"?>
-<p:sld xmlns:a="http://schemas.openxmlformats.org/drawingml/2006/main" xmlns:r="http://schemas.openxmlformats.org/officeDocument/2006/relationships" xmlns:p="http://schemas.openxmlformats.org/presentationml/2006/main">
-  <p:cSld>
-    <p:spTree>
-      <p:nvGrpSpPr>
-        <p:cNvPr id="1" name=""/>
-        <p:cNvGrpSpPr/>
-        <p:nvPr/>
-      </p:nvGrpSpPr>
-      <p:grpSpPr>
-        <a:xfrm>
-          <a:off x="0" y="0"/>
-          <a:ext cx="0" cy="0"/>
-          <a:chOff x="0" y="0"/>
-          <a:chExt cx="0" cy="0"/>
-        </a:xfrm>
-      </p:grpSpPr>
-      <p:sp>
-        <p:nvSpPr>
-          <p:cNvPr id="2" name="Title 1">
-            <a:extLst>
-              <a:ext uri="{FF2B5EF4-FFF2-40B4-BE49-F238E27FC236}">
-                <a16:creationId xmlns:a16="http://schemas.microsoft.com/office/drawing/2014/main" id="{0F91ECAA-8311-402F-9DC4-9861CEBC2DCD}"/>
-              </a:ext>
-            </a:extLst>
-          </p:cNvPr>
-          <p:cNvSpPr>
-            <a:spLocks noGrp="1"/>
-          </p:cNvSpPr>
-          <p:nvPr>
-            <p:ph type="title"/>
-          </p:nvPr>
-        </p:nvSpPr>
-        <p:spPr>
-          <a:xfrm>
-            <a:off x="838200" y="365125"/>
-            <a:ext cx="10515600" cy="1325563"/>
-          </a:xfrm>
-        </p:spPr>
-        <p:txBody>
-          <a:bodyPr/>
-          <a:lstStyle/>
-          <a:p>
-            <a:r>
-              <a:rPr lang="ru-RU" dirty="0"/>
-              <a:t>Реализуем свой </a:t>
-            </a:r>
-            <a:r>
-              <a:rPr lang="en-US" dirty="0"/>
-              <a:t>IntelliSense</a:t>
-            </a:r>
-          </a:p>
-        </p:txBody>
-      </p:sp>
-      <p:sp>
-        <p:nvSpPr>
-          <p:cNvPr id="3" name="Content Placeholder 2">
-            <a:extLst>
-              <a:ext uri="{FF2B5EF4-FFF2-40B4-BE49-F238E27FC236}">
-                <a16:creationId xmlns:a16="http://schemas.microsoft.com/office/drawing/2014/main" id="{F7004781-E53E-41C2-85F9-FE340772F4C2}"/>
-              </a:ext>
-            </a:extLst>
-          </p:cNvPr>
-          <p:cNvSpPr>
-            <a:spLocks noGrp="1"/>
-          </p:cNvSpPr>
-          <p:nvPr>
-            <p:ph idx="1"/>
-          </p:nvPr>
-        </p:nvSpPr>
-        <p:spPr/>
-        <p:txBody>
-          <a:bodyPr/>
-          <a:lstStyle/>
-          <a:p>
-            <a:r>
-              <a:rPr lang="en-US" dirty="0"/>
-              <a:t>SQL IntelliSense for Dapper queries</a:t>
-            </a:r>
-          </a:p>
-        </p:txBody>
-      </p:sp>
-    </p:spTree>
-    <p:extLst>
-      <p:ext uri="{BB962C8B-B14F-4D97-AF65-F5344CB8AC3E}">
-        <p14:creationId xmlns:p14="http://schemas.microsoft.com/office/powerpoint/2010/main" val="2286029866"/>
-      </p:ext>
-    </p:extLst>
-  </p:cSld>
-  <p:clrMapOvr>
-    <a:masterClrMapping/>
-  </p:clrMapOvr>
-</p:sld>
-</file>
-
-<file path=ppt/slides/slide5.xml><?xml version="1.0" encoding="utf-8"?>
-<p:sld xmlns:a="http://schemas.openxmlformats.org/drawingml/2006/main" xmlns:r="http://schemas.openxmlformats.org/officeDocument/2006/relationships" xmlns:p="http://schemas.openxmlformats.org/presentationml/2006/main">
-  <p:cSld>
-    <p:spTree>
-      <p:nvGrpSpPr>
-        <p:cNvPr id="1" name=""/>
-        <p:cNvGrpSpPr/>
-        <p:nvPr/>
-      </p:nvGrpSpPr>
-      <p:grpSpPr>
-        <a:xfrm>
-          <a:off x="0" y="0"/>
-          <a:ext cx="0" cy="0"/>
-          <a:chOff x="0" y="0"/>
-          <a:chExt cx="0" cy="0"/>
-        </a:xfrm>
-      </p:grpSpPr>
-      <p:sp>
-        <p:nvSpPr>
-          <p:cNvPr id="2" name="Title 1">
-            <a:extLst>
-              <a:ext uri="{FF2B5EF4-FFF2-40B4-BE49-F238E27FC236}">
-                <a16:creationId xmlns:a16="http://schemas.microsoft.com/office/drawing/2014/main" id="{284F46F4-3626-4F5A-B528-EA736D6C47E4}"/>
-              </a:ext>
-            </a:extLst>
-          </p:cNvPr>
-          <p:cNvSpPr>
-            <a:spLocks noGrp="1"/>
-          </p:cNvSpPr>
-          <p:nvPr>
-            <p:ph type="title"/>
-          </p:nvPr>
-        </p:nvSpPr>
-        <p:spPr/>
-        <p:txBody>
-          <a:bodyPr/>
-          <a:lstStyle/>
-          <a:p>
-            <a:r>
-              <a:rPr lang="ru-RU" dirty="0"/>
-              <a:t>Каждый разработчик сталкивался с этим…</a:t>
-            </a:r>
-            <a:endParaRPr lang="en-US" dirty="0"/>
-          </a:p>
-        </p:txBody>
-      </p:sp>
-      <p:pic>
-        <p:nvPicPr>
-          <p:cNvPr id="5" name="Content Placeholder 4">
-            <a:extLst>
-              <a:ext uri="{FF2B5EF4-FFF2-40B4-BE49-F238E27FC236}">
-                <a16:creationId xmlns:a16="http://schemas.microsoft.com/office/drawing/2014/main" id="{BBFC36D3-3814-42C7-B761-2C637AB436FB}"/>
-              </a:ext>
-            </a:extLst>
-          </p:cNvPr>
-          <p:cNvPicPr>
-            <a:picLocks noGrp="1" noChangeAspect="1"/>
-          </p:cNvPicPr>
-          <p:nvPr>
-            <p:ph idx="1"/>
-          </p:nvPr>
-        </p:nvPicPr>
-        <p:blipFill>
-          <a:blip r:embed="rId2">
-            <a:extLst>
-              <a:ext uri="{28A0092B-C50C-407E-A947-70E740481C1C}">
-                <a14:useLocalDpi xmlns:a14="http://schemas.microsoft.com/office/drawing/2010/main" val="0"/>
-              </a:ext>
-            </a:extLst>
-          </a:blip>
-          <a:srcRect/>
-          <a:stretch/>
-        </p:blipFill>
-        <p:spPr>
-          <a:xfrm>
-            <a:off x="2682239" y="1920875"/>
-            <a:ext cx="6827520" cy="4572000"/>
-          </a:xfrm>
-        </p:spPr>
-      </p:pic>
-    </p:spTree>
-    <p:extLst>
-      <p:ext uri="{BB962C8B-B14F-4D97-AF65-F5344CB8AC3E}">
-        <p14:creationId xmlns:p14="http://schemas.microsoft.com/office/powerpoint/2010/main" val="3906313589"/>
-      </p:ext>
-    </p:extLst>
-  </p:cSld>
-  <p:clrMapOvr>
-    <a:masterClrMapping/>
-  </p:clrMapOvr>
-</p:sld>
-</file>
-
 <file path=ppt/slides/slide6.xml><?xml version="1.0" encoding="utf-8"?>
 <p:sld xmlns:a="http://schemas.openxmlformats.org/drawingml/2006/main" xmlns:r="http://schemas.openxmlformats.org/officeDocument/2006/relationships" xmlns:p="http://schemas.openxmlformats.org/presentationml/2006/main">
   <p:cSld>
@@ -9382,7 +10614,7 @@
           <p:cNvPr id="2" name="Title 1">
             <a:extLst>
               <a:ext uri="{FF2B5EF4-FFF2-40B4-BE49-F238E27FC236}">
-                <a16:creationId xmlns:a16="http://schemas.microsoft.com/office/drawing/2014/main" id="{E638989E-154F-4D06-8710-CE82CF72048A}"/>
+                <a16:creationId xmlns:a16="http://schemas.microsoft.com/office/drawing/2014/main" id="{D0168AD4-33D5-4C67-8118-67C618D83D5E}"/>
               </a:ext>
             </a:extLst>
           </p:cNvPr>
@@ -9400,86 +10632,70 @@
           <a:p>
             <a:r>
               <a:rPr lang="ru-RU" dirty="0"/>
-              <a:t>Чем раньше, тем лучше</a:t>
+              <a:t>Типичные представители</a:t>
             </a:r>
             <a:endParaRPr lang="en-US" dirty="0"/>
           </a:p>
         </p:txBody>
       </p:sp>
-      <p:pic>
-        <p:nvPicPr>
-          <p:cNvPr id="6" name="Content Placeholder 5" descr="A close up of a logo&#10;&#10;Description automatically generated">
-            <a:extLst>
-              <a:ext uri="{FF2B5EF4-FFF2-40B4-BE49-F238E27FC236}">
-                <a16:creationId xmlns:a16="http://schemas.microsoft.com/office/drawing/2014/main" id="{876BC374-F196-411F-AC49-5E9BE3254FA5}"/>
-              </a:ext>
-            </a:extLst>
-          </p:cNvPr>
-          <p:cNvPicPr>
-            <a:picLocks noGrp="1" noChangeAspect="1"/>
-          </p:cNvPicPr>
+      <p:sp>
+        <p:nvSpPr>
+          <p:cNvPr id="3" name="Content Placeholder 2">
+            <a:extLst>
+              <a:ext uri="{FF2B5EF4-FFF2-40B4-BE49-F238E27FC236}">
+                <a16:creationId xmlns:a16="http://schemas.microsoft.com/office/drawing/2014/main" id="{AC0CFA4D-35AB-4C9C-A19E-ED0DCB771AD7}"/>
+              </a:ext>
+            </a:extLst>
+          </p:cNvPr>
+          <p:cNvSpPr>
+            <a:spLocks noGrp="1"/>
+          </p:cNvSpPr>
           <p:nvPr>
             <p:ph idx="1"/>
           </p:nvPr>
-        </p:nvPicPr>
-        <p:blipFill>
-          <a:blip r:embed="rId2">
-            <a:extLst>
-              <a:ext uri="{28A0092B-C50C-407E-A947-70E740481C1C}">
-                <a14:useLocalDpi xmlns:a14="http://schemas.microsoft.com/office/drawing/2010/main" val="0"/>
-              </a:ext>
-            </a:extLst>
-          </a:blip>
-          <a:stretch>
-            <a:fillRect/>
-          </a:stretch>
-        </p:blipFill>
-        <p:spPr>
-          <a:xfrm>
-            <a:off x="838199" y="1690688"/>
-            <a:ext cx="7664245" cy="4786274"/>
-          </a:xfrm>
-        </p:spPr>
-      </p:pic>
-      <p:sp>
-        <p:nvSpPr>
-          <p:cNvPr id="7" name="TextBox 6">
-            <a:extLst>
-              <a:ext uri="{FF2B5EF4-FFF2-40B4-BE49-F238E27FC236}">
-                <a16:creationId xmlns:a16="http://schemas.microsoft.com/office/drawing/2014/main" id="{3AE36800-5F92-476A-B626-A17B4D2E37E0}"/>
-              </a:ext>
-            </a:extLst>
-          </p:cNvPr>
-          <p:cNvSpPr txBox="1"/>
-          <p:nvPr/>
-        </p:nvSpPr>
-        <p:spPr>
-          <a:xfrm>
-            <a:off x="1128252" y="6233613"/>
-            <a:ext cx="2155847" cy="369332"/>
-          </a:xfrm>
-          <a:prstGeom prst="rect">
-            <a:avLst/>
-          </a:prstGeom>
-          <a:noFill/>
-        </p:spPr>
-        <p:txBody>
-          <a:bodyPr wrap="none" rtlCol="0">
-            <a:spAutoFit/>
-          </a:bodyPr>
+        </p:nvSpPr>
+        <p:spPr/>
+        <p:txBody>
+          <a:bodyPr/>
           <a:lstStyle/>
           <a:p>
             <a:r>
               <a:rPr lang="en-US" dirty="0"/>
-              <a:t>© 2013, Ulf Eriksson</a:t>
-            </a:r>
+              <a:t>Visual Studio</a:t>
+            </a:r>
+          </a:p>
+          <a:p>
+            <a:r>
+              <a:rPr lang="en-US" dirty="0"/>
+              <a:t>ReSharper</a:t>
+            </a:r>
+          </a:p>
+          <a:p>
+            <a:r>
+              <a:rPr lang="en-US" dirty="0"/>
+              <a:t>PVS-Studio</a:t>
+            </a:r>
+          </a:p>
+          <a:p>
+            <a:r>
+              <a:rPr lang="en-US" dirty="0" err="1"/>
+              <a:t>FxCop</a:t>
+            </a:r>
+            <a:endParaRPr lang="en-US" dirty="0"/>
+          </a:p>
+          <a:p>
+            <a:r>
+              <a:rPr lang="en-US" dirty="0" err="1"/>
+              <a:t>Roslynator</a:t>
+            </a:r>
+            <a:endParaRPr lang="en-US" dirty="0"/>
           </a:p>
         </p:txBody>
       </p:sp>
     </p:spTree>
     <p:extLst>
       <p:ext uri="{BB962C8B-B14F-4D97-AF65-F5344CB8AC3E}">
-        <p14:creationId xmlns:p14="http://schemas.microsoft.com/office/powerpoint/2010/main" val="2927567195"/>
+        <p14:creationId xmlns:p14="http://schemas.microsoft.com/office/powerpoint/2010/main" val="1233877229"/>
       </p:ext>
     </p:extLst>
   </p:cSld>
@@ -9511,7 +10727,7 @@
           <p:cNvPr id="2" name="Title 1">
             <a:extLst>
               <a:ext uri="{FF2B5EF4-FFF2-40B4-BE49-F238E27FC236}">
-                <a16:creationId xmlns:a16="http://schemas.microsoft.com/office/drawing/2014/main" id="{A72D9AF2-672A-46F1-B789-7FF2B1B6D8AF}"/>
+                <a16:creationId xmlns:a16="http://schemas.microsoft.com/office/drawing/2014/main" id="{5496BE6C-9B23-4E0E-BFDC-BC9A35C690AD}"/>
               </a:ext>
             </a:extLst>
           </p:cNvPr>
@@ -9529,51 +10745,68 @@
           <a:p>
             <a:r>
               <a:rPr lang="ru-RU" dirty="0"/>
-              <a:t>Чем раньше, тем лучше</a:t>
+              <a:t>Когда стоит писать свой собственный анализ кода?</a:t>
             </a:r>
             <a:endParaRPr lang="en-US" dirty="0"/>
           </a:p>
         </p:txBody>
       </p:sp>
-      <p:pic>
-        <p:nvPicPr>
-          <p:cNvPr id="5" name="Content Placeholder 4" descr="A close up of text on a white background&#10;&#10;Description automatically generated">
-            <a:extLst>
-              <a:ext uri="{FF2B5EF4-FFF2-40B4-BE49-F238E27FC236}">
-                <a16:creationId xmlns:a16="http://schemas.microsoft.com/office/drawing/2014/main" id="{7309D91D-EB12-4745-80B9-CCF94360FA9E}"/>
-              </a:ext>
-            </a:extLst>
-          </p:cNvPr>
-          <p:cNvPicPr>
-            <a:picLocks noGrp="1" noChangeAspect="1"/>
-          </p:cNvPicPr>
+      <p:sp>
+        <p:nvSpPr>
+          <p:cNvPr id="3" name="Content Placeholder 2">
+            <a:extLst>
+              <a:ext uri="{FF2B5EF4-FFF2-40B4-BE49-F238E27FC236}">
+                <a16:creationId xmlns:a16="http://schemas.microsoft.com/office/drawing/2014/main" id="{4A6F8CBB-8DAF-4326-B8F0-4FB406E09054}"/>
+              </a:ext>
+            </a:extLst>
+          </p:cNvPr>
+          <p:cNvSpPr>
+            <a:spLocks noGrp="1"/>
+          </p:cNvSpPr>
           <p:nvPr>
             <p:ph idx="1"/>
           </p:nvPr>
-        </p:nvPicPr>
-        <p:blipFill>
-          <a:blip r:embed="rId2">
-            <a:extLst>
-              <a:ext uri="{28A0092B-C50C-407E-A947-70E740481C1C}">
-                <a14:useLocalDpi xmlns:a14="http://schemas.microsoft.com/office/drawing/2010/main" val="0"/>
-              </a:ext>
-            </a:extLst>
-          </a:blip>
-          <a:stretch>
-            <a:fillRect/>
-          </a:stretch>
-        </p:blipFill>
-        <p:spPr>
-          <a:xfrm>
-            <a:off x="838199" y="1690687"/>
-            <a:ext cx="6587613" cy="4931299"/>
-          </a:xfrm>
-        </p:spPr>
-      </p:pic>
+        </p:nvSpPr>
+        <p:spPr/>
+        <p:txBody>
+          <a:bodyPr/>
+          <a:lstStyle/>
+          <a:p>
+            <a:r>
+              <a:rPr lang="ru-RU" dirty="0"/>
+              <a:t>У вас есть свой фреймворк, который используют другие люди</a:t>
+            </a:r>
+          </a:p>
+          <a:p>
+            <a:r>
+              <a:rPr lang="ru-RU" dirty="0"/>
+              <a:t>Вы используете сторонний фреймворк с большим количеством «подводных камней», и устали наступать на грабли</a:t>
+            </a:r>
+          </a:p>
+          <a:p>
+            <a:r>
+              <a:rPr lang="ru-RU" dirty="0"/>
+              <a:t>Есть специфические требования к </a:t>
+            </a:r>
+            <a:r>
+              <a:rPr lang="en-US" dirty="0"/>
+              <a:t>code style</a:t>
+            </a:r>
+            <a:endParaRPr lang="ru-RU" dirty="0"/>
+          </a:p>
+          <a:p>
+            <a:r>
+              <a:rPr lang="en-US" dirty="0"/>
+              <a:t>Just for fun!</a:t>
+            </a:r>
+            <a:endParaRPr lang="ru-RU" dirty="0"/>
+          </a:p>
+        </p:txBody>
+      </p:sp>
     </p:spTree>
     <p:extLst>
       <p:ext uri="{BB962C8B-B14F-4D97-AF65-F5344CB8AC3E}">
-        <p14:creationId xmlns:p14="http://schemas.microsoft.com/office/powerpoint/2010/main" val="3778002687"/>
+        <p14:creationId xmlns:p14="http://schemas.microsoft.com/office/powerpoint/2010/main" val="2339302398"/>
       </p:ext>
     </p:extLst>
   </p:cSld>
@@ -9605,7 +10838,7 @@
           <p:cNvPr id="2" name="Title 1">
             <a:extLst>
               <a:ext uri="{FF2B5EF4-FFF2-40B4-BE49-F238E27FC236}">
-                <a16:creationId xmlns:a16="http://schemas.microsoft.com/office/drawing/2014/main" id="{E6E3EB1F-698E-43E4-91BC-5C67A7F8771B}"/>
+                <a16:creationId xmlns:a16="http://schemas.microsoft.com/office/drawing/2014/main" id="{F5F51159-F137-403B-9332-5E7BE04AB8E4}"/>
               </a:ext>
             </a:extLst>
           </p:cNvPr>
@@ -9623,7 +10856,7 @@
           <a:p>
             <a:r>
               <a:rPr lang="ru-RU" dirty="0"/>
-              <a:t>Есть решение: статический анализ кода!</a:t>
+              <a:t>Зачем мы написали свыше 70 анализаторов на Roslyn </a:t>
             </a:r>
             <a:endParaRPr lang="en-US" dirty="0"/>
           </a:p>
@@ -9634,7 +10867,7 @@
           <p:cNvPr id="3" name="Content Placeholder 2">
             <a:extLst>
               <a:ext uri="{FF2B5EF4-FFF2-40B4-BE49-F238E27FC236}">
-                <a16:creationId xmlns:a16="http://schemas.microsoft.com/office/drawing/2014/main" id="{2165929C-9BBF-41B1-9AE8-9EC66A074D51}"/>
+                <a16:creationId xmlns:a16="http://schemas.microsoft.com/office/drawing/2014/main" id="{DA53666F-2156-4723-8190-00CBF1F082ED}"/>
               </a:ext>
             </a:extLst>
           </p:cNvPr>
@@ -9652,46 +10885,27 @@
           <a:p>
             <a:r>
               <a:rPr lang="ru-RU" dirty="0"/>
-              <a:t>Ошибки заметны ещё на этапе написания кода в </a:t>
-            </a:r>
+              <a:t>Огромный фреймворк с большим числом внешних разработчиков</a:t>
+            </a:r>
+          </a:p>
+          <a:p>
+            <a:r>
+              <a:rPr lang="ru-RU" dirty="0"/>
+              <a:t>Много правил, которые невозможно задать на уровне языка</a:t>
+            </a:r>
+          </a:p>
+          <a:p>
             <a:r>
               <a:rPr lang="en-US" dirty="0"/>
-              <a:t>IDE</a:t>
-            </a:r>
-          </a:p>
-          <a:p>
-            <a:r>
-              <a:rPr lang="ru-RU" dirty="0"/>
-              <a:t>Распознаются сложные паттерны, незаметные человеку</a:t>
-            </a:r>
-          </a:p>
-          <a:p>
-            <a:r>
-              <a:rPr lang="ru-RU" dirty="0"/>
-              <a:t>Анализируется вся кодовая база (полное покрытие кода)</a:t>
-            </a:r>
-          </a:p>
-          <a:p>
-            <a:r>
-              <a:rPr lang="ru-RU" dirty="0"/>
-              <a:t>У статических анализаторов не «замыливается» глаз! Типично для ошибок «</a:t>
-            </a:r>
-            <a:r>
-              <a:rPr lang="en-US" dirty="0" err="1"/>
-              <a:t>copy&amp;paste</a:t>
-            </a:r>
-            <a:r>
-              <a:rPr lang="ru-RU" dirty="0"/>
-              <a:t>»</a:t>
-            </a:r>
-            <a:endParaRPr lang="en-US" dirty="0"/>
+              <a:t>Naming conventions</a:t>
+            </a:r>
           </a:p>
         </p:txBody>
       </p:sp>
     </p:spTree>
     <p:extLst>
       <p:ext uri="{BB962C8B-B14F-4D97-AF65-F5344CB8AC3E}">
-        <p14:creationId xmlns:p14="http://schemas.microsoft.com/office/powerpoint/2010/main" val="3391923106"/>
+        <p14:creationId xmlns:p14="http://schemas.microsoft.com/office/powerpoint/2010/main" val="2340216384"/>
       </p:ext>
     </p:extLst>
   </p:cSld>
@@ -9723,7 +10937,7 @@
           <p:cNvPr id="2" name="Title 1">
             <a:extLst>
               <a:ext uri="{FF2B5EF4-FFF2-40B4-BE49-F238E27FC236}">
-                <a16:creationId xmlns:a16="http://schemas.microsoft.com/office/drawing/2014/main" id="{D0168AD4-33D5-4C67-8118-67C618D83D5E}"/>
+                <a16:creationId xmlns:a16="http://schemas.microsoft.com/office/drawing/2014/main" id="{B46D942B-3C90-4329-BC27-506B0E555783}"/>
               </a:ext>
             </a:extLst>
           </p:cNvPr>
@@ -9741,7 +10955,7 @@
           <a:p>
             <a:r>
               <a:rPr lang="ru-RU" dirty="0"/>
-              <a:t>Типичные представители</a:t>
+              <a:t>Немножко теории</a:t>
             </a:r>
             <a:endParaRPr lang="en-US" dirty="0"/>
           </a:p>
@@ -9752,7 +10966,7 @@
           <p:cNvPr id="3" name="Content Placeholder 2">
             <a:extLst>
               <a:ext uri="{FF2B5EF4-FFF2-40B4-BE49-F238E27FC236}">
-                <a16:creationId xmlns:a16="http://schemas.microsoft.com/office/drawing/2014/main" id="{AC0CFA4D-35AB-4C9C-A19E-ED0DCB771AD7}"/>
+                <a16:creationId xmlns:a16="http://schemas.microsoft.com/office/drawing/2014/main" id="{A1FC2DBC-FD85-45B6-AEF2-15AEFD5E8C0F}"/>
               </a:ext>
             </a:extLst>
           </p:cNvPr>
@@ -9765,46 +10979,82 @@
         </p:nvSpPr>
         <p:spPr/>
         <p:txBody>
-          <a:bodyPr/>
-          <a:lstStyle/>
-          <a:p>
+          <a:bodyPr>
+            <a:normAutofit/>
+          </a:bodyPr>
+          <a:lstStyle/>
+          <a:p>
+            <a:r>
+              <a:rPr lang="en-US" b="1" dirty="0"/>
+              <a:t>Analyzer </a:t>
+            </a:r>
+            <a:r>
+              <a:rPr lang="ru-RU" b="1" dirty="0"/>
+              <a:t>(анализатор)</a:t>
+            </a:r>
+            <a:r>
+              <a:rPr lang="ru-RU" dirty="0"/>
+              <a:t> — класс, осуществляющий статический анализ кода</a:t>
+            </a:r>
+          </a:p>
+          <a:p>
+            <a:r>
+              <a:rPr lang="en-US" b="1" dirty="0"/>
+              <a:t>Diagnostic (</a:t>
+            </a:r>
+            <a:r>
+              <a:rPr lang="ru-RU" b="1" dirty="0"/>
+              <a:t>диагностика)</a:t>
+            </a:r>
+            <a:r>
+              <a:rPr lang="ru-RU" dirty="0"/>
+              <a:t> — найденное в коде нарушение вместе с его позицией в документе</a:t>
+            </a:r>
+          </a:p>
+          <a:p>
+            <a:r>
+              <a:rPr lang="en-US" b="1" dirty="0"/>
+              <a:t>Diagnostic Descriptor</a:t>
+            </a:r>
+            <a:r>
+              <a:rPr lang="ru-RU" dirty="0"/>
+              <a:t> — объект, описывающий конкретную диагностику</a:t>
+            </a:r>
             <a:r>
               <a:rPr lang="en-US" dirty="0"/>
-              <a:t>Visual Studio</a:t>
-            </a:r>
-          </a:p>
-          <a:p>
+              <a:t>: </a:t>
+            </a:r>
+            <a:r>
+              <a:rPr lang="ru-RU" dirty="0"/>
+              <a:t>её идентификатор, </a:t>
+            </a:r>
             <a:r>
               <a:rPr lang="en-US" dirty="0"/>
-              <a:t>ReSharper</a:t>
-            </a:r>
-          </a:p>
-          <a:p>
-            <a:r>
-              <a:rPr lang="en-US" dirty="0"/>
-              <a:t>PVS-Studio</a:t>
-            </a:r>
-          </a:p>
-          <a:p>
-            <a:r>
-              <a:rPr lang="en-US" dirty="0" err="1"/>
-              <a:t>FxCop</a:t>
-            </a:r>
-            <a:endParaRPr lang="en-US" dirty="0"/>
-          </a:p>
-          <a:p>
-            <a:r>
-              <a:rPr lang="en-US" dirty="0" err="1"/>
-              <a:t>Roslynator</a:t>
-            </a:r>
-            <a:endParaRPr lang="en-US" dirty="0"/>
+              <a:t>severity (error / warning / info), </a:t>
+            </a:r>
+            <a:r>
+              <a:rPr lang="ru-RU" dirty="0"/>
+              <a:t>название и т.п.</a:t>
+            </a:r>
+            <a:endParaRPr lang="ru-RU" b="1" dirty="0"/>
+          </a:p>
+          <a:p>
+            <a:r>
+              <a:rPr lang="en-US" b="1" dirty="0"/>
+              <a:t>Code Fix </a:t>
+            </a:r>
+            <a:r>
+              <a:rPr lang="ru-RU" dirty="0"/>
+              <a:t>— класс, применяющий к документу исправление для определённых диагностик</a:t>
+            </a:r>
+            <a:endParaRPr lang="en-US" b="1" dirty="0"/>
           </a:p>
         </p:txBody>
       </p:sp>
     </p:spTree>
     <p:extLst>
       <p:ext uri="{BB962C8B-B14F-4D97-AF65-F5344CB8AC3E}">
-        <p14:creationId xmlns:p14="http://schemas.microsoft.com/office/powerpoint/2010/main" val="1233877229"/>
+        <p14:creationId xmlns:p14="http://schemas.microsoft.com/office/powerpoint/2010/main" val="1662317691"/>
       </p:ext>
     </p:extLst>
   </p:cSld>
